--- a/reports/第四次汇报20161219.pptx
+++ b/reports/第四次汇报20161219.pptx
@@ -5,7 +5,7 @@
     <p:sldMasterId id="2147483648" r:id="rId1"/>
   </p:sldMasterIdLst>
   <p:notesMasterIdLst>
-    <p:notesMasterId r:id="rId31"/>
+    <p:notesMasterId r:id="rId25"/>
   </p:notesMasterIdLst>
   <p:sldIdLst>
     <p:sldId id="256" r:id="rId2"/>
@@ -26,17 +26,11 @@
     <p:sldId id="272" r:id="rId17"/>
     <p:sldId id="289" r:id="rId18"/>
     <p:sldId id="273" r:id="rId19"/>
-    <p:sldId id="274" r:id="rId20"/>
-    <p:sldId id="276" r:id="rId21"/>
-    <p:sldId id="275" r:id="rId22"/>
-    <p:sldId id="277" r:id="rId23"/>
-    <p:sldId id="278" r:id="rId24"/>
-    <p:sldId id="279" r:id="rId25"/>
-    <p:sldId id="280" r:id="rId26"/>
-    <p:sldId id="290" r:id="rId27"/>
-    <p:sldId id="282" r:id="rId28"/>
-    <p:sldId id="281" r:id="rId29"/>
-    <p:sldId id="261" r:id="rId30"/>
+    <p:sldId id="280" r:id="rId20"/>
+    <p:sldId id="290" r:id="rId21"/>
+    <p:sldId id="282" r:id="rId22"/>
+    <p:sldId id="281" r:id="rId23"/>
+    <p:sldId id="261" r:id="rId24"/>
   </p:sldIdLst>
   <p:sldSz cx="12192000" cy="6858000"/>
   <p:notesSz cx="6858000" cy="9144000"/>
@@ -589,174 +583,6 @@
 </p:notes>
 </file>
 
-<file path=ppt/notesSlides/notesSlide10.xml><?xml version="1.0" encoding="utf-8"?>
-<p:notes xmlns:a="http://schemas.openxmlformats.org/drawingml/2006/main" xmlns:r="http://schemas.openxmlformats.org/officeDocument/2006/relationships" xmlns:p="http://schemas.openxmlformats.org/presentationml/2006/main">
-  <p:cSld>
-    <p:spTree>
-      <p:nvGrpSpPr>
-        <p:cNvPr id="1" name=""/>
-        <p:cNvGrpSpPr/>
-        <p:nvPr/>
-      </p:nvGrpSpPr>
-      <p:grpSpPr>
-        <a:xfrm>
-          <a:off x="0" y="0"/>
-          <a:ext cx="0" cy="0"/>
-          <a:chOff x="0" y="0"/>
-          <a:chExt cx="0" cy="0"/>
-        </a:xfrm>
-      </p:grpSpPr>
-      <p:sp>
-        <p:nvSpPr>
-          <p:cNvPr id="2" name="幻灯片图像占位符 1"/>
-          <p:cNvSpPr>
-            <a:spLocks noGrp="1" noRot="1" noChangeAspect="1"/>
-          </p:cNvSpPr>
-          <p:nvPr>
-            <p:ph type="sldImg"/>
-          </p:nvPr>
-        </p:nvSpPr>
-        <p:spPr/>
-      </p:sp>
-      <p:sp>
-        <p:nvSpPr>
-          <p:cNvPr id="3" name="备注占位符 2"/>
-          <p:cNvSpPr>
-            <a:spLocks noGrp="1"/>
-          </p:cNvSpPr>
-          <p:nvPr>
-            <p:ph type="body" idx="1"/>
-          </p:nvPr>
-        </p:nvSpPr>
-        <p:spPr/>
-        <p:txBody>
-          <a:bodyPr/>
-          <a:lstStyle/>
-          <a:p>
-            <a:endParaRPr lang="zh-CN" altLang="en-US" dirty="0"/>
-          </a:p>
-        </p:txBody>
-      </p:sp>
-      <p:sp>
-        <p:nvSpPr>
-          <p:cNvPr id="4" name="灯片编号占位符 3"/>
-          <p:cNvSpPr>
-            <a:spLocks noGrp="1"/>
-          </p:cNvSpPr>
-          <p:nvPr>
-            <p:ph type="sldNum" sz="quarter" idx="10"/>
-          </p:nvPr>
-        </p:nvSpPr>
-        <p:spPr/>
-        <p:txBody>
-          <a:bodyPr/>
-          <a:lstStyle/>
-          <a:p>
-            <a:fld id="{DEDA26D9-A7B9-497F-9F0A-1FE55995D2AC}" type="slidenum">
-              <a:rPr lang="zh-CN" altLang="en-US" smtClean="0"/>
-              <a:t>23</a:t>
-            </a:fld>
-            <a:endParaRPr lang="zh-CN" altLang="en-US"/>
-          </a:p>
-        </p:txBody>
-      </p:sp>
-    </p:spTree>
-    <p:extLst>
-      <p:ext uri="{BB962C8B-B14F-4D97-AF65-F5344CB8AC3E}">
-        <p14:creationId xmlns:p14="http://schemas.microsoft.com/office/powerpoint/2010/main" val="4121514454"/>
-      </p:ext>
-    </p:extLst>
-  </p:cSld>
-  <p:clrMapOvr>
-    <a:masterClrMapping/>
-  </p:clrMapOvr>
-</p:notes>
-</file>
-
-<file path=ppt/notesSlides/notesSlide11.xml><?xml version="1.0" encoding="utf-8"?>
-<p:notes xmlns:a="http://schemas.openxmlformats.org/drawingml/2006/main" xmlns:r="http://schemas.openxmlformats.org/officeDocument/2006/relationships" xmlns:p="http://schemas.openxmlformats.org/presentationml/2006/main">
-  <p:cSld>
-    <p:spTree>
-      <p:nvGrpSpPr>
-        <p:cNvPr id="1" name=""/>
-        <p:cNvGrpSpPr/>
-        <p:nvPr/>
-      </p:nvGrpSpPr>
-      <p:grpSpPr>
-        <a:xfrm>
-          <a:off x="0" y="0"/>
-          <a:ext cx="0" cy="0"/>
-          <a:chOff x="0" y="0"/>
-          <a:chExt cx="0" cy="0"/>
-        </a:xfrm>
-      </p:grpSpPr>
-      <p:sp>
-        <p:nvSpPr>
-          <p:cNvPr id="2" name="幻灯片图像占位符 1"/>
-          <p:cNvSpPr>
-            <a:spLocks noGrp="1" noRot="1" noChangeAspect="1"/>
-          </p:cNvSpPr>
-          <p:nvPr>
-            <p:ph type="sldImg"/>
-          </p:nvPr>
-        </p:nvSpPr>
-        <p:spPr/>
-      </p:sp>
-      <p:sp>
-        <p:nvSpPr>
-          <p:cNvPr id="3" name="备注占位符 2"/>
-          <p:cNvSpPr>
-            <a:spLocks noGrp="1"/>
-          </p:cNvSpPr>
-          <p:nvPr>
-            <p:ph type="body" idx="1"/>
-          </p:nvPr>
-        </p:nvSpPr>
-        <p:spPr/>
-        <p:txBody>
-          <a:bodyPr/>
-          <a:lstStyle/>
-          <a:p>
-            <a:endParaRPr lang="zh-CN" altLang="en-US" dirty="0"/>
-          </a:p>
-        </p:txBody>
-      </p:sp>
-      <p:sp>
-        <p:nvSpPr>
-          <p:cNvPr id="4" name="灯片编号占位符 3"/>
-          <p:cNvSpPr>
-            <a:spLocks noGrp="1"/>
-          </p:cNvSpPr>
-          <p:nvPr>
-            <p:ph type="sldNum" sz="quarter" idx="10"/>
-          </p:nvPr>
-        </p:nvSpPr>
-        <p:spPr/>
-        <p:txBody>
-          <a:bodyPr/>
-          <a:lstStyle/>
-          <a:p>
-            <a:fld id="{DEDA26D9-A7B9-497F-9F0A-1FE55995D2AC}" type="slidenum">
-              <a:rPr lang="zh-CN" altLang="en-US" smtClean="0"/>
-              <a:t>28</a:t>
-            </a:fld>
-            <a:endParaRPr lang="zh-CN" altLang="en-US"/>
-          </a:p>
-        </p:txBody>
-      </p:sp>
-    </p:spTree>
-    <p:extLst>
-      <p:ext uri="{BB962C8B-B14F-4D97-AF65-F5344CB8AC3E}">
-        <p14:creationId xmlns:p14="http://schemas.microsoft.com/office/powerpoint/2010/main" val="1978501929"/>
-      </p:ext>
-    </p:extLst>
-  </p:cSld>
-  <p:clrMapOvr>
-    <a:masterClrMapping/>
-  </p:clrMapOvr>
-</p:notes>
-</file>
-
 <file path=ppt/notesSlides/notesSlide2.xml><?xml version="1.0" encoding="utf-8"?>
 <p:notes xmlns:a="http://schemas.openxmlformats.org/drawingml/2006/main" xmlns:r="http://schemas.openxmlformats.org/officeDocument/2006/relationships" xmlns:p="http://schemas.openxmlformats.org/presentationml/2006/main">
   <p:cSld>
@@ -1419,7 +1245,7 @@
     </p:spTree>
     <p:extLst>
       <p:ext uri="{BB962C8B-B14F-4D97-AF65-F5344CB8AC3E}">
-        <p14:creationId xmlns:p14="http://schemas.microsoft.com/office/powerpoint/2010/main" val="2920396051"/>
+        <p14:creationId xmlns:p14="http://schemas.microsoft.com/office/powerpoint/2010/main" val="1978501929"/>
       </p:ext>
     </p:extLst>
   </p:cSld>
@@ -9407,7 +9233,7 @@
                 <a:cs typeface="Times New Roman" panose="02020603050405020304" pitchFamily="18" charset="0"/>
                 <a:sym typeface="+mn-ea"/>
               </a:rPr>
-              <a:t>暗</a:t>
+              <a:t>数据</a:t>
             </a:r>
             <a:r>
               <a:rPr lang="zh-CN" altLang="en-US" sz="4400" dirty="0" smtClean="0">
@@ -9415,7 +9241,7 @@
                 <a:cs typeface="Times New Roman" panose="02020603050405020304" pitchFamily="18" charset="0"/>
                 <a:sym typeface="+mn-ea"/>
               </a:rPr>
-              <a:t>通道先验的原理及应用</a:t>
+              <a:t>集的构建</a:t>
             </a:r>
             <a:endParaRPr lang="en-US" altLang="zh-CN" sz="4400" dirty="0">
               <a:latin typeface="Times New Roman" panose="02020603050405020304" pitchFamily="18" charset="0"/>
@@ -9501,114 +9327,46 @@
               <a:buChar char="•"/>
             </a:pPr>
             <a:r>
-              <a:rPr lang="zh-CN" altLang="en-US" sz="2800" dirty="0">
-                <a:latin typeface="Times New Roman" panose="02020603050405020304" pitchFamily="18" charset="0"/>
-                <a:sym typeface="+mn-ea"/>
-              </a:rPr>
-              <a:t>王金</a:t>
-            </a:r>
-            <a:r>
               <a:rPr lang="zh-CN" altLang="en-US" sz="2800" dirty="0" smtClean="0">
                 <a:latin typeface="Times New Roman" panose="02020603050405020304" pitchFamily="18" charset="0"/>
                 <a:sym typeface="+mn-ea"/>
               </a:rPr>
-              <a:t>鹏开题报告</a:t>
-            </a:r>
-            <a:r>
-              <a:rPr lang="en-US" altLang="zh-CN" sz="2800" dirty="0" smtClean="0">
-                <a:latin typeface="Times New Roman" panose="02020603050405020304" pitchFamily="18" charset="0"/>
-                <a:sym typeface="+mn-ea"/>
-              </a:rPr>
-              <a:t>《</a:t>
-            </a:r>
-            <a:r>
-              <a:rPr lang="zh-CN" altLang="zh-CN" sz="2800" dirty="0" smtClean="0"/>
-              <a:t>基于</a:t>
-            </a:r>
-            <a:r>
-              <a:rPr lang="en-US" altLang="zh-CN" sz="2800" dirty="0"/>
-              <a:t>R</a:t>
-            </a:r>
-            <a:r>
-              <a:rPr lang="zh-CN" altLang="zh-CN" sz="2800" dirty="0"/>
-              <a:t>通道先验的水下图像处理</a:t>
-            </a:r>
-            <a:r>
-              <a:rPr lang="en-US" altLang="zh-CN" sz="2800" dirty="0" smtClean="0">
-                <a:latin typeface="Times New Roman" panose="02020603050405020304" pitchFamily="18" charset="0"/>
-                <a:sym typeface="+mn-ea"/>
-              </a:rPr>
-              <a:t>》</a:t>
-            </a:r>
-          </a:p>
-          <a:p>
-            <a:pPr marL="342900" indent="-342900">
-              <a:lnSpc>
-                <a:spcPct val="90000"/>
-              </a:lnSpc>
-              <a:spcBef>
-                <a:spcPts val="1000"/>
-              </a:spcBef>
-              <a:buFont typeface="Wingdings" panose="05000000000000000000" pitchFamily="2" charset="2"/>
-              <a:buChar char="ü"/>
+              <a:t>构建数据集</a:t>
+            </a:r>
+            <a:endParaRPr lang="en-US" altLang="zh-CN" sz="2800" dirty="0" smtClean="0">
+              <a:latin typeface="Times New Roman" panose="02020603050405020304" pitchFamily="18" charset="0"/>
+              <a:sym typeface="+mn-ea"/>
+            </a:endParaRPr>
+          </a:p>
+          <a:p>
+            <a:pPr>
+              <a:lnSpc>
+                <a:spcPct val="90000"/>
+              </a:lnSpc>
+              <a:spcBef>
+                <a:spcPts val="1000"/>
+              </a:spcBef>
+            </a:pPr>
+            <a:endParaRPr lang="en-US" altLang="zh-CN" sz="2800" dirty="0" smtClean="0">
+              <a:latin typeface="Times New Roman" panose="02020603050405020304" pitchFamily="18" charset="0"/>
+              <a:sym typeface="+mn-ea"/>
+            </a:endParaRPr>
+          </a:p>
+          <a:p>
+            <a:pPr>
+              <a:lnSpc>
+                <a:spcPct val="90000"/>
+              </a:lnSpc>
+              <a:spcBef>
+                <a:spcPts val="1000"/>
+              </a:spcBef>
             </a:pPr>
             <a:r>
               <a:rPr lang="zh-CN" altLang="en-US" sz="2400" dirty="0" smtClean="0">
                 <a:latin typeface="Times New Roman" panose="02020603050405020304" pitchFamily="18" charset="0"/>
                 <a:sym typeface="+mn-ea"/>
               </a:rPr>
-              <a:t>      在水中红光衰减最快，对应图像中的</a:t>
-            </a:r>
-            <a:r>
-              <a:rPr lang="en-US" altLang="zh-CN" sz="2400" dirty="0" smtClean="0">
-                <a:latin typeface="Times New Roman" panose="02020603050405020304" pitchFamily="18" charset="0"/>
-                <a:sym typeface="+mn-ea"/>
-              </a:rPr>
-              <a:t>R</a:t>
-            </a:r>
-            <a:r>
-              <a:rPr lang="zh-CN" altLang="en-US" sz="2400" dirty="0" smtClean="0">
-                <a:latin typeface="Times New Roman" panose="02020603050405020304" pitchFamily="18" charset="0"/>
-                <a:sym typeface="+mn-ea"/>
-              </a:rPr>
-              <a:t>通道。</a:t>
-            </a:r>
-            <a:endParaRPr lang="en-US" altLang="zh-CN" sz="2400" dirty="0" smtClean="0">
-              <a:latin typeface="Times New Roman" panose="02020603050405020304" pitchFamily="18" charset="0"/>
-              <a:sym typeface="+mn-ea"/>
-            </a:endParaRPr>
-          </a:p>
-          <a:p>
-            <a:pPr marL="342900" indent="-342900">
-              <a:lnSpc>
-                <a:spcPct val="90000"/>
-              </a:lnSpc>
-              <a:spcBef>
-                <a:spcPts val="1000"/>
-              </a:spcBef>
-              <a:buFont typeface="Wingdings" panose="05000000000000000000" pitchFamily="2" charset="2"/>
-              <a:buChar char="ü"/>
-            </a:pPr>
-            <a:r>
-              <a:rPr lang="en-US" altLang="zh-CN" sz="2400" dirty="0">
-                <a:latin typeface="Times New Roman" panose="02020603050405020304" pitchFamily="18" charset="0"/>
-                <a:sym typeface="+mn-ea"/>
-              </a:rPr>
-              <a:t> </a:t>
-            </a:r>
-            <a:r>
-              <a:rPr lang="en-US" altLang="zh-CN" sz="2400" dirty="0" smtClean="0">
-                <a:latin typeface="Times New Roman" panose="02020603050405020304" pitchFamily="18" charset="0"/>
-                <a:sym typeface="+mn-ea"/>
-              </a:rPr>
-              <a:t>      R</a:t>
-            </a:r>
-            <a:r>
-              <a:rPr lang="zh-CN" altLang="en-US" sz="2400" dirty="0" smtClean="0">
-                <a:latin typeface="Times New Roman" panose="02020603050405020304" pitchFamily="18" charset="0"/>
-                <a:sym typeface="+mn-ea"/>
-              </a:rPr>
-              <a:t>通道的衰减程度可以用来衡量水体的衰减作用对图像的影响程度。</a:t>
+              <a:t>   </a:t>
             </a:r>
             <a:endParaRPr lang="en-US" altLang="zh-CN" sz="2400" dirty="0">
               <a:latin typeface="Times New Roman" panose="02020603050405020304" pitchFamily="18" charset="0"/>
@@ -9630,15 +9388,14 @@
             </a:endParaRPr>
           </a:p>
           <a:p>
-            <a:pPr lvl="0" algn="l">
-              <a:lnSpc>
-                <a:spcPct val="90000"/>
-              </a:lnSpc>
-              <a:spcBef>
-                <a:spcPts val="1000"/>
-              </a:spcBef>
-            </a:pPr>
-            <a:endParaRPr lang="en-US" altLang="zh-CN" sz="2400" dirty="0" smtClean="0">
+            <a:pPr marL="457200" lvl="0" indent="-457200">
+              <a:spcBef>
+                <a:spcPts val="1000"/>
+              </a:spcBef>
+              <a:buFont typeface="Arial" panose="020B0604020202020204" pitchFamily="34" charset="0"/>
+              <a:buChar char="•"/>
+            </a:pPr>
+            <a:endParaRPr lang="en-US" altLang="zh-CN" sz="2800" dirty="0">
               <a:latin typeface="Times New Roman" panose="02020603050405020304" pitchFamily="18" charset="0"/>
               <a:sym typeface="+mn-ea"/>
             </a:endParaRPr>
@@ -9666,7 +9423,7 @@
                 <a:latin typeface="Times New Roman" panose="02020603050405020304" pitchFamily="18" charset="0"/>
                 <a:sym typeface="+mn-ea"/>
               </a:rPr>
-              <a:t>                                                                           </a:t>
+              <a:t>                                                                         </a:t>
             </a:r>
             <a:endParaRPr lang="en-US" altLang="zh-CN" sz="2800" dirty="0" smtClean="0">
               <a:sym typeface="+mn-ea"/>
@@ -9785,156 +9542,28 @@
           <p:nvPr/>
         </p:nvPicPr>
         <p:blipFill>
-          <a:blip r:embed="rId6" cstate="print">
-            <a:extLst>
-              <a:ext uri="{28A0092B-C50C-407E-A947-70E740481C1C}">
-                <a14:useLocalDpi xmlns:a14="http://schemas.microsoft.com/office/drawing/2010/main" val="0"/>
-              </a:ext>
-            </a:extLst>
-          </a:blip>
+          <a:blip r:embed="rId6"/>
           <a:stretch>
             <a:fillRect/>
           </a:stretch>
         </p:blipFill>
         <p:spPr>
           <a:xfrm>
-            <a:off x="6249843" y="3665357"/>
-            <a:ext cx="4276526" cy="2234495"/>
+            <a:off x="1355627" y="2848156"/>
+            <a:ext cx="8868026" cy="2153502"/>
           </a:xfrm>
           <a:prstGeom prst="rect">
             <a:avLst/>
           </a:prstGeom>
         </p:spPr>
       </p:pic>
-      <p:sp>
-        <p:nvSpPr>
-          <p:cNvPr id="4" name="文本框 3"/>
-          <p:cNvSpPr txBox="1"/>
-          <p:nvPr/>
-        </p:nvSpPr>
-        <p:spPr>
-          <a:xfrm>
-            <a:off x="6920572" y="6090723"/>
-            <a:ext cx="4206463" cy="646331"/>
-          </a:xfrm>
-          <a:prstGeom prst="rect">
-            <a:avLst/>
-          </a:prstGeom>
-          <a:noFill/>
-        </p:spPr>
-        <p:txBody>
-          <a:bodyPr wrap="square" rtlCol="0">
-            <a:spAutoFit/>
-          </a:bodyPr>
-          <a:lstStyle/>
-          <a:p>
-            <a:r>
-              <a:rPr lang="zh-CN" altLang="zh-CN" dirty="0" smtClean="0"/>
-              <a:t>图</a:t>
-            </a:r>
-            <a:r>
-              <a:rPr lang="en-US" altLang="zh-CN" dirty="0" smtClean="0"/>
-              <a:t>2</a:t>
-            </a:r>
-            <a:r>
-              <a:rPr lang="zh-CN" altLang="en-US" dirty="0"/>
-              <a:t>、</a:t>
-            </a:r>
-            <a:r>
-              <a:rPr lang="zh-CN" altLang="zh-CN" dirty="0" smtClean="0"/>
-              <a:t>水体</a:t>
-            </a:r>
-            <a:r>
-              <a:rPr lang="zh-CN" altLang="zh-CN" dirty="0"/>
-              <a:t>吸收、散射、衰减曲线</a:t>
-            </a:r>
-          </a:p>
-          <a:p>
-            <a:endParaRPr lang="zh-CN" altLang="en-US" dirty="0"/>
-          </a:p>
-        </p:txBody>
-      </p:sp>
-      <p:pic>
-        <p:nvPicPr>
-          <p:cNvPr id="8" name="图片 7"/>
-          <p:cNvPicPr/>
-          <p:nvPr/>
-        </p:nvPicPr>
-        <p:blipFill>
-          <a:blip r:embed="rId7">
-            <a:extLst>
-              <a:ext uri="{28A0092B-C50C-407E-A947-70E740481C1C}">
-                <a14:useLocalDpi xmlns:a14="http://schemas.microsoft.com/office/drawing/2010/main" val="0"/>
-              </a:ext>
-            </a:extLst>
-          </a:blip>
-          <a:stretch>
-            <a:fillRect/>
-          </a:stretch>
-        </p:blipFill>
-        <p:spPr>
-          <a:xfrm>
-            <a:off x="1449521" y="3712978"/>
-            <a:ext cx="3972891" cy="2215692"/>
-          </a:xfrm>
-          <a:prstGeom prst="rect">
-            <a:avLst/>
-          </a:prstGeom>
-        </p:spPr>
-      </p:pic>
-      <p:sp>
-        <p:nvSpPr>
-          <p:cNvPr id="5" name="文本框 4"/>
-          <p:cNvSpPr txBox="1"/>
-          <p:nvPr/>
-        </p:nvSpPr>
-        <p:spPr>
-          <a:xfrm>
-            <a:off x="1696597" y="6089128"/>
-            <a:ext cx="3966073" cy="369332"/>
-          </a:xfrm>
-          <a:prstGeom prst="rect">
-            <a:avLst/>
-          </a:prstGeom>
-          <a:noFill/>
-        </p:spPr>
-        <p:txBody>
-          <a:bodyPr wrap="square" rtlCol="0">
-            <a:spAutoFit/>
-          </a:bodyPr>
-          <a:lstStyle/>
-          <a:p>
-            <a:r>
-              <a:rPr lang="zh-CN" altLang="zh-CN" dirty="0" smtClean="0"/>
-              <a:t>图</a:t>
-            </a:r>
-            <a:r>
-              <a:rPr lang="en-US" altLang="zh-CN" dirty="0" smtClean="0"/>
-              <a:t>1</a:t>
-            </a:r>
-            <a:r>
-              <a:rPr lang="zh-CN" altLang="en-US" dirty="0" smtClean="0"/>
-              <a:t>、</a:t>
-            </a:r>
-            <a:r>
-              <a:rPr lang="en-US" altLang="zh-CN" dirty="0" smtClean="0"/>
-              <a:t> </a:t>
-            </a:r>
-            <a:r>
-              <a:rPr lang="zh-CN" altLang="zh-CN" dirty="0"/>
-              <a:t>不同颜色光在水中传输的距离</a:t>
-            </a:r>
-            <a:endParaRPr lang="zh-CN" altLang="en-US" dirty="0"/>
-          </a:p>
-        </p:txBody>
-      </p:sp>
     </p:spTree>
     <p:custDataLst>
       <p:tags r:id="rId1"/>
     </p:custDataLst>
     <p:extLst>
       <p:ext uri="{BB962C8B-B14F-4D97-AF65-F5344CB8AC3E}">
-        <p14:creationId xmlns:p14="http://schemas.microsoft.com/office/powerpoint/2010/main" val="542843983"/>
+        <p14:creationId xmlns:p14="http://schemas.microsoft.com/office/powerpoint/2010/main" val="1481923599"/>
       </p:ext>
     </p:extLst>
   </p:cSld>
@@ -10366,7 +9995,7 @@
                 <a:cs typeface="Times New Roman" panose="02020603050405020304" pitchFamily="18" charset="0"/>
                 <a:sym typeface="+mn-ea"/>
               </a:rPr>
-              <a:t>暗</a:t>
+              <a:t>数据</a:t>
             </a:r>
             <a:r>
               <a:rPr lang="zh-CN" altLang="en-US" sz="4400" dirty="0" smtClean="0">
@@ -10374,7 +10003,7 @@
                 <a:cs typeface="Times New Roman" panose="02020603050405020304" pitchFamily="18" charset="0"/>
                 <a:sym typeface="+mn-ea"/>
               </a:rPr>
-              <a:t>通道先验的原理及应用</a:t>
+              <a:t>集的构建</a:t>
             </a:r>
             <a:endParaRPr lang="en-US" altLang="zh-CN" sz="4400" dirty="0">
               <a:latin typeface="Times New Roman" panose="02020603050405020304" pitchFamily="18" charset="0"/>
@@ -10464,7 +10093,7 @@
                 <a:latin typeface="Times New Roman" panose="02020603050405020304" pitchFamily="18" charset="0"/>
                 <a:sym typeface="+mn-ea"/>
               </a:rPr>
-              <a:t>应用简化模型</a:t>
+              <a:t>构建数据集</a:t>
             </a:r>
             <a:endParaRPr lang="en-US" altLang="zh-CN" sz="2800" dirty="0" smtClean="0">
               <a:latin typeface="Times New Roman" panose="02020603050405020304" pitchFamily="18" charset="0"/>
@@ -10528,13 +10157,6 @@
               <a:buFont typeface="Arial" panose="020B0604020202020204" pitchFamily="34" charset="0"/>
               <a:buChar char="•"/>
             </a:pPr>
-            <a:r>
-              <a:rPr lang="zh-CN" altLang="en-US" sz="2800" dirty="0">
-                <a:latin typeface="Times New Roman" panose="02020603050405020304" pitchFamily="18" charset="0"/>
-                <a:sym typeface="+mn-ea"/>
-              </a:rPr>
-              <a:t>基本思路</a:t>
-            </a:r>
             <a:endParaRPr lang="en-US" altLang="zh-CN" sz="2800" dirty="0">
               <a:latin typeface="Times New Roman" panose="02020603050405020304" pitchFamily="18" charset="0"/>
               <a:sym typeface="+mn-ea"/>
@@ -10675,405 +10297,22 @@
           </a:p>
         </p:txBody>
       </p:sp>
-      <mc:AlternateContent xmlns:mc="http://schemas.openxmlformats.org/markup-compatibility/2006" xmlns:a14="http://schemas.microsoft.com/office/drawing/2010/main">
-        <mc:Choice Requires="a14">
-          <p:sp>
-            <p:nvSpPr>
-              <p:cNvPr id="4" name="矩形 3"/>
-              <p:cNvSpPr/>
-              <p:nvPr/>
-            </p:nvSpPr>
-            <p:spPr>
-              <a:xfrm>
-                <a:off x="2358243" y="2617323"/>
-                <a:ext cx="7216048" cy="461665"/>
-              </a:xfrm>
-              <a:prstGeom prst="rect">
-                <a:avLst/>
-              </a:prstGeom>
-            </p:spPr>
-            <p:txBody>
-              <a:bodyPr wrap="square">
-                <a:spAutoFit/>
-              </a:bodyPr>
-              <a:lstStyle/>
-              <a:p>
-                <a:pPr/>
-                <a14:m>
-                  <m:oMathPara xmlns:m="http://schemas.openxmlformats.org/officeDocument/2006/math">
-                    <m:oMathParaPr>
-                      <m:jc m:val="centerGroup"/>
-                    </m:oMathParaPr>
-                    <m:oMath xmlns:m="http://schemas.openxmlformats.org/officeDocument/2006/math">
-                      <m:sSup>
-                        <m:sSupPr>
-                          <m:ctrlPr>
-                            <a:rPr lang="zh-CN" altLang="en-US" sz="2400" i="1">
-                              <a:latin typeface="Cambria Math" panose="02040503050406030204" pitchFamily="18" charset="0"/>
-                            </a:rPr>
-                          </m:ctrlPr>
-                        </m:sSupPr>
-                        <m:e>
-                          <m:r>
-                            <a:rPr lang="zh-CN" altLang="en-US" sz="2400" i="1">
-                              <a:latin typeface="Cambria Math" panose="02040503050406030204" pitchFamily="18" charset="0"/>
-                            </a:rPr>
-                            <m:t>𝐼</m:t>
-                          </m:r>
-                        </m:e>
-                        <m:sup>
-                          <m:r>
-                            <a:rPr lang="zh-CN" altLang="en-US" sz="2400" i="1">
-                              <a:latin typeface="Cambria Math" panose="02040503050406030204" pitchFamily="18" charset="0"/>
-                            </a:rPr>
-                            <m:t>𝑐</m:t>
-                          </m:r>
-                        </m:sup>
-                      </m:sSup>
-                      <m:d>
-                        <m:dPr>
-                          <m:ctrlPr>
-                            <a:rPr lang="zh-CN" altLang="en-US" sz="2400" i="1">
-                              <a:latin typeface="Cambria Math" panose="02040503050406030204" pitchFamily="18" charset="0"/>
-                            </a:rPr>
-                          </m:ctrlPr>
-                        </m:dPr>
-                        <m:e>
-                          <m:r>
-                            <a:rPr lang="zh-CN" altLang="en-US" sz="2400" i="1">
-                              <a:latin typeface="Cambria Math" panose="02040503050406030204" pitchFamily="18" charset="0"/>
-                            </a:rPr>
-                            <m:t>𝑥</m:t>
-                          </m:r>
-                        </m:e>
-                      </m:d>
-                      <m:r>
-                        <a:rPr lang="zh-CN" altLang="en-US" sz="2400" i="0">
-                          <a:latin typeface="Cambria Math" panose="02040503050406030204" pitchFamily="18" charset="0"/>
-                        </a:rPr>
-                        <m:t>=</m:t>
-                      </m:r>
-                      <m:sSup>
-                        <m:sSupPr>
-                          <m:ctrlPr>
-                            <a:rPr lang="zh-CN" altLang="en-US" sz="2400" i="1">
-                              <a:latin typeface="Cambria Math" panose="02040503050406030204" pitchFamily="18" charset="0"/>
-                            </a:rPr>
-                          </m:ctrlPr>
-                        </m:sSupPr>
-                        <m:e>
-                          <m:r>
-                            <a:rPr lang="zh-CN" altLang="en-US" sz="2400" i="1">
-                              <a:latin typeface="Cambria Math" panose="02040503050406030204" pitchFamily="18" charset="0"/>
-                            </a:rPr>
-                            <m:t>𝐽</m:t>
-                          </m:r>
-                        </m:e>
-                        <m:sup>
-                          <m:r>
-                            <a:rPr lang="zh-CN" altLang="en-US" sz="2400" i="1">
-                              <a:latin typeface="Cambria Math" panose="02040503050406030204" pitchFamily="18" charset="0"/>
-                            </a:rPr>
-                            <m:t>𝑐</m:t>
-                          </m:r>
-                        </m:sup>
-                      </m:sSup>
-                      <m:d>
-                        <m:dPr>
-                          <m:ctrlPr>
-                            <a:rPr lang="zh-CN" altLang="en-US" sz="2400" i="1">
-                              <a:latin typeface="Cambria Math" panose="02040503050406030204" pitchFamily="18" charset="0"/>
-                            </a:rPr>
-                          </m:ctrlPr>
-                        </m:dPr>
-                        <m:e>
-                          <m:r>
-                            <a:rPr lang="zh-CN" altLang="en-US" sz="2400" i="1">
-                              <a:latin typeface="Cambria Math" panose="02040503050406030204" pitchFamily="18" charset="0"/>
-                            </a:rPr>
-                            <m:t>𝑥</m:t>
-                          </m:r>
-                        </m:e>
-                      </m:d>
-                      <m:sSup>
-                        <m:sSupPr>
-                          <m:ctrlPr>
-                            <a:rPr lang="zh-CN" altLang="en-US" sz="2400" i="1">
-                              <a:latin typeface="Cambria Math" panose="02040503050406030204" pitchFamily="18" charset="0"/>
-                            </a:rPr>
-                          </m:ctrlPr>
-                        </m:sSupPr>
-                        <m:e>
-                          <m:r>
-                            <a:rPr lang="zh-CN" altLang="en-US" sz="2400" i="1">
-                              <a:latin typeface="Cambria Math" panose="02040503050406030204" pitchFamily="18" charset="0"/>
-                            </a:rPr>
-                            <m:t>𝑡</m:t>
-                          </m:r>
-                        </m:e>
-                        <m:sup>
-                          <m:r>
-                            <a:rPr lang="zh-CN" altLang="en-US" sz="2400" i="1">
-                              <a:latin typeface="Cambria Math" panose="02040503050406030204" pitchFamily="18" charset="0"/>
-                            </a:rPr>
-                            <m:t>𝑐</m:t>
-                          </m:r>
-                        </m:sup>
-                      </m:sSup>
-                      <m:d>
-                        <m:dPr>
-                          <m:ctrlPr>
-                            <a:rPr lang="zh-CN" altLang="en-US" sz="2400" i="1">
-                              <a:latin typeface="Cambria Math" panose="02040503050406030204" pitchFamily="18" charset="0"/>
-                            </a:rPr>
-                          </m:ctrlPr>
-                        </m:dPr>
-                        <m:e>
-                          <m:r>
-                            <a:rPr lang="zh-CN" altLang="en-US" sz="2400" i="1">
-                              <a:latin typeface="Cambria Math" panose="02040503050406030204" pitchFamily="18" charset="0"/>
-                            </a:rPr>
-                            <m:t>𝑥</m:t>
-                          </m:r>
-                        </m:e>
-                      </m:d>
-                      <m:r>
-                        <a:rPr lang="zh-CN" altLang="en-US" sz="2400" i="0">
-                          <a:latin typeface="Cambria Math" panose="02040503050406030204" pitchFamily="18" charset="0"/>
-                        </a:rPr>
-                        <m:t>+</m:t>
-                      </m:r>
-                      <m:sSup>
-                        <m:sSupPr>
-                          <m:ctrlPr>
-                            <a:rPr lang="zh-CN" altLang="en-US" sz="2400" i="1">
-                              <a:latin typeface="Cambria Math" panose="02040503050406030204" pitchFamily="18" charset="0"/>
-                            </a:rPr>
-                          </m:ctrlPr>
-                        </m:sSupPr>
-                        <m:e>
-                          <m:r>
-                            <a:rPr lang="zh-CN" altLang="en-US" sz="2400" i="1">
-                              <a:latin typeface="Cambria Math" panose="02040503050406030204" pitchFamily="18" charset="0"/>
-                            </a:rPr>
-                            <m:t>𝐵</m:t>
-                          </m:r>
-                        </m:e>
-                        <m:sup>
-                          <m:r>
-                            <a:rPr lang="zh-CN" altLang="en-US" sz="2400" i="1">
-                              <a:latin typeface="Cambria Math" panose="02040503050406030204" pitchFamily="18" charset="0"/>
-                            </a:rPr>
-                            <m:t>𝑐</m:t>
-                          </m:r>
-                        </m:sup>
-                      </m:sSup>
-                      <m:r>
-                        <a:rPr lang="zh-CN" altLang="en-US" sz="2400" i="0">
-                          <a:latin typeface="Cambria Math" panose="02040503050406030204" pitchFamily="18" charset="0"/>
-                        </a:rPr>
-                        <m:t>(</m:t>
-                      </m:r>
-                      <m:r>
-                        <a:rPr lang="zh-CN" altLang="en-US" sz="2400" i="1">
-                          <a:latin typeface="Cambria Math" panose="02040503050406030204" pitchFamily="18" charset="0"/>
-                        </a:rPr>
-                        <m:t>𝑥</m:t>
-                      </m:r>
-                      <m:r>
-                        <a:rPr lang="zh-CN" altLang="en-US" sz="2400" i="0">
-                          <a:latin typeface="Cambria Math" panose="02040503050406030204" pitchFamily="18" charset="0"/>
-                        </a:rPr>
-                        <m:t>)</m:t>
-                      </m:r>
-                      <m:d>
-                        <m:dPr>
-                          <m:begChr m:val="["/>
-                          <m:endChr m:val="]"/>
-                          <m:ctrlPr>
-                            <a:rPr lang="zh-CN" altLang="en-US" sz="2400" i="1">
-                              <a:latin typeface="Cambria Math" panose="02040503050406030204" pitchFamily="18" charset="0"/>
-                            </a:rPr>
-                          </m:ctrlPr>
-                        </m:dPr>
-                        <m:e>
-                          <m:r>
-                            <a:rPr lang="zh-CN" altLang="en-US" sz="2400" i="0">
-                              <a:latin typeface="Cambria Math" panose="02040503050406030204" pitchFamily="18" charset="0"/>
-                            </a:rPr>
-                            <m:t>1−</m:t>
-                          </m:r>
-                          <m:sSup>
-                            <m:sSupPr>
-                              <m:ctrlPr>
-                                <a:rPr lang="zh-CN" altLang="en-US" sz="2400" i="1">
-                                  <a:latin typeface="Cambria Math" panose="02040503050406030204" pitchFamily="18" charset="0"/>
-                                </a:rPr>
-                              </m:ctrlPr>
-                            </m:sSupPr>
-                            <m:e>
-                              <m:r>
-                                <a:rPr lang="zh-CN" altLang="en-US" sz="2400" i="1">
-                                  <a:latin typeface="Cambria Math" panose="02040503050406030204" pitchFamily="18" charset="0"/>
-                                </a:rPr>
-                                <m:t>𝑡</m:t>
-                              </m:r>
-                            </m:e>
-                            <m:sup>
-                              <m:r>
-                                <a:rPr lang="zh-CN" altLang="en-US" sz="2400" i="1">
-                                  <a:latin typeface="Cambria Math" panose="02040503050406030204" pitchFamily="18" charset="0"/>
-                                </a:rPr>
-                                <m:t>𝑐</m:t>
-                              </m:r>
-                            </m:sup>
-                          </m:sSup>
-                          <m:d>
-                            <m:dPr>
-                              <m:ctrlPr>
-                                <a:rPr lang="zh-CN" altLang="en-US" sz="2400" i="1">
-                                  <a:latin typeface="Cambria Math" panose="02040503050406030204" pitchFamily="18" charset="0"/>
-                                </a:rPr>
-                              </m:ctrlPr>
-                            </m:dPr>
-                            <m:e>
-                              <m:r>
-                                <a:rPr lang="zh-CN" altLang="en-US" sz="2400" i="1">
-                                  <a:latin typeface="Cambria Math" panose="02040503050406030204" pitchFamily="18" charset="0"/>
-                                </a:rPr>
-                                <m:t>𝑥</m:t>
-                              </m:r>
-                            </m:e>
-                          </m:d>
-                        </m:e>
-                      </m:d>
-                      <m:r>
-                        <a:rPr lang="zh-CN" altLang="en-US" sz="2400" i="0">
-                          <a:latin typeface="Cambria Math" panose="02040503050406030204" pitchFamily="18" charset="0"/>
-                        </a:rPr>
-                        <m:t>, </m:t>
-                      </m:r>
-                      <m:r>
-                        <m:rPr>
-                          <m:nor/>
-                        </m:rPr>
-                        <a:rPr lang="zh-CN" altLang="en-US" sz="2400" i="1">
-                          <a:latin typeface="Cambria Math" panose="02040503050406030204" pitchFamily="18" charset="0"/>
-                        </a:rPr>
-                        <m:t>c</m:t>
-                      </m:r>
-                      <m:r>
-                        <a:rPr lang="zh-CN" altLang="en-US" sz="2400" i="0">
-                          <a:latin typeface="Cambria Math" panose="02040503050406030204" pitchFamily="18" charset="0"/>
-                        </a:rPr>
-                        <m:t>∈</m:t>
-                      </m:r>
-                      <m:d>
-                        <m:dPr>
-                          <m:begChr m:val="{"/>
-                          <m:endChr m:val="}"/>
-                          <m:ctrlPr>
-                            <a:rPr lang="zh-CN" altLang="en-US" sz="2400" i="1">
-                              <a:latin typeface="Cambria Math" panose="02040503050406030204" pitchFamily="18" charset="0"/>
-                            </a:rPr>
-                          </m:ctrlPr>
-                        </m:dPr>
-                        <m:e>
-                          <m:r>
-                            <a:rPr lang="zh-CN" altLang="en-US" sz="2400" i="1">
-                              <a:latin typeface="Cambria Math" panose="02040503050406030204" pitchFamily="18" charset="0"/>
-                            </a:rPr>
-                            <m:t>𝑟</m:t>
-                          </m:r>
-                          <m:r>
-                            <a:rPr lang="zh-CN" altLang="en-US" sz="2400" i="0">
-                              <a:latin typeface="Cambria Math" panose="02040503050406030204" pitchFamily="18" charset="0"/>
-                            </a:rPr>
-                            <m:t>,</m:t>
-                          </m:r>
-                          <m:r>
-                            <a:rPr lang="zh-CN" altLang="en-US" sz="2400" i="1">
-                              <a:latin typeface="Cambria Math" panose="02040503050406030204" pitchFamily="18" charset="0"/>
-                            </a:rPr>
-                            <m:t>𝑔</m:t>
-                          </m:r>
-                          <m:r>
-                            <a:rPr lang="zh-CN" altLang="en-US" sz="2400" i="0">
-                              <a:latin typeface="Cambria Math" panose="02040503050406030204" pitchFamily="18" charset="0"/>
-                            </a:rPr>
-                            <m:t>,</m:t>
-                          </m:r>
-                          <m:r>
-                            <a:rPr lang="zh-CN" altLang="en-US" sz="2400" i="1">
-                              <a:latin typeface="Cambria Math" panose="02040503050406030204" pitchFamily="18" charset="0"/>
-                            </a:rPr>
-                            <m:t>𝑏</m:t>
-                          </m:r>
-                        </m:e>
-                      </m:d>
-                    </m:oMath>
-                  </m:oMathPara>
-                </a14:m>
-                <a:endParaRPr lang="zh-CN" altLang="en-US" sz="2400" dirty="0"/>
-              </a:p>
-            </p:txBody>
-          </p:sp>
-        </mc:Choice>
-        <mc:Fallback xmlns="">
-          <p:sp>
-            <p:nvSpPr>
-              <p:cNvPr id="4" name="矩形 3"/>
-              <p:cNvSpPr>
-                <a:spLocks noRot="1" noChangeAspect="1" noMove="1" noResize="1" noEditPoints="1" noAdjustHandles="1" noChangeArrowheads="1" noChangeShapeType="1" noTextEdit="1"/>
-              </p:cNvSpPr>
-              <p:nvPr/>
-            </p:nvSpPr>
-            <p:spPr>
-              <a:xfrm>
-                <a:off x="2358243" y="2617323"/>
-                <a:ext cx="7216048" cy="461665"/>
-              </a:xfrm>
-              <a:prstGeom prst="rect">
-                <a:avLst/>
-              </a:prstGeom>
-              <a:blipFill rotWithShape="0">
-                <a:blip r:embed="rId6"/>
-                <a:stretch>
-                  <a:fillRect b="-17105"/>
-                </a:stretch>
-              </a:blipFill>
-            </p:spPr>
-            <p:txBody>
-              <a:bodyPr/>
-              <a:lstStyle/>
-              <a:p>
-                <a:r>
-                  <a:rPr lang="zh-CN" altLang="en-US">
-                    <a:noFill/>
-                  </a:rPr>
-                  <a:t> </a:t>
-                </a:r>
-              </a:p>
-            </p:txBody>
-          </p:sp>
-        </mc:Fallback>
-      </mc:AlternateContent>
       <p:pic>
         <p:nvPicPr>
-          <p:cNvPr id="7" name="图片 6"/>
+          <p:cNvPr id="8" name="图片 7"/>
           <p:cNvPicPr/>
           <p:nvPr/>
         </p:nvPicPr>
         <p:blipFill>
-          <a:blip r:embed="rId7"/>
+          <a:blip r:embed="rId6"/>
           <a:stretch>
             <a:fillRect/>
           </a:stretch>
         </p:blipFill>
         <p:spPr>
           <a:xfrm>
-            <a:off x="3650943" y="3380422"/>
-            <a:ext cx="4865096" cy="3117457"/>
+            <a:off x="1895308" y="2353541"/>
+            <a:ext cx="8141918" cy="3595568"/>
           </a:xfrm>
           <a:prstGeom prst="rect">
             <a:avLst/>
@@ -11086,7 +10325,7 @@
     </p:custDataLst>
     <p:extLst>
       <p:ext uri="{BB962C8B-B14F-4D97-AF65-F5344CB8AC3E}">
-        <p14:creationId xmlns:p14="http://schemas.microsoft.com/office/powerpoint/2010/main" val="3402379910"/>
+        <p14:creationId xmlns:p14="http://schemas.microsoft.com/office/powerpoint/2010/main" val="2146527108"/>
       </p:ext>
     </p:extLst>
   </p:cSld>
@@ -11167,15 +10406,7 @@
                 <a:cs typeface="Times New Roman" panose="02020603050405020304" pitchFamily="18" charset="0"/>
                 <a:sym typeface="+mn-ea"/>
               </a:rPr>
-              <a:t>暗</a:t>
-            </a:r>
-            <a:r>
-              <a:rPr lang="zh-CN" altLang="en-US" sz="4400" dirty="0" smtClean="0">
-                <a:latin typeface="Times New Roman" panose="02020603050405020304" pitchFamily="18" charset="0"/>
-                <a:cs typeface="Times New Roman" panose="02020603050405020304" pitchFamily="18" charset="0"/>
-                <a:sym typeface="+mn-ea"/>
-              </a:rPr>
-              <a:t>通道先验的原理及应用</a:t>
+              <a:t>评价指标</a:t>
             </a:r>
             <a:endParaRPr lang="en-US" altLang="zh-CN" sz="4400" dirty="0">
               <a:latin typeface="Times New Roman" panose="02020603050405020304" pitchFamily="18" charset="0"/>
@@ -11219,7 +10450,13 @@
               </a:spcBef>
               <a:buFont typeface="Arial" panose="020B0604020202020204" pitchFamily="34" charset="0"/>
             </a:pPr>
-            <a:endParaRPr lang="zh-CN" altLang="en-US" sz="2800">
+            <a:r>
+              <a:rPr lang="en-US" altLang="zh-CN" sz="2800" dirty="0" smtClean="0">
+                <a:sym typeface="+mn-ea"/>
+              </a:rPr>
+              <a:t>  </a:t>
+            </a:r>
+            <a:endParaRPr lang="zh-CN" altLang="en-US" sz="2800" dirty="0">
               <a:sym typeface="+mn-ea"/>
             </a:endParaRPr>
           </a:p>
@@ -11246,7 +10483,7 @@
         </p:spPr>
         <p:txBody>
           <a:bodyPr vert="horz" wrap="square" lIns="91440" tIns="45720" rIns="91440" bIns="45720" rtlCol="0" anchor="t">
-            <a:normAutofit/>
+            <a:normAutofit lnSpcReduction="10000"/>
           </a:bodyPr>
           <a:lstStyle/>
           <a:p>
@@ -11257,107 +10494,122 @@
               <a:spcBef>
                 <a:spcPts val="1000"/>
               </a:spcBef>
-              <a:buFont typeface="Arial" panose="020B0604020202020204" pitchFamily="34" charset="0"/>
-              <a:buChar char="•"/>
-            </a:pPr>
-            <a:r>
-              <a:rPr lang="zh-CN" altLang="en-US" sz="2800" dirty="0" smtClean="0">
-                <a:latin typeface="Times New Roman" panose="02020603050405020304" pitchFamily="18" charset="0"/>
-                <a:sym typeface="+mn-ea"/>
-              </a:rPr>
-              <a:t>方案</a:t>
-            </a:r>
-            <a:r>
-              <a:rPr lang="en-US" altLang="zh-CN" sz="2800" dirty="0" smtClean="0">
-                <a:latin typeface="Times New Roman" panose="02020603050405020304" pitchFamily="18" charset="0"/>
-                <a:sym typeface="+mn-ea"/>
-              </a:rPr>
-              <a:t>A</a:t>
-            </a:r>
+              <a:buFont typeface="Wingdings" panose="05000000000000000000" pitchFamily="2" charset="2"/>
+              <a:buChar char="ü"/>
+            </a:pPr>
+            <a:r>
+              <a:rPr lang="zh-CN" altLang="zh-CN" sz="2800" dirty="0" smtClean="0"/>
+              <a:t>对比度</a:t>
+            </a:r>
+            <a:endParaRPr lang="en-US" altLang="zh-CN" sz="2800" dirty="0" smtClean="0">
+              <a:latin typeface="Times New Roman" panose="02020603050405020304" pitchFamily="18" charset="0"/>
+              <a:sym typeface="+mn-ea"/>
+            </a:endParaRPr>
+          </a:p>
+          <a:p>
+            <a:pPr marL="457200" indent="-457200">
+              <a:lnSpc>
+                <a:spcPct val="90000"/>
+              </a:lnSpc>
+              <a:spcBef>
+                <a:spcPts val="1000"/>
+              </a:spcBef>
+              <a:buFont typeface="Wingdings" panose="05000000000000000000" pitchFamily="2" charset="2"/>
+              <a:buChar char="ü"/>
+            </a:pPr>
+            <a:endParaRPr lang="en-US" altLang="zh-CN" sz="2800" dirty="0" smtClean="0">
+              <a:latin typeface="Times New Roman" panose="02020603050405020304" pitchFamily="18" charset="0"/>
+              <a:sym typeface="+mn-ea"/>
+            </a:endParaRPr>
+          </a:p>
+          <a:p>
+            <a:pPr>
+              <a:lnSpc>
+                <a:spcPct val="90000"/>
+              </a:lnSpc>
+              <a:spcBef>
+                <a:spcPts val="1000"/>
+              </a:spcBef>
+            </a:pPr>
+            <a:endParaRPr lang="en-US" altLang="zh-CN" sz="2400" dirty="0" smtClean="0">
+              <a:latin typeface="Times New Roman" panose="02020603050405020304" pitchFamily="18" charset="0"/>
+              <a:sym typeface="+mn-ea"/>
+            </a:endParaRPr>
+          </a:p>
+          <a:p>
+            <a:pPr marL="457200" lvl="0" indent="-457200">
+              <a:lnSpc>
+                <a:spcPct val="90000"/>
+              </a:lnSpc>
+              <a:spcBef>
+                <a:spcPts val="1000"/>
+              </a:spcBef>
+              <a:buFont typeface="Wingdings" panose="05000000000000000000" pitchFamily="2" charset="2"/>
+              <a:buChar char="ü"/>
+            </a:pPr>
+            <a:r>
+              <a:rPr lang="zh-CN" altLang="zh-CN" sz="2800" dirty="0" smtClean="0"/>
+              <a:t>信息熵</a:t>
+            </a:r>
+            <a:endParaRPr lang="en-US" altLang="zh-CN" sz="2800" dirty="0" smtClean="0">
+              <a:latin typeface="Times New Roman" panose="02020603050405020304" pitchFamily="18" charset="0"/>
+              <a:sym typeface="+mn-ea"/>
+            </a:endParaRPr>
+          </a:p>
+          <a:p>
+            <a:pPr marL="457200" lvl="0" indent="-457200">
+              <a:spcBef>
+                <a:spcPts val="1000"/>
+              </a:spcBef>
+              <a:buFont typeface="Wingdings" panose="05000000000000000000" pitchFamily="2" charset="2"/>
+              <a:buChar char="ü"/>
+            </a:pPr>
             <a:endParaRPr lang="en-US" altLang="zh-CN" sz="2800" dirty="0">
               <a:latin typeface="Times New Roman" panose="02020603050405020304" pitchFamily="18" charset="0"/>
               <a:sym typeface="+mn-ea"/>
             </a:endParaRPr>
           </a:p>
           <a:p>
-            <a:pPr lvl="0">
-              <a:lnSpc>
-                <a:spcPct val="90000"/>
-              </a:lnSpc>
-              <a:spcBef>
-                <a:spcPts val="1000"/>
-              </a:spcBef>
-            </a:pPr>
+            <a:pPr lvl="0" algn="l">
+              <a:lnSpc>
+                <a:spcPct val="90000"/>
+              </a:lnSpc>
+              <a:spcBef>
+                <a:spcPts val="1000"/>
+              </a:spcBef>
+            </a:pPr>
+            <a:r>
+              <a:rPr lang="en-US" altLang="zh-CN" sz="2800" dirty="0">
+                <a:latin typeface="Times New Roman" panose="02020603050405020304" pitchFamily="18" charset="0"/>
+                <a:sym typeface="+mn-ea"/>
+              </a:rPr>
+              <a:t> </a:t>
+            </a:r>
+            <a:r>
+              <a:rPr lang="en-US" altLang="zh-CN" sz="2800" dirty="0" smtClean="0">
+                <a:latin typeface="Times New Roman" panose="02020603050405020304" pitchFamily="18" charset="0"/>
+                <a:sym typeface="+mn-ea"/>
+              </a:rPr>
+              <a:t>                                                                         </a:t>
+            </a:r>
             <a:endParaRPr lang="en-US" altLang="zh-CN" sz="2800" dirty="0" smtClean="0">
-              <a:latin typeface="Times New Roman" panose="02020603050405020304" pitchFamily="18" charset="0"/>
-              <a:sym typeface="+mn-ea"/>
-            </a:endParaRPr>
-          </a:p>
-          <a:p>
-            <a:pPr lvl="0" algn="l">
-              <a:lnSpc>
-                <a:spcPct val="90000"/>
-              </a:lnSpc>
-              <a:spcBef>
-                <a:spcPts val="1000"/>
-              </a:spcBef>
-            </a:pPr>
-            <a:endParaRPr lang="en-US" altLang="zh-CN" sz="2400" dirty="0" smtClean="0">
-              <a:latin typeface="Times New Roman" panose="02020603050405020304" pitchFamily="18" charset="0"/>
-              <a:sym typeface="+mn-ea"/>
-            </a:endParaRPr>
-          </a:p>
-          <a:p>
-            <a:pPr lvl="0" indent="0" algn="l">
-              <a:lnSpc>
-                <a:spcPct val="90000"/>
-              </a:lnSpc>
-              <a:spcBef>
-                <a:spcPts val="1000"/>
-              </a:spcBef>
-              <a:buFont typeface="Arial" panose="020B0604020202020204" pitchFamily="34" charset="0"/>
-              <a:buNone/>
-            </a:pPr>
-            <a:r>
-              <a:rPr lang="en-US" altLang="zh-CN" sz="2800" dirty="0">
-                <a:latin typeface="Times New Roman" panose="02020603050405020304" pitchFamily="18" charset="0"/>
-                <a:sym typeface="+mn-ea"/>
-              </a:rPr>
-              <a:t> </a:t>
-            </a:r>
-            <a:r>
-              <a:rPr lang="en-US" altLang="zh-CN" sz="2800" dirty="0" smtClean="0">
-                <a:latin typeface="Times New Roman" panose="02020603050405020304" pitchFamily="18" charset="0"/>
-                <a:sym typeface="+mn-ea"/>
-              </a:rPr>
-              <a:t>                                                                           </a:t>
-            </a:r>
-            <a:endParaRPr lang="en-US" altLang="zh-CN" sz="2800" dirty="0" smtClean="0">
-              <a:sym typeface="+mn-ea"/>
-            </a:endParaRPr>
-          </a:p>
-          <a:p>
-            <a:pPr lvl="0" indent="0" algn="l">
-              <a:lnSpc>
-                <a:spcPct val="90000"/>
-              </a:lnSpc>
-              <a:spcBef>
-                <a:spcPts val="1000"/>
-              </a:spcBef>
-              <a:buFont typeface="Arial" panose="020B0604020202020204" pitchFamily="34" charset="0"/>
-              <a:buNone/>
-            </a:pPr>
-            <a:r>
-              <a:rPr lang="en-US" altLang="zh-CN" sz="2800" dirty="0">
-                <a:sym typeface="+mn-ea"/>
-              </a:rPr>
-              <a:t> </a:t>
-            </a:r>
-            <a:r>
-              <a:rPr lang="en-US" altLang="zh-CN" sz="2800" dirty="0" smtClean="0">
-                <a:sym typeface="+mn-ea"/>
-              </a:rPr>
-              <a:t>    </a:t>
+              <a:sym typeface="+mn-ea"/>
+            </a:endParaRPr>
+          </a:p>
+          <a:p>
+            <a:pPr marL="457200" lvl="0" indent="-457200">
+              <a:lnSpc>
+                <a:spcPct val="90000"/>
+              </a:lnSpc>
+              <a:spcBef>
+                <a:spcPts val="1000"/>
+              </a:spcBef>
+              <a:buFont typeface="Wingdings" panose="05000000000000000000" pitchFamily="2" charset="2"/>
+              <a:buChar char="ü"/>
+            </a:pPr>
+            <a:r>
+              <a:rPr lang="zh-CN" altLang="zh-CN" sz="2800" dirty="0"/>
+              <a:t>平均梯度</a:t>
             </a:r>
             <a:endParaRPr lang="en-US" altLang="zh-CN" sz="2800" dirty="0">
               <a:sym typeface="+mn-ea"/>
@@ -11444,7 +10696,7 @@
       </p:sp>
       <p:pic>
         <p:nvPicPr>
-          <p:cNvPr id="10" name="图片 9"/>
+          <p:cNvPr id="7" name="图片 6"/>
           <p:cNvPicPr/>
           <p:nvPr/>
         </p:nvPicPr>
@@ -11456,572 +10708,188 @@
         </p:blipFill>
         <p:spPr>
           <a:xfrm>
-            <a:off x="1522898" y="2766430"/>
-            <a:ext cx="4481295" cy="3072509"/>
+            <a:off x="3886415" y="1837816"/>
+            <a:ext cx="3726242" cy="1004065"/>
           </a:xfrm>
           <a:prstGeom prst="rect">
             <a:avLst/>
           </a:prstGeom>
+          <a:noFill/>
+          <a:ln w="9525">
+            <a:noFill/>
+          </a:ln>
         </p:spPr>
       </p:pic>
-      <mc:AlternateContent xmlns:mc="http://schemas.openxmlformats.org/markup-compatibility/2006" xmlns:a14="http://schemas.microsoft.com/office/drawing/2010/main">
-        <mc:Choice Requires="a14">
-          <p:sp>
-            <p:nvSpPr>
-              <p:cNvPr id="11" name="文本框 10"/>
-              <p:cNvSpPr txBox="1"/>
-              <p:nvPr/>
-            </p:nvSpPr>
-            <p:spPr>
-              <a:xfrm>
-                <a:off x="6951644" y="2115237"/>
-                <a:ext cx="4402156" cy="3723701"/>
-              </a:xfrm>
-              <a:prstGeom prst="rect">
-                <a:avLst/>
-              </a:prstGeom>
-              <a:noFill/>
-            </p:spPr>
-            <p:txBody>
-              <a:bodyPr wrap="square" rtlCol="0">
-                <a:spAutoFit/>
-              </a:bodyPr>
-              <a:lstStyle/>
-              <a:p>
-                <a:r>
-                  <a:rPr lang="zh-CN" altLang="en-US" dirty="0" smtClean="0"/>
-                  <a:t>（</a:t>
-                </a:r>
-                <a:r>
-                  <a:rPr lang="en-US" altLang="zh-CN" dirty="0" smtClean="0"/>
-                  <a:t>1</a:t>
-                </a:r>
-                <a:r>
-                  <a:rPr lang="zh-CN" altLang="en-US" dirty="0" smtClean="0"/>
-                  <a:t>）估算透射率</a:t>
-                </a:r>
-                <a:endParaRPr lang="en-US" altLang="zh-CN" dirty="0" smtClean="0"/>
-              </a:p>
-              <a:p>
-                <a:r>
-                  <a:rPr lang="en-US" altLang="zh-CN" dirty="0"/>
-                  <a:t> </a:t>
-                </a:r>
-                <a:r>
-                  <a:rPr lang="en-US" altLang="zh-CN" dirty="0" smtClean="0"/>
-                  <a:t>     </a:t>
-                </a:r>
-                <a:r>
-                  <a:rPr lang="zh-CN" altLang="zh-CN" dirty="0" smtClean="0"/>
-                  <a:t>若</a:t>
-                </a:r>
-                <a:r>
-                  <a:rPr lang="en-US" altLang="zh-CN" dirty="0"/>
-                  <a:t>R</a:t>
-                </a:r>
-                <a:r>
-                  <a:rPr lang="zh-CN" altLang="zh-CN" dirty="0"/>
-                  <a:t>通道衰减很少（如</a:t>
-                </a:r>
-                <a:r>
-                  <a:rPr lang="en-US" altLang="zh-CN" dirty="0"/>
-                  <a:t>R</a:t>
-                </a:r>
-                <a:r>
-                  <a:rPr lang="zh-CN" altLang="zh-CN" dirty="0"/>
-                  <a:t>均值</a:t>
-                </a:r>
-                <a:r>
-                  <a:rPr lang="en-US" altLang="zh-CN" dirty="0"/>
-                  <a:t>&gt;GB</a:t>
-                </a:r>
-                <a:r>
-                  <a:rPr lang="zh-CN" altLang="zh-CN" dirty="0"/>
-                  <a:t>通道均值的</a:t>
-                </a:r>
-                <a:r>
-                  <a:rPr lang="en-US" altLang="zh-CN" dirty="0"/>
-                  <a:t>75%</a:t>
-                </a:r>
-                <a:r>
-                  <a:rPr lang="zh-CN" altLang="zh-CN" dirty="0"/>
-                  <a:t>），采用</a:t>
-                </a:r>
-                <a:r>
-                  <a:rPr lang="en-US" altLang="zh-CN" dirty="0"/>
-                  <a:t>He</a:t>
-                </a:r>
-                <a:r>
-                  <a:rPr lang="zh-CN" altLang="zh-CN" dirty="0"/>
-                  <a:t>提出的暗通道先验估算透射率的方法</a:t>
-                </a:r>
-                <a:r>
-                  <a:rPr lang="zh-CN" altLang="zh-CN" dirty="0" smtClean="0"/>
-                  <a:t>。</a:t>
-                </a:r>
-                <a:endParaRPr lang="en-US" altLang="zh-CN" dirty="0" smtClean="0"/>
-              </a:p>
-              <a:p>
-                <a:endParaRPr lang="en-US" altLang="zh-CN" dirty="0"/>
-              </a:p>
-              <a:p>
-                <a:pPr/>
-                <a14:m>
-                  <m:oMathPara xmlns:m="http://schemas.openxmlformats.org/officeDocument/2006/math">
-                    <m:oMathParaPr>
-                      <m:jc m:val="centerGroup"/>
-                    </m:oMathParaPr>
-                    <m:oMath xmlns:m="http://schemas.openxmlformats.org/officeDocument/2006/math">
-                      <m:acc>
-                        <m:accPr>
-                          <m:chr m:val="̃"/>
-                          <m:ctrlPr>
-                            <a:rPr lang="zh-CN" altLang="zh-CN" i="1">
-                              <a:latin typeface="Cambria Math" panose="02040503050406030204" pitchFamily="18" charset="0"/>
-                            </a:rPr>
-                          </m:ctrlPr>
-                        </m:accPr>
-                        <m:e>
-                          <m:sSup>
-                            <m:sSupPr>
-                              <m:ctrlPr>
-                                <a:rPr lang="zh-CN" altLang="zh-CN" i="1">
-                                  <a:latin typeface="Cambria Math" panose="02040503050406030204" pitchFamily="18" charset="0"/>
-                                </a:rPr>
-                              </m:ctrlPr>
-                            </m:sSupPr>
-                            <m:e>
-                              <m:r>
-                                <a:rPr lang="en-US" altLang="zh-CN" i="1">
-                                  <a:latin typeface="Cambria Math" panose="02040503050406030204" pitchFamily="18" charset="0"/>
-                                </a:rPr>
-                                <m:t>𝑡</m:t>
-                              </m:r>
-                            </m:e>
-                            <m:sup>
-                              <m:r>
-                                <a:rPr lang="en-US" altLang="zh-CN" i="1">
-                                  <a:latin typeface="Cambria Math" panose="02040503050406030204" pitchFamily="18" charset="0"/>
-                                </a:rPr>
-                                <m:t>𝑐</m:t>
-                              </m:r>
-                            </m:sup>
-                          </m:sSup>
-                        </m:e>
-                      </m:acc>
-                      <m:r>
-                        <m:rPr>
-                          <m:nor/>
-                        </m:rPr>
-                        <a:rPr lang="en-US" altLang="zh-CN"/>
-                        <m:t>=1</m:t>
-                      </m:r>
-                      <m:r>
-                        <a:rPr lang="en-US" altLang="zh-CN" i="1">
-                          <a:latin typeface="Cambria Math" panose="02040503050406030204" pitchFamily="18" charset="0"/>
-                        </a:rPr>
-                        <m:t>−</m:t>
-                      </m:r>
-                      <m:f>
-                        <m:fPr>
-                          <m:ctrlPr>
-                            <a:rPr lang="zh-CN" altLang="zh-CN" i="1">
-                              <a:latin typeface="Cambria Math" panose="02040503050406030204" pitchFamily="18" charset="0"/>
-                            </a:rPr>
-                          </m:ctrlPr>
-                        </m:fPr>
-                        <m:num>
-                          <m:func>
-                            <m:funcPr>
-                              <m:ctrlPr>
-                                <a:rPr lang="zh-CN" altLang="zh-CN" i="1">
-                                  <a:latin typeface="Cambria Math" panose="02040503050406030204" pitchFamily="18" charset="0"/>
-                                </a:rPr>
-                              </m:ctrlPr>
-                            </m:funcPr>
-                            <m:fName>
-                              <m:limLow>
-                                <m:limLowPr>
-                                  <m:ctrlPr>
-                                    <a:rPr lang="zh-CN" altLang="zh-CN" i="1">
-                                      <a:latin typeface="Cambria Math" panose="02040503050406030204" pitchFamily="18" charset="0"/>
-                                    </a:rPr>
-                                  </m:ctrlPr>
-                                </m:limLowPr>
-                                <m:e>
-                                  <m:r>
-                                    <m:rPr>
-                                      <m:nor/>
-                                    </m:rPr>
-                                    <a:rPr lang="en-US" altLang="zh-CN" i="1"/>
-                                    <m:t>min</m:t>
-                                  </m:r>
-                                </m:e>
-                                <m:lim>
-                                  <m:r>
-                                    <a:rPr lang="en-US" altLang="zh-CN" i="1">
-                                      <a:latin typeface="Cambria Math" panose="02040503050406030204" pitchFamily="18" charset="0"/>
-                                    </a:rPr>
-                                    <m:t>𝑦</m:t>
-                                  </m:r>
-                                  <m:r>
-                                    <a:rPr lang="en-US" altLang="zh-CN" i="1">
-                                      <a:latin typeface="Cambria Math" panose="02040503050406030204" pitchFamily="18" charset="0"/>
-                                    </a:rPr>
-                                    <m:t>∈</m:t>
-                                  </m:r>
-                                  <m:r>
-                                    <a:rPr lang="en-US" altLang="zh-CN" i="1">
-                                      <a:latin typeface="Cambria Math" panose="02040503050406030204" pitchFamily="18" charset="0"/>
-                                    </a:rPr>
-                                    <m:t>𝛺</m:t>
-                                  </m:r>
-                                  <m:d>
-                                    <m:dPr>
-                                      <m:ctrlPr>
-                                        <a:rPr lang="zh-CN" altLang="zh-CN" i="1">
-                                          <a:latin typeface="Cambria Math" panose="02040503050406030204" pitchFamily="18" charset="0"/>
-                                        </a:rPr>
-                                      </m:ctrlPr>
-                                    </m:dPr>
-                                    <m:e>
-                                      <m:r>
-                                        <a:rPr lang="en-US" altLang="zh-CN" i="1">
-                                          <a:latin typeface="Cambria Math" panose="02040503050406030204" pitchFamily="18" charset="0"/>
-                                        </a:rPr>
-                                        <m:t>𝑥</m:t>
-                                      </m:r>
-                                    </m:e>
-                                  </m:d>
-                                </m:lim>
-                              </m:limLow>
-                            </m:fName>
-                            <m:e>
-                              <m:r>
-                                <m:rPr>
-                                  <m:nor/>
-                                </m:rPr>
-                                <a:rPr lang="en-US" altLang="zh-CN"/>
-                                <m:t>(</m:t>
-                              </m:r>
-                              <m:func>
-                                <m:funcPr>
-                                  <m:ctrlPr>
-                                    <a:rPr lang="zh-CN" altLang="zh-CN" i="1">
-                                      <a:latin typeface="Cambria Math" panose="02040503050406030204" pitchFamily="18" charset="0"/>
-                                    </a:rPr>
-                                  </m:ctrlPr>
-                                </m:funcPr>
-                                <m:fName>
-                                  <m:limLow>
-                                    <m:limLowPr>
-                                      <m:ctrlPr>
-                                        <a:rPr lang="zh-CN" altLang="zh-CN" i="1">
-                                          <a:latin typeface="Cambria Math" panose="02040503050406030204" pitchFamily="18" charset="0"/>
-                                        </a:rPr>
-                                      </m:ctrlPr>
-                                    </m:limLowPr>
-                                    <m:e>
-                                      <m:r>
-                                        <a:rPr lang="en-US" altLang="zh-CN" i="1">
-                                          <a:latin typeface="Cambria Math" panose="02040503050406030204" pitchFamily="18" charset="0"/>
-                                        </a:rPr>
-                                        <m:t>𝑚𝑖𝑛</m:t>
-                                      </m:r>
-                                    </m:e>
-                                    <m:lim>
-                                      <m:r>
-                                        <a:rPr lang="en-US" altLang="zh-CN" i="1">
-                                          <a:latin typeface="Cambria Math" panose="02040503050406030204" pitchFamily="18" charset="0"/>
-                                        </a:rPr>
-                                        <m:t>𝑐</m:t>
-                                      </m:r>
-                                    </m:lim>
-                                  </m:limLow>
-                                </m:fName>
-                                <m:e>
-                                  <m:sSup>
-                                    <m:sSupPr>
-                                      <m:ctrlPr>
-                                        <a:rPr lang="zh-CN" altLang="zh-CN" i="1">
-                                          <a:latin typeface="Cambria Math" panose="02040503050406030204" pitchFamily="18" charset="0"/>
-                                        </a:rPr>
-                                      </m:ctrlPr>
-                                    </m:sSupPr>
-                                    <m:e>
-                                      <m:r>
-                                        <a:rPr lang="en-US" altLang="zh-CN" i="1">
-                                          <a:latin typeface="Cambria Math" panose="02040503050406030204" pitchFamily="18" charset="0"/>
-                                        </a:rPr>
-                                        <m:t>𝐼</m:t>
-                                      </m:r>
-                                    </m:e>
-                                    <m:sup>
-                                      <m:r>
-                                        <a:rPr lang="en-US" altLang="zh-CN" i="1">
-                                          <a:latin typeface="Cambria Math" panose="02040503050406030204" pitchFamily="18" charset="0"/>
-                                        </a:rPr>
-                                        <m:t>𝑐</m:t>
-                                      </m:r>
-                                    </m:sup>
-                                  </m:sSup>
-                                  <m:d>
-                                    <m:dPr>
-                                      <m:ctrlPr>
-                                        <a:rPr lang="zh-CN" altLang="zh-CN" i="1">
-                                          <a:latin typeface="Cambria Math" panose="02040503050406030204" pitchFamily="18" charset="0"/>
-                                        </a:rPr>
-                                      </m:ctrlPr>
-                                    </m:dPr>
-                                    <m:e>
-                                      <m:r>
-                                        <a:rPr lang="en-US" altLang="zh-CN" i="1">
-                                          <a:latin typeface="Cambria Math" panose="02040503050406030204" pitchFamily="18" charset="0"/>
-                                        </a:rPr>
-                                        <m:t>𝑦</m:t>
-                                      </m:r>
-                                    </m:e>
-                                  </m:d>
-                                </m:e>
-                              </m:func>
-                              <m:r>
-                                <m:rPr>
-                                  <m:nor/>
-                                </m:rPr>
-                                <a:rPr lang="en-US" altLang="zh-CN"/>
-                                <m:t>)</m:t>
-                              </m:r>
-                              <m:r>
-                                <m:rPr>
-                                  <m:nor/>
-                                </m:rPr>
-                                <a:rPr lang="en-US" altLang="zh-CN" i="1"/>
-                                <m:t>  </m:t>
-                              </m:r>
-                            </m:e>
-                          </m:func>
-                        </m:num>
-                        <m:den>
-                          <m:sSup>
-                            <m:sSupPr>
-                              <m:ctrlPr>
-                                <a:rPr lang="zh-CN" altLang="zh-CN" i="1">
-                                  <a:latin typeface="Cambria Math" panose="02040503050406030204" pitchFamily="18" charset="0"/>
-                                </a:rPr>
-                              </m:ctrlPr>
-                            </m:sSupPr>
-                            <m:e>
-                              <m:r>
-                                <m:rPr>
-                                  <m:nor/>
-                                </m:rPr>
-                                <a:rPr lang="en-US" altLang="zh-CN" i="1"/>
-                                <m:t>B</m:t>
-                              </m:r>
-                            </m:e>
-                            <m:sup>
-                              <m:r>
-                                <m:rPr>
-                                  <m:nor/>
-                                </m:rPr>
-                                <a:rPr lang="en-US" altLang="zh-CN" i="1"/>
-                                <m:t>c</m:t>
-                              </m:r>
-                            </m:sup>
-                          </m:sSup>
-                          <m:r>
-                            <a:rPr lang="en-US" altLang="zh-CN" i="1">
-                              <a:latin typeface="Cambria Math" panose="02040503050406030204" pitchFamily="18" charset="0"/>
-                            </a:rPr>
-                            <m:t>(</m:t>
-                          </m:r>
-                          <m:r>
-                            <a:rPr lang="en-US" altLang="zh-CN" i="1">
-                              <a:latin typeface="Cambria Math" panose="02040503050406030204" pitchFamily="18" charset="0"/>
-                            </a:rPr>
-                            <m:t>𝑥</m:t>
-                          </m:r>
-                          <m:r>
-                            <a:rPr lang="en-US" altLang="zh-CN" i="1">
-                              <a:latin typeface="Cambria Math" panose="02040503050406030204" pitchFamily="18" charset="0"/>
-                            </a:rPr>
-                            <m:t>)</m:t>
-                          </m:r>
-                        </m:den>
-                      </m:f>
-                      <m:r>
-                        <m:rPr>
-                          <m:nor/>
-                        </m:rPr>
-                        <a:rPr lang="en-US" altLang="zh-CN"/>
-                        <m:t>, </m:t>
-                      </m:r>
-                      <m:r>
-                        <m:rPr>
-                          <m:nor/>
-                        </m:rPr>
-                        <a:rPr lang="en-US" altLang="zh-CN" i="1"/>
-                        <m:t> </m:t>
-                      </m:r>
-                      <m:r>
-                        <m:rPr>
-                          <m:nor/>
-                        </m:rPr>
-                        <a:rPr lang="en-US" altLang="zh-CN" i="1"/>
-                        <m:t>c</m:t>
-                      </m:r>
-                      <m:r>
-                        <a:rPr lang="en-US" altLang="zh-CN" i="1">
-                          <a:latin typeface="Cambria Math" panose="02040503050406030204" pitchFamily="18" charset="0"/>
-                        </a:rPr>
-                        <m:t>∈</m:t>
-                      </m:r>
-                      <m:d>
-                        <m:dPr>
-                          <m:begChr m:val="{"/>
-                          <m:endChr m:val="}"/>
-                          <m:ctrlPr>
-                            <a:rPr lang="zh-CN" altLang="zh-CN" i="1">
-                              <a:latin typeface="Cambria Math" panose="02040503050406030204" pitchFamily="18" charset="0"/>
-                            </a:rPr>
-                          </m:ctrlPr>
-                        </m:dPr>
-                        <m:e>
-                          <m:r>
-                            <a:rPr lang="en-US" altLang="zh-CN" i="1">
-                              <a:latin typeface="Cambria Math" panose="02040503050406030204" pitchFamily="18" charset="0"/>
-                            </a:rPr>
-                            <m:t>𝑟</m:t>
-                          </m:r>
-                          <m:r>
-                            <a:rPr lang="en-US" altLang="zh-CN">
-                              <a:latin typeface="Cambria Math" panose="02040503050406030204" pitchFamily="18" charset="0"/>
-                            </a:rPr>
-                            <m:t>,</m:t>
-                          </m:r>
-                          <m:r>
-                            <a:rPr lang="en-US" altLang="zh-CN" i="1">
-                              <a:latin typeface="Cambria Math" panose="02040503050406030204" pitchFamily="18" charset="0"/>
-                            </a:rPr>
-                            <m:t>𝑔</m:t>
-                          </m:r>
-                          <m:r>
-                            <a:rPr lang="en-US" altLang="zh-CN" i="1">
-                              <a:latin typeface="Cambria Math" panose="02040503050406030204" pitchFamily="18" charset="0"/>
-                            </a:rPr>
-                            <m:t>,</m:t>
-                          </m:r>
-                          <m:r>
-                            <a:rPr lang="en-US" altLang="zh-CN" i="1">
-                              <a:latin typeface="Cambria Math" panose="02040503050406030204" pitchFamily="18" charset="0"/>
-                            </a:rPr>
-                            <m:t>𝑏</m:t>
-                          </m:r>
-                        </m:e>
-                      </m:d>
-                    </m:oMath>
-                  </m:oMathPara>
-                </a14:m>
-                <a:endParaRPr lang="zh-CN" altLang="zh-CN" dirty="0"/>
-              </a:p>
-              <a:p>
-                <a:endParaRPr lang="en-US" altLang="zh-CN" dirty="0" smtClean="0"/>
-              </a:p>
-              <a:p>
-                <a:r>
-                  <a:rPr lang="zh-CN" altLang="en-US" dirty="0" smtClean="0"/>
-                  <a:t>（</a:t>
-                </a:r>
-                <a:r>
-                  <a:rPr lang="en-US" altLang="zh-CN" dirty="0" smtClean="0"/>
-                  <a:t>2</a:t>
-                </a:r>
-                <a:r>
-                  <a:rPr lang="zh-CN" altLang="en-US" dirty="0" smtClean="0"/>
-                  <a:t>）估算背景光</a:t>
-                </a:r>
-                <a:endParaRPr lang="en-US" altLang="zh-CN" dirty="0" smtClean="0"/>
-              </a:p>
-              <a:p>
-                <a:r>
-                  <a:rPr lang="en-US" altLang="zh-CN" dirty="0" smtClean="0"/>
-                  <a:t>       </a:t>
-                </a:r>
-                <a:r>
-                  <a:rPr lang="zh-CN" altLang="zh-CN" dirty="0" smtClean="0"/>
-                  <a:t>取</a:t>
-                </a:r>
-                <a:r>
-                  <a:rPr lang="zh-CN" altLang="zh-CN" dirty="0"/>
-                  <a:t>暗通道中最大的一部分值对应像素点作为背景光，如前</a:t>
-                </a:r>
-                <a:r>
-                  <a:rPr lang="en-US" altLang="zh-CN" dirty="0"/>
-                  <a:t>0.1%</a:t>
-                </a:r>
-                <a:r>
-                  <a:rPr lang="zh-CN" altLang="zh-CN" dirty="0"/>
-                  <a:t>的像素点的</a:t>
-                </a:r>
-                <a:r>
-                  <a:rPr lang="zh-CN" altLang="zh-CN" dirty="0" smtClean="0"/>
-                  <a:t>平均值</a:t>
-                </a:r>
-                <a:r>
-                  <a:rPr lang="zh-CN" altLang="en-US" dirty="0" smtClean="0"/>
-                  <a:t>。</a:t>
-                </a:r>
-                <a:endParaRPr lang="en-US" altLang="zh-CN" dirty="0"/>
-              </a:p>
-            </p:txBody>
-          </p:sp>
-        </mc:Choice>
-        <mc:Fallback xmlns="">
-          <p:sp>
-            <p:nvSpPr>
-              <p:cNvPr id="11" name="文本框 10"/>
-              <p:cNvSpPr txBox="1">
-                <a:spLocks noRot="1" noChangeAspect="1" noMove="1" noResize="1" noEditPoints="1" noAdjustHandles="1" noChangeArrowheads="1" noChangeShapeType="1" noTextEdit="1"/>
-              </p:cNvSpPr>
-              <p:nvPr/>
-            </p:nvSpPr>
-            <p:spPr>
-              <a:xfrm>
-                <a:off x="6951644" y="2115237"/>
-                <a:ext cx="4402156" cy="3723701"/>
-              </a:xfrm>
-              <a:prstGeom prst="rect">
-                <a:avLst/>
-              </a:prstGeom>
-              <a:blipFill rotWithShape="0">
-                <a:blip r:embed="rId7"/>
-                <a:stretch>
-                  <a:fillRect l="-1107" t="-1473"/>
-                </a:stretch>
-              </a:blipFill>
-            </p:spPr>
-            <p:txBody>
-              <a:bodyPr/>
-              <a:lstStyle/>
-              <a:p>
-                <a:r>
-                  <a:rPr lang="zh-CN" altLang="en-US">
-                    <a:noFill/>
-                  </a:rPr>
-                  <a:t> </a:t>
-                </a:r>
-              </a:p>
-            </p:txBody>
-          </p:sp>
-        </mc:Fallback>
-      </mc:AlternateContent>
+      <p:pic>
+        <p:nvPicPr>
+          <p:cNvPr id="8" name="图片 7"/>
+          <p:cNvPicPr/>
+          <p:nvPr/>
+        </p:nvPicPr>
+        <p:blipFill>
+          <a:blip r:embed="rId7"/>
+          <a:stretch>
+            <a:fillRect/>
+          </a:stretch>
+        </p:blipFill>
+        <p:spPr>
+          <a:xfrm>
+            <a:off x="3886415" y="3590801"/>
+            <a:ext cx="3180153" cy="860014"/>
+          </a:xfrm>
+          <a:prstGeom prst="rect">
+            <a:avLst/>
+          </a:prstGeom>
+          <a:noFill/>
+          <a:ln w="9525">
+            <a:noFill/>
+          </a:ln>
+        </p:spPr>
+      </p:pic>
+      <p:pic>
+        <p:nvPicPr>
+          <p:cNvPr id="10" name="图片 9"/>
+          <p:cNvPicPr/>
+          <p:nvPr/>
+        </p:nvPicPr>
+        <p:blipFill>
+          <a:blip r:embed="rId8"/>
+          <a:stretch>
+            <a:fillRect/>
+          </a:stretch>
+        </p:blipFill>
+        <p:spPr>
+          <a:xfrm>
+            <a:off x="3655061" y="5199735"/>
+            <a:ext cx="4277085" cy="989419"/>
+          </a:xfrm>
+          <a:prstGeom prst="rect">
+            <a:avLst/>
+          </a:prstGeom>
+          <a:noFill/>
+          <a:ln w="9525">
+            <a:noFill/>
+          </a:ln>
+        </p:spPr>
+      </p:pic>
+      <p:sp>
+        <p:nvSpPr>
+          <p:cNvPr id="4" name="文本框 3"/>
+          <p:cNvSpPr txBox="1"/>
+          <p:nvPr/>
+        </p:nvSpPr>
+        <p:spPr>
+          <a:xfrm>
+            <a:off x="8372817" y="1813434"/>
+            <a:ext cx="2980983" cy="646331"/>
+          </a:xfrm>
+          <a:prstGeom prst="rect">
+            <a:avLst/>
+          </a:prstGeom>
+          <a:solidFill>
+            <a:schemeClr val="accent1"/>
+          </a:solidFill>
+          <a:ln>
+            <a:solidFill>
+              <a:schemeClr val="accent1"/>
+            </a:solidFill>
+          </a:ln>
+        </p:spPr>
+        <p:txBody>
+          <a:bodyPr wrap="square" rtlCol="0">
+            <a:spAutoFit/>
+          </a:bodyPr>
+          <a:lstStyle/>
+          <a:p>
+            <a:r>
+              <a:rPr lang="zh-CN" altLang="en-US" dirty="0" smtClean="0"/>
+              <a:t>即：图像均方差，反映图片整体的灰度分布和强弱差。</a:t>
+            </a:r>
+            <a:endParaRPr lang="zh-CN" altLang="en-US" dirty="0"/>
+          </a:p>
+        </p:txBody>
+      </p:sp>
+      <p:sp>
+        <p:nvSpPr>
+          <p:cNvPr id="5" name="文本框 4"/>
+          <p:cNvSpPr txBox="1"/>
+          <p:nvPr/>
+        </p:nvSpPr>
+        <p:spPr>
+          <a:xfrm>
+            <a:off x="8372817" y="3527485"/>
+            <a:ext cx="2980981" cy="923330"/>
+          </a:xfrm>
+          <a:prstGeom prst="rect">
+            <a:avLst/>
+          </a:prstGeom>
+          <a:solidFill>
+            <a:schemeClr val="accent1"/>
+          </a:solidFill>
+          <a:ln>
+            <a:solidFill>
+              <a:schemeClr val="accent1"/>
+            </a:solidFill>
+          </a:ln>
+        </p:spPr>
+        <p:txBody>
+          <a:bodyPr wrap="square" rtlCol="0">
+            <a:spAutoFit/>
+          </a:bodyPr>
+          <a:lstStyle/>
+          <a:p>
+            <a:r>
+              <a:rPr lang="zh-CN" altLang="en-US" dirty="0" smtClean="0"/>
+              <a:t>反映图像中像素灰度信息和其邻近区域内的灰度分布特征。</a:t>
+            </a:r>
+            <a:endParaRPr lang="zh-CN" altLang="en-US" dirty="0"/>
+          </a:p>
+        </p:txBody>
+      </p:sp>
+      <p:sp>
+        <p:nvSpPr>
+          <p:cNvPr id="11" name="文本框 10"/>
+          <p:cNvSpPr txBox="1"/>
+          <p:nvPr/>
+        </p:nvSpPr>
+        <p:spPr>
+          <a:xfrm>
+            <a:off x="8372817" y="5199735"/>
+            <a:ext cx="2980981" cy="646331"/>
+          </a:xfrm>
+          <a:prstGeom prst="rect">
+            <a:avLst/>
+          </a:prstGeom>
+          <a:solidFill>
+            <a:schemeClr val="accent1"/>
+          </a:solidFill>
+          <a:ln>
+            <a:solidFill>
+              <a:schemeClr val="accent1"/>
+            </a:solidFill>
+          </a:ln>
+        </p:spPr>
+        <p:txBody>
+          <a:bodyPr wrap="square" rtlCol="0">
+            <a:spAutoFit/>
+          </a:bodyPr>
+          <a:lstStyle/>
+          <a:p>
+            <a:r>
+              <a:rPr lang="zh-CN" altLang="en-US" dirty="0" smtClean="0"/>
+              <a:t>代表图像对比度、细节的反差情况以及纹理变化情况。</a:t>
+            </a:r>
+            <a:endParaRPr lang="zh-CN" altLang="en-US" dirty="0"/>
+          </a:p>
+        </p:txBody>
+      </p:sp>
     </p:spTree>
     <p:custDataLst>
       <p:tags r:id="rId1"/>
     </p:custDataLst>
     <p:extLst>
       <p:ext uri="{BB962C8B-B14F-4D97-AF65-F5344CB8AC3E}">
-        <p14:creationId xmlns:p14="http://schemas.microsoft.com/office/powerpoint/2010/main" val="518863890"/>
+        <p14:creationId xmlns:p14="http://schemas.microsoft.com/office/powerpoint/2010/main" val="413451959"/>
       </p:ext>
     </p:extLst>
   </p:cSld>
@@ -12097,5572 +10965,6 @@
               </a:spcBef>
             </a:pPr>
             <a:r>
-              <a:rPr lang="zh-CN" altLang="en-US" sz="4400" dirty="0">
-                <a:latin typeface="Times New Roman" panose="02020603050405020304" pitchFamily="18" charset="0"/>
-                <a:cs typeface="Times New Roman" panose="02020603050405020304" pitchFamily="18" charset="0"/>
-                <a:sym typeface="+mn-ea"/>
-              </a:rPr>
-              <a:t>暗</a:t>
-            </a:r>
-            <a:r>
-              <a:rPr lang="zh-CN" altLang="en-US" sz="4400" dirty="0" smtClean="0">
-                <a:latin typeface="Times New Roman" panose="02020603050405020304" pitchFamily="18" charset="0"/>
-                <a:cs typeface="Times New Roman" panose="02020603050405020304" pitchFamily="18" charset="0"/>
-                <a:sym typeface="+mn-ea"/>
-              </a:rPr>
-              <a:t>通道先验的原理及应用</a:t>
-            </a:r>
-            <a:endParaRPr lang="en-US" altLang="zh-CN" sz="4400" dirty="0">
-              <a:latin typeface="Times New Roman" panose="02020603050405020304" pitchFamily="18" charset="0"/>
-              <a:cs typeface="Times New Roman" panose="02020603050405020304" pitchFamily="18" charset="0"/>
-              <a:sym typeface="+mn-ea"/>
-            </a:endParaRPr>
-          </a:p>
-        </p:txBody>
-      </p:sp>
-      <p:sp>
-        <p:nvSpPr>
-          <p:cNvPr id="6" name="矩形 5"/>
-          <p:cNvSpPr/>
-          <p:nvPr>
-            <p:custDataLst>
-              <p:tags r:id="rId3"/>
-            </p:custDataLst>
-          </p:nvPr>
-        </p:nvSpPr>
-        <p:spPr>
-          <a:xfrm>
-            <a:off x="838200" y="1825625"/>
-            <a:ext cx="10515600" cy="4351338"/>
-          </a:xfrm>
-          <a:prstGeom prst="rect">
-            <a:avLst/>
-          </a:prstGeom>
-        </p:spPr>
-        <p:txBody>
-          <a:bodyPr vert="horz" wrap="square" lIns="91440" tIns="45720" rIns="91440" bIns="45720" rtlCol="0" anchor="t">
-            <a:normAutofit/>
-          </a:bodyPr>
-          <a:lstStyle/>
-          <a:p>
-            <a:pPr marL="228600" lvl="0" indent="-228600" algn="l">
-              <a:lnSpc>
-                <a:spcPct val="90000"/>
-              </a:lnSpc>
-              <a:spcBef>
-                <a:spcPts val="1000"/>
-              </a:spcBef>
-              <a:buFont typeface="Arial" panose="020B0604020202020204" pitchFamily="34" charset="0"/>
-            </a:pPr>
-            <a:endParaRPr lang="zh-CN" altLang="en-US" sz="2800">
-              <a:sym typeface="+mn-ea"/>
-            </a:endParaRPr>
-          </a:p>
-        </p:txBody>
-      </p:sp>
-      <p:sp>
-        <p:nvSpPr>
-          <p:cNvPr id="9" name="矩形 8"/>
-          <p:cNvSpPr/>
-          <p:nvPr>
-            <p:custDataLst>
-              <p:tags r:id="rId4"/>
-            </p:custDataLst>
-          </p:nvPr>
-        </p:nvSpPr>
-        <p:spPr>
-          <a:xfrm>
-            <a:off x="838200" y="1825625"/>
-            <a:ext cx="10718494" cy="4351338"/>
-          </a:xfrm>
-          <a:prstGeom prst="rect">
-            <a:avLst/>
-          </a:prstGeom>
-        </p:spPr>
-        <p:txBody>
-          <a:bodyPr vert="horz" wrap="square" lIns="91440" tIns="45720" rIns="91440" bIns="45720" rtlCol="0" anchor="t">
-            <a:normAutofit/>
-          </a:bodyPr>
-          <a:lstStyle/>
-          <a:p>
-            <a:pPr marL="457200" indent="-457200">
-              <a:lnSpc>
-                <a:spcPct val="90000"/>
-              </a:lnSpc>
-              <a:spcBef>
-                <a:spcPts val="1000"/>
-              </a:spcBef>
-              <a:buFont typeface="Arial" panose="020B0604020202020204" pitchFamily="34" charset="0"/>
-              <a:buChar char="•"/>
-            </a:pPr>
-            <a:r>
-              <a:rPr lang="zh-CN" altLang="en-US" sz="2800" dirty="0" smtClean="0">
-                <a:latin typeface="Times New Roman" panose="02020603050405020304" pitchFamily="18" charset="0"/>
-                <a:sym typeface="+mn-ea"/>
-              </a:rPr>
-              <a:t>方案</a:t>
-            </a:r>
-            <a:r>
-              <a:rPr lang="en-US" altLang="zh-CN" sz="2800" dirty="0" smtClean="0">
-                <a:latin typeface="Times New Roman" panose="02020603050405020304" pitchFamily="18" charset="0"/>
-                <a:sym typeface="+mn-ea"/>
-              </a:rPr>
-              <a:t>B</a:t>
-            </a:r>
-            <a:endParaRPr lang="en-US" altLang="zh-CN" sz="2800" dirty="0">
-              <a:latin typeface="Times New Roman" panose="02020603050405020304" pitchFamily="18" charset="0"/>
-              <a:sym typeface="+mn-ea"/>
-            </a:endParaRPr>
-          </a:p>
-          <a:p>
-            <a:pPr lvl="0">
-              <a:lnSpc>
-                <a:spcPct val="90000"/>
-              </a:lnSpc>
-              <a:spcBef>
-                <a:spcPts val="1000"/>
-              </a:spcBef>
-            </a:pPr>
-            <a:endParaRPr lang="en-US" altLang="zh-CN" sz="2800" dirty="0" smtClean="0">
-              <a:latin typeface="Times New Roman" panose="02020603050405020304" pitchFamily="18" charset="0"/>
-              <a:sym typeface="+mn-ea"/>
-            </a:endParaRPr>
-          </a:p>
-          <a:p>
-            <a:pPr lvl="0" algn="l">
-              <a:lnSpc>
-                <a:spcPct val="90000"/>
-              </a:lnSpc>
-              <a:spcBef>
-                <a:spcPts val="1000"/>
-              </a:spcBef>
-            </a:pPr>
-            <a:endParaRPr lang="en-US" altLang="zh-CN" sz="2400" dirty="0" smtClean="0">
-              <a:latin typeface="Times New Roman" panose="02020603050405020304" pitchFamily="18" charset="0"/>
-              <a:sym typeface="+mn-ea"/>
-            </a:endParaRPr>
-          </a:p>
-          <a:p>
-            <a:pPr lvl="0" indent="0" algn="l">
-              <a:lnSpc>
-                <a:spcPct val="90000"/>
-              </a:lnSpc>
-              <a:spcBef>
-                <a:spcPts val="1000"/>
-              </a:spcBef>
-              <a:buFont typeface="Arial" panose="020B0604020202020204" pitchFamily="34" charset="0"/>
-              <a:buNone/>
-            </a:pPr>
-            <a:r>
-              <a:rPr lang="en-US" altLang="zh-CN" sz="2800" dirty="0">
-                <a:latin typeface="Times New Roman" panose="02020603050405020304" pitchFamily="18" charset="0"/>
-                <a:sym typeface="+mn-ea"/>
-              </a:rPr>
-              <a:t> </a:t>
-            </a:r>
-            <a:r>
-              <a:rPr lang="en-US" altLang="zh-CN" sz="2800" dirty="0" smtClean="0">
-                <a:latin typeface="Times New Roman" panose="02020603050405020304" pitchFamily="18" charset="0"/>
-                <a:sym typeface="+mn-ea"/>
-              </a:rPr>
-              <a:t>                                                                           </a:t>
-            </a:r>
-            <a:endParaRPr lang="en-US" altLang="zh-CN" sz="2800" dirty="0" smtClean="0">
-              <a:sym typeface="+mn-ea"/>
-            </a:endParaRPr>
-          </a:p>
-          <a:p>
-            <a:pPr lvl="0" indent="0" algn="l">
-              <a:lnSpc>
-                <a:spcPct val="90000"/>
-              </a:lnSpc>
-              <a:spcBef>
-                <a:spcPts val="1000"/>
-              </a:spcBef>
-              <a:buFont typeface="Arial" panose="020B0604020202020204" pitchFamily="34" charset="0"/>
-              <a:buNone/>
-            </a:pPr>
-            <a:r>
-              <a:rPr lang="en-US" altLang="zh-CN" sz="2800" dirty="0">
-                <a:sym typeface="+mn-ea"/>
-              </a:rPr>
-              <a:t> </a:t>
-            </a:r>
-            <a:r>
-              <a:rPr lang="en-US" altLang="zh-CN" sz="2800" dirty="0" smtClean="0">
-                <a:sym typeface="+mn-ea"/>
-              </a:rPr>
-              <a:t>    </a:t>
-            </a:r>
-            <a:endParaRPr lang="en-US" altLang="zh-CN" sz="2800" dirty="0">
-              <a:sym typeface="+mn-ea"/>
-            </a:endParaRPr>
-          </a:p>
-          <a:p>
-            <a:pPr lvl="0" indent="0" algn="l">
-              <a:lnSpc>
-                <a:spcPct val="90000"/>
-              </a:lnSpc>
-              <a:spcBef>
-                <a:spcPts val="1000"/>
-              </a:spcBef>
-              <a:buFont typeface="Arial" panose="020B0604020202020204" pitchFamily="34" charset="0"/>
-              <a:buNone/>
-            </a:pPr>
-            <a:r>
-              <a:rPr lang="en-US" altLang="zh-CN" sz="2800" dirty="0" smtClean="0">
-                <a:sym typeface="+mn-ea"/>
-              </a:rPr>
-              <a:t>                                                                                   </a:t>
-            </a:r>
-            <a:endParaRPr lang="en-US" altLang="zh-CN" sz="2800" dirty="0">
-              <a:sym typeface="+mn-ea"/>
-            </a:endParaRPr>
-          </a:p>
-          <a:p>
-            <a:pPr lvl="0" indent="0" algn="l">
-              <a:lnSpc>
-                <a:spcPct val="90000"/>
-              </a:lnSpc>
-              <a:spcBef>
-                <a:spcPts val="1000"/>
-              </a:spcBef>
-              <a:buFont typeface="Arial" panose="020B0604020202020204" pitchFamily="34" charset="0"/>
-              <a:buNone/>
-            </a:pPr>
-            <a:r>
-              <a:rPr lang="en-US" altLang="zh-CN" sz="2800" dirty="0">
-                <a:sym typeface="+mn-ea"/>
-              </a:rPr>
-              <a:t> </a:t>
-            </a:r>
-          </a:p>
-        </p:txBody>
-      </p:sp>
-      <p:sp>
-        <p:nvSpPr>
-          <p:cNvPr id="2" name="文本框 1"/>
-          <p:cNvSpPr txBox="1"/>
-          <p:nvPr/>
-        </p:nvSpPr>
-        <p:spPr>
-          <a:xfrm>
-            <a:off x="0" y="1319514"/>
-            <a:ext cx="12192000" cy="185195"/>
-          </a:xfrm>
-          <a:prstGeom prst="rect">
-            <a:avLst/>
-          </a:prstGeom>
-          <a:solidFill>
-            <a:schemeClr val="accent3">
-              <a:lumMod val="40000"/>
-              <a:lumOff val="60000"/>
-            </a:schemeClr>
-          </a:solidFill>
-          <a:ln>
-            <a:solidFill>
-              <a:schemeClr val="bg2">
-                <a:lumMod val="75000"/>
-              </a:schemeClr>
-            </a:solidFill>
-          </a:ln>
-        </p:spPr>
-        <p:txBody>
-          <a:bodyPr wrap="square" rtlCol="0">
-            <a:spAutoFit/>
-          </a:bodyPr>
-          <a:lstStyle/>
-          <a:p>
-            <a:endParaRPr lang="zh-CN" altLang="en-US" dirty="0"/>
-          </a:p>
-        </p:txBody>
-      </p:sp>
-      <mc:AlternateContent xmlns:mc="http://schemas.openxmlformats.org/markup-compatibility/2006" xmlns:a14="http://schemas.microsoft.com/office/drawing/2010/main">
-        <mc:Choice Requires="a14">
-          <p:sp>
-            <p:nvSpPr>
-              <p:cNvPr id="11" name="文本框 10"/>
-              <p:cNvSpPr txBox="1"/>
-              <p:nvPr/>
-            </p:nvSpPr>
-            <p:spPr>
-              <a:xfrm>
-                <a:off x="5794872" y="1825625"/>
-                <a:ext cx="5558928" cy="4907690"/>
-              </a:xfrm>
-              <a:prstGeom prst="rect">
-                <a:avLst/>
-              </a:prstGeom>
-              <a:noFill/>
-            </p:spPr>
-            <p:txBody>
-              <a:bodyPr wrap="square" rtlCol="0">
-                <a:spAutoFit/>
-              </a:bodyPr>
-              <a:lstStyle/>
-              <a:p>
-                <a:r>
-                  <a:rPr lang="zh-CN" altLang="en-US" dirty="0" smtClean="0"/>
-                  <a:t>（</a:t>
-                </a:r>
-                <a:r>
-                  <a:rPr lang="en-US" altLang="zh-CN" dirty="0" smtClean="0"/>
-                  <a:t>1</a:t>
-                </a:r>
-                <a:r>
-                  <a:rPr lang="zh-CN" altLang="en-US" dirty="0" smtClean="0"/>
-                  <a:t>）估算透射率</a:t>
-                </a:r>
-                <a:endParaRPr lang="en-US" altLang="zh-CN" dirty="0" smtClean="0"/>
-              </a:p>
-              <a:p>
-                <a:r>
-                  <a:rPr lang="en-US" altLang="zh-CN" dirty="0" smtClean="0"/>
-                  <a:t>       </a:t>
-                </a:r>
-                <a:r>
-                  <a:rPr lang="zh-CN" altLang="zh-CN" dirty="0" smtClean="0"/>
-                  <a:t>若</a:t>
-                </a:r>
-                <a:r>
-                  <a:rPr lang="en-US" altLang="zh-CN" dirty="0"/>
-                  <a:t>R</a:t>
-                </a:r>
-                <a:r>
-                  <a:rPr lang="zh-CN" altLang="zh-CN" dirty="0"/>
-                  <a:t>通道衰减较大（如</a:t>
-                </a:r>
-                <a:r>
-                  <a:rPr lang="en-US" altLang="zh-CN" dirty="0"/>
-                  <a:t>GB</a:t>
-                </a:r>
-                <a:r>
-                  <a:rPr lang="zh-CN" altLang="zh-CN" dirty="0"/>
-                  <a:t>均值的</a:t>
-                </a:r>
-                <a:r>
-                  <a:rPr lang="en-US" altLang="zh-CN" dirty="0"/>
-                  <a:t>75%&gt;R</a:t>
-                </a:r>
-                <a:r>
-                  <a:rPr lang="zh-CN" altLang="zh-CN" dirty="0"/>
-                  <a:t>均值</a:t>
-                </a:r>
-                <a:r>
-                  <a:rPr lang="en-US" altLang="zh-CN" dirty="0"/>
-                  <a:t>&gt; GB</a:t>
-                </a:r>
-                <a:r>
-                  <a:rPr lang="zh-CN" altLang="zh-CN" dirty="0"/>
-                  <a:t>均值的</a:t>
-                </a:r>
-                <a:r>
-                  <a:rPr lang="en-US" altLang="zh-CN" dirty="0"/>
-                  <a:t>25%</a:t>
-                </a:r>
-                <a:r>
-                  <a:rPr lang="zh-CN" altLang="zh-CN" dirty="0"/>
-                  <a:t>），此时单独考虑</a:t>
-                </a:r>
-                <a:r>
-                  <a:rPr lang="en-US" altLang="zh-CN" dirty="0"/>
-                  <a:t>R</a:t>
-                </a:r>
-                <a:r>
-                  <a:rPr lang="zh-CN" altLang="zh-CN" dirty="0"/>
-                  <a:t>通道，分块求其局部</a:t>
-                </a:r>
-                <a:r>
-                  <a:rPr lang="zh-CN" altLang="zh-CN" dirty="0" smtClean="0"/>
-                  <a:t>最</a:t>
-                </a:r>
-                <a:r>
-                  <a:rPr lang="zh-CN" altLang="en-US" dirty="0" smtClean="0"/>
-                  <a:t>小</a:t>
-                </a:r>
-                <a:r>
-                  <a:rPr lang="zh-CN" altLang="zh-CN" dirty="0" smtClean="0"/>
-                  <a:t>值</a:t>
-                </a:r>
-                <a:r>
-                  <a:rPr lang="zh-CN" altLang="zh-CN" dirty="0"/>
-                  <a:t>，用其代替暗通道值，而</a:t>
-                </a:r>
-                <a:r>
-                  <a:rPr lang="en-US" altLang="zh-CN" dirty="0"/>
-                  <a:t>GB</a:t>
-                </a:r>
-                <a:r>
-                  <a:rPr lang="zh-CN" altLang="zh-CN" dirty="0"/>
-                  <a:t>通道采用简化的暗通道先验估算透射率，即只考虑</a:t>
-                </a:r>
-                <a:r>
-                  <a:rPr lang="en-US" altLang="zh-CN" dirty="0"/>
-                  <a:t>G</a:t>
-                </a:r>
-                <a:r>
-                  <a:rPr lang="zh-CN" altLang="zh-CN" dirty="0"/>
-                  <a:t>、</a:t>
-                </a:r>
-                <a:r>
-                  <a:rPr lang="en-US" altLang="zh-CN" dirty="0"/>
-                  <a:t>B</a:t>
-                </a:r>
-                <a:r>
-                  <a:rPr lang="zh-CN" altLang="zh-CN" dirty="0"/>
-                  <a:t>通道时的暗通道先验</a:t>
-                </a:r>
-                <a:endParaRPr lang="en-US" altLang="zh-CN" dirty="0"/>
-              </a:p>
-              <a:p>
-                <a:endParaRPr lang="en-US" altLang="zh-CN" dirty="0" smtClean="0"/>
-              </a:p>
-              <a:p>
-                <a:pPr/>
-                <a14:m>
-                  <m:oMathPara xmlns:m="http://schemas.openxmlformats.org/officeDocument/2006/math">
-                    <m:oMathParaPr>
-                      <m:jc m:val="centerGroup"/>
-                    </m:oMathParaPr>
-                    <m:oMath xmlns:m="http://schemas.openxmlformats.org/officeDocument/2006/math">
-                      <m:acc>
-                        <m:accPr>
-                          <m:chr m:val="̃"/>
-                          <m:ctrlPr>
-                            <a:rPr lang="zh-CN" altLang="zh-CN" i="1">
-                              <a:latin typeface="Cambria Math" panose="02040503050406030204" pitchFamily="18" charset="0"/>
-                            </a:rPr>
-                          </m:ctrlPr>
-                        </m:accPr>
-                        <m:e>
-                          <m:sSup>
-                            <m:sSupPr>
-                              <m:ctrlPr>
-                                <a:rPr lang="zh-CN" altLang="zh-CN" i="1">
-                                  <a:latin typeface="Cambria Math" panose="02040503050406030204" pitchFamily="18" charset="0"/>
-                                </a:rPr>
-                              </m:ctrlPr>
-                            </m:sSupPr>
-                            <m:e>
-                              <m:r>
-                                <a:rPr lang="en-US" altLang="zh-CN" i="1">
-                                  <a:latin typeface="Cambria Math" panose="02040503050406030204" pitchFamily="18" charset="0"/>
-                                </a:rPr>
-                                <m:t>𝑡</m:t>
-                              </m:r>
-                            </m:e>
-                            <m:sup>
-                              <m:r>
-                                <a:rPr lang="en-US" altLang="zh-CN" i="1">
-                                  <a:latin typeface="Cambria Math" panose="02040503050406030204" pitchFamily="18" charset="0"/>
-                                </a:rPr>
-                                <m:t>𝑅</m:t>
-                              </m:r>
-                            </m:sup>
-                          </m:sSup>
-                        </m:e>
-                      </m:acc>
-                      <m:r>
-                        <a:rPr lang="en-US" altLang="zh-CN" i="1">
-                          <a:latin typeface="Cambria Math" panose="02040503050406030204" pitchFamily="18" charset="0"/>
-                        </a:rPr>
-                        <m:t>=1−</m:t>
-                      </m:r>
-                      <m:f>
-                        <m:fPr>
-                          <m:ctrlPr>
-                            <a:rPr lang="zh-CN" altLang="zh-CN" i="1">
-                              <a:latin typeface="Cambria Math" panose="02040503050406030204" pitchFamily="18" charset="0"/>
-                            </a:rPr>
-                          </m:ctrlPr>
-                        </m:fPr>
-                        <m:num>
-                          <m:func>
-                            <m:funcPr>
-                              <m:ctrlPr>
-                                <a:rPr lang="zh-CN" altLang="zh-CN" i="1">
-                                  <a:latin typeface="Cambria Math" panose="02040503050406030204" pitchFamily="18" charset="0"/>
-                                </a:rPr>
-                              </m:ctrlPr>
-                            </m:funcPr>
-                            <m:fName>
-                              <m:limLow>
-                                <m:limLowPr>
-                                  <m:ctrlPr>
-                                    <a:rPr lang="zh-CN" altLang="zh-CN" i="1">
-                                      <a:latin typeface="Cambria Math" panose="02040503050406030204" pitchFamily="18" charset="0"/>
-                                    </a:rPr>
-                                  </m:ctrlPr>
-                                </m:limLowPr>
-                                <m:e>
-                                  <m:r>
-                                    <m:rPr>
-                                      <m:nor/>
-                                    </m:rPr>
-                                    <a:rPr lang="en-US" altLang="zh-CN" i="1"/>
-                                    <m:t>min</m:t>
-                                  </m:r>
-                                </m:e>
-                                <m:lim>
-                                  <m:r>
-                                    <a:rPr lang="en-US" altLang="zh-CN" i="1">
-                                      <a:latin typeface="Cambria Math" panose="02040503050406030204" pitchFamily="18" charset="0"/>
-                                    </a:rPr>
-                                    <m:t>𝑦</m:t>
-                                  </m:r>
-                                  <m:r>
-                                    <a:rPr lang="en-US" altLang="zh-CN" i="1">
-                                      <a:latin typeface="Cambria Math" panose="02040503050406030204" pitchFamily="18" charset="0"/>
-                                    </a:rPr>
-                                    <m:t>∈</m:t>
-                                  </m:r>
-                                  <m:r>
-                                    <a:rPr lang="en-US" altLang="zh-CN" i="1">
-                                      <a:latin typeface="Cambria Math" panose="02040503050406030204" pitchFamily="18" charset="0"/>
-                                    </a:rPr>
-                                    <m:t>𝛺</m:t>
-                                  </m:r>
-                                  <m:d>
-                                    <m:dPr>
-                                      <m:ctrlPr>
-                                        <a:rPr lang="zh-CN" altLang="zh-CN" i="1">
-                                          <a:latin typeface="Cambria Math" panose="02040503050406030204" pitchFamily="18" charset="0"/>
-                                        </a:rPr>
-                                      </m:ctrlPr>
-                                    </m:dPr>
-                                    <m:e>
-                                      <m:r>
-                                        <a:rPr lang="en-US" altLang="zh-CN" i="1">
-                                          <a:latin typeface="Cambria Math" panose="02040503050406030204" pitchFamily="18" charset="0"/>
-                                        </a:rPr>
-                                        <m:t>𝑥</m:t>
-                                      </m:r>
-                                    </m:e>
-                                  </m:d>
-                                </m:lim>
-                              </m:limLow>
-                            </m:fName>
-                            <m:e>
-                              <m:sSup>
-                                <m:sSupPr>
-                                  <m:ctrlPr>
-                                    <a:rPr lang="zh-CN" altLang="zh-CN" i="1">
-                                      <a:latin typeface="Cambria Math" panose="02040503050406030204" pitchFamily="18" charset="0"/>
-                                    </a:rPr>
-                                  </m:ctrlPr>
-                                </m:sSupPr>
-                                <m:e>
-                                  <m:r>
-                                    <a:rPr lang="en-US" altLang="zh-CN" i="1">
-                                      <a:latin typeface="Cambria Math" panose="02040503050406030204" pitchFamily="18" charset="0"/>
-                                    </a:rPr>
-                                    <m:t>𝐼</m:t>
-                                  </m:r>
-                                </m:e>
-                                <m:sup>
-                                  <m:r>
-                                    <a:rPr lang="en-US" altLang="zh-CN" i="1">
-                                      <a:latin typeface="Cambria Math" panose="02040503050406030204" pitchFamily="18" charset="0"/>
-                                    </a:rPr>
-                                    <m:t>𝑅</m:t>
-                                  </m:r>
-                                </m:sup>
-                              </m:sSup>
-                              <m:d>
-                                <m:dPr>
-                                  <m:ctrlPr>
-                                    <a:rPr lang="zh-CN" altLang="zh-CN" i="1">
-                                      <a:latin typeface="Cambria Math" panose="02040503050406030204" pitchFamily="18" charset="0"/>
-                                    </a:rPr>
-                                  </m:ctrlPr>
-                                </m:dPr>
-                                <m:e>
-                                  <m:r>
-                                    <a:rPr lang="en-US" altLang="zh-CN" i="1">
-                                      <a:latin typeface="Cambria Math" panose="02040503050406030204" pitchFamily="18" charset="0"/>
-                                    </a:rPr>
-                                    <m:t>𝑦</m:t>
-                                  </m:r>
-                                </m:e>
-                              </m:d>
-                              <m:r>
-                                <m:rPr>
-                                  <m:nor/>
-                                </m:rPr>
-                                <a:rPr lang="en-US" altLang="zh-CN" i="1"/>
-                                <m:t> </m:t>
-                              </m:r>
-                            </m:e>
-                          </m:func>
-                        </m:num>
-                        <m:den>
-                          <m:sSup>
-                            <m:sSupPr>
-                              <m:ctrlPr>
-                                <a:rPr lang="zh-CN" altLang="zh-CN" i="1">
-                                  <a:latin typeface="Cambria Math" panose="02040503050406030204" pitchFamily="18" charset="0"/>
-                                </a:rPr>
-                              </m:ctrlPr>
-                            </m:sSupPr>
-                            <m:e>
-                              <m:r>
-                                <m:rPr>
-                                  <m:nor/>
-                                </m:rPr>
-                                <a:rPr lang="en-US" altLang="zh-CN" i="1"/>
-                                <m:t>B</m:t>
-                              </m:r>
-                            </m:e>
-                            <m:sup>
-                              <m:r>
-                                <m:rPr>
-                                  <m:nor/>
-                                </m:rPr>
-                                <a:rPr lang="en-US" altLang="zh-CN" i="1"/>
-                                <m:t>R</m:t>
-                              </m:r>
-                            </m:sup>
-                          </m:sSup>
-                          <m:d>
-                            <m:dPr>
-                              <m:ctrlPr>
-                                <a:rPr lang="zh-CN" altLang="zh-CN" i="1">
-                                  <a:latin typeface="Cambria Math" panose="02040503050406030204" pitchFamily="18" charset="0"/>
-                                </a:rPr>
-                              </m:ctrlPr>
-                            </m:dPr>
-                            <m:e>
-                              <m:r>
-                                <a:rPr lang="en-US" altLang="zh-CN" i="1">
-                                  <a:latin typeface="Cambria Math" panose="02040503050406030204" pitchFamily="18" charset="0"/>
-                                </a:rPr>
-                                <m:t>𝑥</m:t>
-                              </m:r>
-                            </m:e>
-                          </m:d>
-                        </m:den>
-                      </m:f>
-                      <m:r>
-                        <a:rPr lang="en-US" altLang="zh-CN" i="1">
-                          <a:latin typeface="Cambria Math" panose="02040503050406030204" pitchFamily="18" charset="0"/>
-                        </a:rPr>
-                        <m:t>  </m:t>
-                      </m:r>
-                    </m:oMath>
-                  </m:oMathPara>
-                </a14:m>
-                <a:endParaRPr lang="zh-CN" altLang="zh-CN" dirty="0"/>
-              </a:p>
-              <a:p>
-                <a:endParaRPr lang="en-US" altLang="zh-CN" dirty="0" smtClean="0"/>
-              </a:p>
-              <a:p>
-                <a:pPr/>
-                <a14:m>
-                  <m:oMathPara xmlns:m="http://schemas.openxmlformats.org/officeDocument/2006/math">
-                    <m:oMathParaPr>
-                      <m:jc m:val="centerGroup"/>
-                    </m:oMathParaPr>
-                    <m:oMath xmlns:m="http://schemas.openxmlformats.org/officeDocument/2006/math">
-                      <m:acc>
-                        <m:accPr>
-                          <m:chr m:val="̃"/>
-                          <m:ctrlPr>
-                            <a:rPr lang="zh-CN" altLang="zh-CN" i="1">
-                              <a:latin typeface="Cambria Math" panose="02040503050406030204" pitchFamily="18" charset="0"/>
-                            </a:rPr>
-                          </m:ctrlPr>
-                        </m:accPr>
-                        <m:e>
-                          <m:sSup>
-                            <m:sSupPr>
-                              <m:ctrlPr>
-                                <a:rPr lang="zh-CN" altLang="zh-CN" i="1">
-                                  <a:latin typeface="Cambria Math" panose="02040503050406030204" pitchFamily="18" charset="0"/>
-                                </a:rPr>
-                              </m:ctrlPr>
-                            </m:sSupPr>
-                            <m:e>
-                              <m:r>
-                                <a:rPr lang="en-US" altLang="zh-CN" i="1">
-                                  <a:latin typeface="Cambria Math" panose="02040503050406030204" pitchFamily="18" charset="0"/>
-                                </a:rPr>
-                                <m:t>𝑡</m:t>
-                              </m:r>
-                            </m:e>
-                            <m:sup>
-                              <m:r>
-                                <a:rPr lang="en-US" altLang="zh-CN" i="1">
-                                  <a:latin typeface="Cambria Math" panose="02040503050406030204" pitchFamily="18" charset="0"/>
-                                </a:rPr>
-                                <m:t>𝑐</m:t>
-                              </m:r>
-                            </m:sup>
-                          </m:sSup>
-                        </m:e>
-                      </m:acc>
-                      <m:r>
-                        <m:rPr>
-                          <m:nor/>
-                        </m:rPr>
-                        <a:rPr lang="en-US" altLang="zh-CN" i="1"/>
-                        <m:t>=</m:t>
-                      </m:r>
-                      <m:r>
-                        <m:rPr>
-                          <m:nor/>
-                        </m:rPr>
-                        <a:rPr lang="en-US" altLang="zh-CN"/>
-                        <m:t>1</m:t>
-                      </m:r>
-                      <m:r>
-                        <a:rPr lang="en-US" altLang="zh-CN" i="1">
-                          <a:latin typeface="Cambria Math" panose="02040503050406030204" pitchFamily="18" charset="0"/>
-                        </a:rPr>
-                        <m:t>−</m:t>
-                      </m:r>
-                      <m:f>
-                        <m:fPr>
-                          <m:ctrlPr>
-                            <a:rPr lang="zh-CN" altLang="zh-CN" i="1">
-                              <a:latin typeface="Cambria Math" panose="02040503050406030204" pitchFamily="18" charset="0"/>
-                            </a:rPr>
-                          </m:ctrlPr>
-                        </m:fPr>
-                        <m:num>
-                          <m:func>
-                            <m:funcPr>
-                              <m:ctrlPr>
-                                <a:rPr lang="zh-CN" altLang="zh-CN" i="1">
-                                  <a:latin typeface="Cambria Math" panose="02040503050406030204" pitchFamily="18" charset="0"/>
-                                </a:rPr>
-                              </m:ctrlPr>
-                            </m:funcPr>
-                            <m:fName>
-                              <m:limLow>
-                                <m:limLowPr>
-                                  <m:ctrlPr>
-                                    <a:rPr lang="zh-CN" altLang="zh-CN" i="1">
-                                      <a:latin typeface="Cambria Math" panose="02040503050406030204" pitchFamily="18" charset="0"/>
-                                    </a:rPr>
-                                  </m:ctrlPr>
-                                </m:limLowPr>
-                                <m:e>
-                                  <m:r>
-                                    <m:rPr>
-                                      <m:nor/>
-                                    </m:rPr>
-                                    <a:rPr lang="en-US" altLang="zh-CN" i="1"/>
-                                    <m:t>min</m:t>
-                                  </m:r>
-                                </m:e>
-                                <m:lim>
-                                  <m:r>
-                                    <a:rPr lang="en-US" altLang="zh-CN" i="1">
-                                      <a:latin typeface="Cambria Math" panose="02040503050406030204" pitchFamily="18" charset="0"/>
-                                    </a:rPr>
-                                    <m:t>𝑦</m:t>
-                                  </m:r>
-                                  <m:r>
-                                    <a:rPr lang="en-US" altLang="zh-CN" i="1">
-                                      <a:latin typeface="Cambria Math" panose="02040503050406030204" pitchFamily="18" charset="0"/>
-                                    </a:rPr>
-                                    <m:t>∈</m:t>
-                                  </m:r>
-                                  <m:r>
-                                    <a:rPr lang="en-US" altLang="zh-CN" i="1">
-                                      <a:latin typeface="Cambria Math" panose="02040503050406030204" pitchFamily="18" charset="0"/>
-                                    </a:rPr>
-                                    <m:t>𝛺</m:t>
-                                  </m:r>
-                                  <m:d>
-                                    <m:dPr>
-                                      <m:ctrlPr>
-                                        <a:rPr lang="zh-CN" altLang="zh-CN" i="1">
-                                          <a:latin typeface="Cambria Math" panose="02040503050406030204" pitchFamily="18" charset="0"/>
-                                        </a:rPr>
-                                      </m:ctrlPr>
-                                    </m:dPr>
-                                    <m:e>
-                                      <m:r>
-                                        <a:rPr lang="en-US" altLang="zh-CN" i="1">
-                                          <a:latin typeface="Cambria Math" panose="02040503050406030204" pitchFamily="18" charset="0"/>
-                                        </a:rPr>
-                                        <m:t>𝑥</m:t>
-                                      </m:r>
-                                    </m:e>
-                                  </m:d>
-                                </m:lim>
-                              </m:limLow>
-                            </m:fName>
-                            <m:e>
-                              <m:r>
-                                <m:rPr>
-                                  <m:nor/>
-                                </m:rPr>
-                                <a:rPr lang="en-US" altLang="zh-CN"/>
-                                <m:t>(</m:t>
-                              </m:r>
-                              <m:func>
-                                <m:funcPr>
-                                  <m:ctrlPr>
-                                    <a:rPr lang="zh-CN" altLang="zh-CN" i="1">
-                                      <a:latin typeface="Cambria Math" panose="02040503050406030204" pitchFamily="18" charset="0"/>
-                                    </a:rPr>
-                                  </m:ctrlPr>
-                                </m:funcPr>
-                                <m:fName>
-                                  <m:limLow>
-                                    <m:limLowPr>
-                                      <m:ctrlPr>
-                                        <a:rPr lang="zh-CN" altLang="zh-CN" i="1">
-                                          <a:latin typeface="Cambria Math" panose="02040503050406030204" pitchFamily="18" charset="0"/>
-                                        </a:rPr>
-                                      </m:ctrlPr>
-                                    </m:limLowPr>
-                                    <m:e>
-                                      <m:r>
-                                        <a:rPr lang="en-US" altLang="zh-CN" i="1">
-                                          <a:latin typeface="Cambria Math" panose="02040503050406030204" pitchFamily="18" charset="0"/>
-                                        </a:rPr>
-                                        <m:t>𝑚𝑖𝑛</m:t>
-                                      </m:r>
-                                    </m:e>
-                                    <m:lim>
-                                      <m:r>
-                                        <a:rPr lang="en-US" altLang="zh-CN" i="1">
-                                          <a:latin typeface="Cambria Math" panose="02040503050406030204" pitchFamily="18" charset="0"/>
-                                        </a:rPr>
-                                        <m:t>𝑐</m:t>
-                                      </m:r>
-                                    </m:lim>
-                                  </m:limLow>
-                                </m:fName>
-                                <m:e>
-                                  <m:sSup>
-                                    <m:sSupPr>
-                                      <m:ctrlPr>
-                                        <a:rPr lang="zh-CN" altLang="zh-CN" i="1">
-                                          <a:latin typeface="Cambria Math" panose="02040503050406030204" pitchFamily="18" charset="0"/>
-                                        </a:rPr>
-                                      </m:ctrlPr>
-                                    </m:sSupPr>
-                                    <m:e>
-                                      <m:r>
-                                        <a:rPr lang="en-US" altLang="zh-CN" i="1">
-                                          <a:latin typeface="Cambria Math" panose="02040503050406030204" pitchFamily="18" charset="0"/>
-                                        </a:rPr>
-                                        <m:t>𝐼</m:t>
-                                      </m:r>
-                                    </m:e>
-                                    <m:sup>
-                                      <m:r>
-                                        <a:rPr lang="en-US" altLang="zh-CN" i="1">
-                                          <a:latin typeface="Cambria Math" panose="02040503050406030204" pitchFamily="18" charset="0"/>
-                                        </a:rPr>
-                                        <m:t>𝑐</m:t>
-                                      </m:r>
-                                    </m:sup>
-                                  </m:sSup>
-                                  <m:d>
-                                    <m:dPr>
-                                      <m:ctrlPr>
-                                        <a:rPr lang="zh-CN" altLang="zh-CN" i="1">
-                                          <a:latin typeface="Cambria Math" panose="02040503050406030204" pitchFamily="18" charset="0"/>
-                                        </a:rPr>
-                                      </m:ctrlPr>
-                                    </m:dPr>
-                                    <m:e>
-                                      <m:r>
-                                        <a:rPr lang="en-US" altLang="zh-CN" i="1">
-                                          <a:latin typeface="Cambria Math" panose="02040503050406030204" pitchFamily="18" charset="0"/>
-                                        </a:rPr>
-                                        <m:t>𝑦</m:t>
-                                      </m:r>
-                                    </m:e>
-                                  </m:d>
-                                </m:e>
-                              </m:func>
-                              <m:r>
-                                <m:rPr>
-                                  <m:nor/>
-                                </m:rPr>
-                                <a:rPr lang="en-US" altLang="zh-CN"/>
-                                <m:t>)</m:t>
-                              </m:r>
-                              <m:r>
-                                <m:rPr>
-                                  <m:nor/>
-                                </m:rPr>
-                                <a:rPr lang="en-US" altLang="zh-CN" i="1"/>
-                                <m:t>  </m:t>
-                              </m:r>
-                            </m:e>
-                          </m:func>
-                        </m:num>
-                        <m:den>
-                          <m:sSup>
-                            <m:sSupPr>
-                              <m:ctrlPr>
-                                <a:rPr lang="zh-CN" altLang="zh-CN" i="1">
-                                  <a:latin typeface="Cambria Math" panose="02040503050406030204" pitchFamily="18" charset="0"/>
-                                </a:rPr>
-                              </m:ctrlPr>
-                            </m:sSupPr>
-                            <m:e>
-                              <m:r>
-                                <m:rPr>
-                                  <m:nor/>
-                                </m:rPr>
-                                <a:rPr lang="en-US" altLang="zh-CN" i="1"/>
-                                <m:t>B</m:t>
-                              </m:r>
-                            </m:e>
-                            <m:sup>
-                              <m:r>
-                                <m:rPr>
-                                  <m:nor/>
-                                </m:rPr>
-                                <a:rPr lang="en-US" altLang="zh-CN" i="1"/>
-                                <m:t>c</m:t>
-                              </m:r>
-                            </m:sup>
-                          </m:sSup>
-                          <m:d>
-                            <m:dPr>
-                              <m:ctrlPr>
-                                <a:rPr lang="zh-CN" altLang="zh-CN" i="1">
-                                  <a:latin typeface="Cambria Math" panose="02040503050406030204" pitchFamily="18" charset="0"/>
-                                </a:rPr>
-                              </m:ctrlPr>
-                            </m:dPr>
-                            <m:e>
-                              <m:r>
-                                <a:rPr lang="en-US" altLang="zh-CN" i="1">
-                                  <a:latin typeface="Cambria Math" panose="02040503050406030204" pitchFamily="18" charset="0"/>
-                                </a:rPr>
-                                <m:t>𝑥</m:t>
-                              </m:r>
-                            </m:e>
-                          </m:d>
-                        </m:den>
-                      </m:f>
-                      <m:r>
-                        <m:rPr>
-                          <m:nor/>
-                        </m:rPr>
-                        <a:rPr lang="en-US" altLang="zh-CN"/>
-                        <m:t>,</m:t>
-                      </m:r>
-                      <m:r>
-                        <m:rPr>
-                          <m:nor/>
-                        </m:rPr>
-                        <a:rPr lang="en-US" altLang="zh-CN" i="1"/>
-                        <m:t>   </m:t>
-                      </m:r>
-                      <m:r>
-                        <m:rPr>
-                          <m:nor/>
-                        </m:rPr>
-                        <a:rPr lang="en-US" altLang="zh-CN" i="1"/>
-                        <m:t>c</m:t>
-                      </m:r>
-                      <m:r>
-                        <a:rPr lang="en-US" altLang="zh-CN" i="1">
-                          <a:latin typeface="Cambria Math" panose="02040503050406030204" pitchFamily="18" charset="0"/>
-                        </a:rPr>
-                        <m:t>∈</m:t>
-                      </m:r>
-                      <m:d>
-                        <m:dPr>
-                          <m:begChr m:val="{"/>
-                          <m:endChr m:val="}"/>
-                          <m:ctrlPr>
-                            <a:rPr lang="zh-CN" altLang="zh-CN" i="1">
-                              <a:latin typeface="Cambria Math" panose="02040503050406030204" pitchFamily="18" charset="0"/>
-                            </a:rPr>
-                          </m:ctrlPr>
-                        </m:dPr>
-                        <m:e>
-                          <m:r>
-                            <a:rPr lang="en-US" altLang="zh-CN" i="1">
-                              <a:latin typeface="Cambria Math" panose="02040503050406030204" pitchFamily="18" charset="0"/>
-                            </a:rPr>
-                            <m:t>𝑔</m:t>
-                          </m:r>
-                          <m:r>
-                            <a:rPr lang="en-US" altLang="zh-CN" i="1">
-                              <a:latin typeface="Cambria Math" panose="02040503050406030204" pitchFamily="18" charset="0"/>
-                            </a:rPr>
-                            <m:t>,</m:t>
-                          </m:r>
-                          <m:r>
-                            <a:rPr lang="en-US" altLang="zh-CN" i="1">
-                              <a:latin typeface="Cambria Math" panose="02040503050406030204" pitchFamily="18" charset="0"/>
-                            </a:rPr>
-                            <m:t>𝑏</m:t>
-                          </m:r>
-                        </m:e>
-                      </m:d>
-                    </m:oMath>
-                  </m:oMathPara>
-                </a14:m>
-                <a:endParaRPr lang="zh-CN" altLang="zh-CN" dirty="0"/>
-              </a:p>
-              <a:p>
-                <a:endParaRPr lang="en-US" altLang="zh-CN" dirty="0" smtClean="0"/>
-              </a:p>
-              <a:p>
-                <a:r>
-                  <a:rPr lang="zh-CN" altLang="en-US" dirty="0" smtClean="0"/>
-                  <a:t>（</a:t>
-                </a:r>
-                <a:r>
-                  <a:rPr lang="en-US" altLang="zh-CN" dirty="0" smtClean="0"/>
-                  <a:t>2</a:t>
-                </a:r>
-                <a:r>
-                  <a:rPr lang="zh-CN" altLang="en-US" dirty="0" smtClean="0"/>
-                  <a:t>）估算背景光</a:t>
-                </a:r>
-                <a:endParaRPr lang="en-US" altLang="zh-CN" dirty="0" smtClean="0"/>
-              </a:p>
-              <a:p>
-                <a:r>
-                  <a:rPr lang="en-US" altLang="zh-CN" dirty="0" smtClean="0"/>
-                  <a:t>       </a:t>
-                </a:r>
-                <a:r>
-                  <a:rPr lang="zh-CN" altLang="zh-CN" dirty="0" smtClean="0"/>
-                  <a:t>取</a:t>
-                </a:r>
-                <a:r>
-                  <a:rPr lang="en-US" altLang="zh-CN" dirty="0"/>
-                  <a:t>R</a:t>
-                </a:r>
-                <a:r>
-                  <a:rPr lang="zh-CN" altLang="zh-CN" dirty="0"/>
-                  <a:t>通道中的最大值和</a:t>
-                </a:r>
-                <a:r>
-                  <a:rPr lang="en-US" altLang="zh-CN" dirty="0"/>
-                  <a:t>GB</a:t>
-                </a:r>
-                <a:r>
-                  <a:rPr lang="zh-CN" altLang="zh-CN" dirty="0"/>
-                  <a:t>暗通道中最大值的交集部分，如取同时处于</a:t>
-                </a:r>
-                <a:r>
-                  <a:rPr lang="en-US" altLang="zh-CN" dirty="0"/>
-                  <a:t>R</a:t>
-                </a:r>
-                <a:r>
-                  <a:rPr lang="zh-CN" altLang="zh-CN" dirty="0"/>
-                  <a:t>通道中前</a:t>
-                </a:r>
-                <a:r>
-                  <a:rPr lang="en-US" altLang="zh-CN" dirty="0"/>
-                  <a:t>5%</a:t>
-                </a:r>
-                <a:r>
-                  <a:rPr lang="zh-CN" altLang="zh-CN" dirty="0"/>
-                  <a:t>和</a:t>
-                </a:r>
-                <a:r>
-                  <a:rPr lang="en-US" altLang="zh-CN" dirty="0"/>
-                  <a:t>GB</a:t>
-                </a:r>
-                <a:r>
-                  <a:rPr lang="zh-CN" altLang="zh-CN" dirty="0"/>
-                  <a:t>暗通道中前</a:t>
-                </a:r>
-                <a:r>
-                  <a:rPr lang="en-US" altLang="zh-CN" dirty="0"/>
-                  <a:t>0.5%</a:t>
-                </a:r>
-                <a:r>
-                  <a:rPr lang="zh-CN" altLang="zh-CN" dirty="0"/>
-                  <a:t>的像素值的平均值</a:t>
-                </a:r>
-                <a:endParaRPr lang="en-US" altLang="zh-CN" dirty="0"/>
-              </a:p>
-            </p:txBody>
-          </p:sp>
-        </mc:Choice>
-        <mc:Fallback xmlns="">
-          <p:sp>
-            <p:nvSpPr>
-              <p:cNvPr id="11" name="文本框 10"/>
-              <p:cNvSpPr txBox="1">
-                <a:spLocks noRot="1" noChangeAspect="1" noMove="1" noResize="1" noEditPoints="1" noAdjustHandles="1" noChangeArrowheads="1" noChangeShapeType="1" noTextEdit="1"/>
-              </p:cNvSpPr>
-              <p:nvPr/>
-            </p:nvSpPr>
-            <p:spPr>
-              <a:xfrm>
-                <a:off x="5794872" y="1825625"/>
-                <a:ext cx="5558928" cy="4907690"/>
-              </a:xfrm>
-              <a:prstGeom prst="rect">
-                <a:avLst/>
-              </a:prstGeom>
-              <a:blipFill rotWithShape="0">
-                <a:blip r:embed="rId7"/>
-                <a:stretch>
-                  <a:fillRect l="-987" t="-993" r="-329"/>
-                </a:stretch>
-              </a:blipFill>
-            </p:spPr>
-            <p:txBody>
-              <a:bodyPr/>
-              <a:lstStyle/>
-              <a:p>
-                <a:r>
-                  <a:rPr lang="zh-CN" altLang="en-US">
-                    <a:noFill/>
-                  </a:rPr>
-                  <a:t> </a:t>
-                </a:r>
-              </a:p>
-            </p:txBody>
-          </p:sp>
-        </mc:Fallback>
-      </mc:AlternateContent>
-      <p:pic>
-        <p:nvPicPr>
-          <p:cNvPr id="8" name="图片 7"/>
-          <p:cNvPicPr/>
-          <p:nvPr/>
-        </p:nvPicPr>
-        <p:blipFill>
-          <a:blip r:embed="rId8"/>
-          <a:stretch>
-            <a:fillRect/>
-          </a:stretch>
-        </p:blipFill>
-        <p:spPr>
-          <a:xfrm>
-            <a:off x="838199" y="3149123"/>
-            <a:ext cx="4736336" cy="2689815"/>
-          </a:xfrm>
-          <a:prstGeom prst="rect">
-            <a:avLst/>
-          </a:prstGeom>
-        </p:spPr>
-      </p:pic>
-    </p:spTree>
-    <p:custDataLst>
-      <p:tags r:id="rId1"/>
-    </p:custDataLst>
-    <p:extLst>
-      <p:ext uri="{BB962C8B-B14F-4D97-AF65-F5344CB8AC3E}">
-        <p14:creationId xmlns:p14="http://schemas.microsoft.com/office/powerpoint/2010/main" val="106734110"/>
-      </p:ext>
-    </p:extLst>
-  </p:cSld>
-  <p:clrMapOvr>
-    <a:masterClrMapping/>
-  </p:clrMapOvr>
-  <mc:AlternateContent xmlns:mc="http://schemas.openxmlformats.org/markup-compatibility/2006" xmlns:p14="http://schemas.microsoft.com/office/powerpoint/2010/main">
-    <mc:Choice Requires="p14">
-      <p:transition spd="slow" p14:dur="2000" advTm="1668"/>
-    </mc:Choice>
-    <mc:Fallback xmlns="">
-      <p:transition spd="slow" advTm="1668"/>
-    </mc:Fallback>
-  </mc:AlternateContent>
-  <p:timing>
-    <p:tnLst>
-      <p:par>
-        <p:cTn id="1" dur="indefinite" restart="never" nodeType="tmRoot"/>
-      </p:par>
-    </p:tnLst>
-  </p:timing>
-</p:sld>
-</file>
-
-<file path=ppt/slides/slide23.xml><?xml version="1.0" encoding="utf-8"?>
-<p:sld xmlns:a="http://schemas.openxmlformats.org/drawingml/2006/main" xmlns:r="http://schemas.openxmlformats.org/officeDocument/2006/relationships" xmlns:p="http://schemas.openxmlformats.org/presentationml/2006/main">
-  <p:cSld>
-    <p:spTree>
-      <p:nvGrpSpPr>
-        <p:cNvPr id="1" name=""/>
-        <p:cNvGrpSpPr/>
-        <p:nvPr/>
-      </p:nvGrpSpPr>
-      <p:grpSpPr>
-        <a:xfrm>
-          <a:off x="0" y="0"/>
-          <a:ext cx="0" cy="0"/>
-          <a:chOff x="0" y="0"/>
-          <a:chExt cx="0" cy="0"/>
-        </a:xfrm>
-      </p:grpSpPr>
-      <p:sp>
-        <p:nvSpPr>
-          <p:cNvPr id="3" name="矩形 2"/>
-          <p:cNvSpPr/>
-          <p:nvPr>
-            <p:custDataLst>
-              <p:tags r:id="rId2"/>
-            </p:custDataLst>
-          </p:nvPr>
-        </p:nvSpPr>
-        <p:spPr>
-          <a:xfrm>
-            <a:off x="578734" y="176016"/>
-            <a:ext cx="10775066" cy="1528642"/>
-          </a:xfrm>
-          <a:prstGeom prst="rect">
-            <a:avLst/>
-          </a:prstGeom>
-        </p:spPr>
-        <p:txBody>
-          <a:bodyPr vert="horz" wrap="square" lIns="91440" tIns="45720" rIns="91440" bIns="45720" rtlCol="0" anchor="ctr">
-            <a:normAutofit/>
-          </a:bodyPr>
-          <a:lstStyle/>
-          <a:p>
-            <a:pPr lvl="0">
-              <a:lnSpc>
-                <a:spcPct val="90000"/>
-              </a:lnSpc>
-              <a:spcBef>
-                <a:spcPts val="1000"/>
-              </a:spcBef>
-            </a:pPr>
-            <a:r>
-              <a:rPr lang="zh-CN" altLang="en-US" sz="4400" dirty="0">
-                <a:latin typeface="Times New Roman" panose="02020603050405020304" pitchFamily="18" charset="0"/>
-                <a:cs typeface="Times New Roman" panose="02020603050405020304" pitchFamily="18" charset="0"/>
-                <a:sym typeface="+mn-ea"/>
-              </a:rPr>
-              <a:t>暗</a:t>
-            </a:r>
-            <a:r>
-              <a:rPr lang="zh-CN" altLang="en-US" sz="4400" dirty="0" smtClean="0">
-                <a:latin typeface="Times New Roman" panose="02020603050405020304" pitchFamily="18" charset="0"/>
-                <a:cs typeface="Times New Roman" panose="02020603050405020304" pitchFamily="18" charset="0"/>
-                <a:sym typeface="+mn-ea"/>
-              </a:rPr>
-              <a:t>通道先验的原理及应用</a:t>
-            </a:r>
-            <a:endParaRPr lang="en-US" altLang="zh-CN" sz="4400" dirty="0">
-              <a:latin typeface="Times New Roman" panose="02020603050405020304" pitchFamily="18" charset="0"/>
-              <a:cs typeface="Times New Roman" panose="02020603050405020304" pitchFamily="18" charset="0"/>
-              <a:sym typeface="+mn-ea"/>
-            </a:endParaRPr>
-          </a:p>
-        </p:txBody>
-      </p:sp>
-      <p:sp>
-        <p:nvSpPr>
-          <p:cNvPr id="6" name="矩形 5"/>
-          <p:cNvSpPr/>
-          <p:nvPr>
-            <p:custDataLst>
-              <p:tags r:id="rId3"/>
-            </p:custDataLst>
-          </p:nvPr>
-        </p:nvSpPr>
-        <p:spPr>
-          <a:xfrm>
-            <a:off x="838200" y="1825625"/>
-            <a:ext cx="10515600" cy="4351338"/>
-          </a:xfrm>
-          <a:prstGeom prst="rect">
-            <a:avLst/>
-          </a:prstGeom>
-        </p:spPr>
-        <p:txBody>
-          <a:bodyPr vert="horz" wrap="square" lIns="91440" tIns="45720" rIns="91440" bIns="45720" rtlCol="0" anchor="t">
-            <a:normAutofit/>
-          </a:bodyPr>
-          <a:lstStyle/>
-          <a:p>
-            <a:pPr marL="228600" lvl="0" indent="-228600" algn="l">
-              <a:lnSpc>
-                <a:spcPct val="90000"/>
-              </a:lnSpc>
-              <a:spcBef>
-                <a:spcPts val="1000"/>
-              </a:spcBef>
-              <a:buFont typeface="Arial" panose="020B0604020202020204" pitchFamily="34" charset="0"/>
-            </a:pPr>
-            <a:endParaRPr lang="zh-CN" altLang="en-US" sz="2800">
-              <a:sym typeface="+mn-ea"/>
-            </a:endParaRPr>
-          </a:p>
-        </p:txBody>
-      </p:sp>
-      <p:sp>
-        <p:nvSpPr>
-          <p:cNvPr id="9" name="矩形 8"/>
-          <p:cNvSpPr/>
-          <p:nvPr>
-            <p:custDataLst>
-              <p:tags r:id="rId4"/>
-            </p:custDataLst>
-          </p:nvPr>
-        </p:nvSpPr>
-        <p:spPr>
-          <a:xfrm>
-            <a:off x="838200" y="1825625"/>
-            <a:ext cx="10718494" cy="4351338"/>
-          </a:xfrm>
-          <a:prstGeom prst="rect">
-            <a:avLst/>
-          </a:prstGeom>
-        </p:spPr>
-        <p:txBody>
-          <a:bodyPr vert="horz" wrap="square" lIns="91440" tIns="45720" rIns="91440" bIns="45720" rtlCol="0" anchor="t">
-            <a:normAutofit/>
-          </a:bodyPr>
-          <a:lstStyle/>
-          <a:p>
-            <a:pPr marL="457200" indent="-457200">
-              <a:lnSpc>
-                <a:spcPct val="90000"/>
-              </a:lnSpc>
-              <a:spcBef>
-                <a:spcPts val="1000"/>
-              </a:spcBef>
-              <a:buFont typeface="Arial" panose="020B0604020202020204" pitchFamily="34" charset="0"/>
-              <a:buChar char="•"/>
-            </a:pPr>
-            <a:r>
-              <a:rPr lang="zh-CN" altLang="en-US" sz="2800" dirty="0" smtClean="0">
-                <a:latin typeface="Times New Roman" panose="02020603050405020304" pitchFamily="18" charset="0"/>
-                <a:sym typeface="+mn-ea"/>
-              </a:rPr>
-              <a:t>方案</a:t>
-            </a:r>
-            <a:r>
-              <a:rPr lang="en-US" altLang="zh-CN" sz="2800" dirty="0">
-                <a:latin typeface="Times New Roman" panose="02020603050405020304" pitchFamily="18" charset="0"/>
-                <a:sym typeface="+mn-ea"/>
-              </a:rPr>
-              <a:t>C</a:t>
-            </a:r>
-          </a:p>
-          <a:p>
-            <a:pPr lvl="0">
-              <a:lnSpc>
-                <a:spcPct val="90000"/>
-              </a:lnSpc>
-              <a:spcBef>
-                <a:spcPts val="1000"/>
-              </a:spcBef>
-            </a:pPr>
-            <a:endParaRPr lang="en-US" altLang="zh-CN" sz="2800" dirty="0" smtClean="0">
-              <a:latin typeface="Times New Roman" panose="02020603050405020304" pitchFamily="18" charset="0"/>
-              <a:sym typeface="+mn-ea"/>
-            </a:endParaRPr>
-          </a:p>
-          <a:p>
-            <a:pPr lvl="0" algn="l">
-              <a:lnSpc>
-                <a:spcPct val="90000"/>
-              </a:lnSpc>
-              <a:spcBef>
-                <a:spcPts val="1000"/>
-              </a:spcBef>
-            </a:pPr>
-            <a:endParaRPr lang="en-US" altLang="zh-CN" sz="2400" dirty="0" smtClean="0">
-              <a:latin typeface="Times New Roman" panose="02020603050405020304" pitchFamily="18" charset="0"/>
-              <a:sym typeface="+mn-ea"/>
-            </a:endParaRPr>
-          </a:p>
-          <a:p>
-            <a:pPr lvl="0" indent="0" algn="l">
-              <a:lnSpc>
-                <a:spcPct val="90000"/>
-              </a:lnSpc>
-              <a:spcBef>
-                <a:spcPts val="1000"/>
-              </a:spcBef>
-              <a:buFont typeface="Arial" panose="020B0604020202020204" pitchFamily="34" charset="0"/>
-              <a:buNone/>
-            </a:pPr>
-            <a:r>
-              <a:rPr lang="en-US" altLang="zh-CN" sz="2800" dirty="0">
-                <a:latin typeface="Times New Roman" panose="02020603050405020304" pitchFamily="18" charset="0"/>
-                <a:sym typeface="+mn-ea"/>
-              </a:rPr>
-              <a:t> </a:t>
-            </a:r>
-            <a:r>
-              <a:rPr lang="en-US" altLang="zh-CN" sz="2800" dirty="0" smtClean="0">
-                <a:latin typeface="Times New Roman" panose="02020603050405020304" pitchFamily="18" charset="0"/>
-                <a:sym typeface="+mn-ea"/>
-              </a:rPr>
-              <a:t>                                                                           </a:t>
-            </a:r>
-            <a:endParaRPr lang="en-US" altLang="zh-CN" sz="2800" dirty="0" smtClean="0">
-              <a:sym typeface="+mn-ea"/>
-            </a:endParaRPr>
-          </a:p>
-          <a:p>
-            <a:pPr lvl="0" indent="0" algn="l">
-              <a:lnSpc>
-                <a:spcPct val="90000"/>
-              </a:lnSpc>
-              <a:spcBef>
-                <a:spcPts val="1000"/>
-              </a:spcBef>
-              <a:buFont typeface="Arial" panose="020B0604020202020204" pitchFamily="34" charset="0"/>
-              <a:buNone/>
-            </a:pPr>
-            <a:r>
-              <a:rPr lang="en-US" altLang="zh-CN" sz="2800" dirty="0">
-                <a:sym typeface="+mn-ea"/>
-              </a:rPr>
-              <a:t> </a:t>
-            </a:r>
-            <a:r>
-              <a:rPr lang="en-US" altLang="zh-CN" sz="2800" dirty="0" smtClean="0">
-                <a:sym typeface="+mn-ea"/>
-              </a:rPr>
-              <a:t>    </a:t>
-            </a:r>
-            <a:endParaRPr lang="en-US" altLang="zh-CN" sz="2800" dirty="0">
-              <a:sym typeface="+mn-ea"/>
-            </a:endParaRPr>
-          </a:p>
-          <a:p>
-            <a:pPr lvl="0" indent="0" algn="l">
-              <a:lnSpc>
-                <a:spcPct val="90000"/>
-              </a:lnSpc>
-              <a:spcBef>
-                <a:spcPts val="1000"/>
-              </a:spcBef>
-              <a:buFont typeface="Arial" panose="020B0604020202020204" pitchFamily="34" charset="0"/>
-              <a:buNone/>
-            </a:pPr>
-            <a:r>
-              <a:rPr lang="en-US" altLang="zh-CN" sz="2800" dirty="0" smtClean="0">
-                <a:sym typeface="+mn-ea"/>
-              </a:rPr>
-              <a:t>                                                                                   </a:t>
-            </a:r>
-            <a:endParaRPr lang="en-US" altLang="zh-CN" sz="2800" dirty="0">
-              <a:sym typeface="+mn-ea"/>
-            </a:endParaRPr>
-          </a:p>
-          <a:p>
-            <a:pPr lvl="0" indent="0" algn="l">
-              <a:lnSpc>
-                <a:spcPct val="90000"/>
-              </a:lnSpc>
-              <a:spcBef>
-                <a:spcPts val="1000"/>
-              </a:spcBef>
-              <a:buFont typeface="Arial" panose="020B0604020202020204" pitchFamily="34" charset="0"/>
-              <a:buNone/>
-            </a:pPr>
-            <a:r>
-              <a:rPr lang="en-US" altLang="zh-CN" sz="2800" dirty="0">
-                <a:sym typeface="+mn-ea"/>
-              </a:rPr>
-              <a:t> </a:t>
-            </a:r>
-          </a:p>
-        </p:txBody>
-      </p:sp>
-      <p:sp>
-        <p:nvSpPr>
-          <p:cNvPr id="2" name="文本框 1"/>
-          <p:cNvSpPr txBox="1"/>
-          <p:nvPr/>
-        </p:nvSpPr>
-        <p:spPr>
-          <a:xfrm>
-            <a:off x="0" y="1319514"/>
-            <a:ext cx="12192000" cy="185195"/>
-          </a:xfrm>
-          <a:prstGeom prst="rect">
-            <a:avLst/>
-          </a:prstGeom>
-          <a:solidFill>
-            <a:schemeClr val="accent3">
-              <a:lumMod val="40000"/>
-              <a:lumOff val="60000"/>
-            </a:schemeClr>
-          </a:solidFill>
-          <a:ln>
-            <a:solidFill>
-              <a:schemeClr val="bg2">
-                <a:lumMod val="75000"/>
-              </a:schemeClr>
-            </a:solidFill>
-          </a:ln>
-        </p:spPr>
-        <p:txBody>
-          <a:bodyPr wrap="square" rtlCol="0">
-            <a:spAutoFit/>
-          </a:bodyPr>
-          <a:lstStyle/>
-          <a:p>
-            <a:endParaRPr lang="zh-CN" altLang="en-US" dirty="0"/>
-          </a:p>
-        </p:txBody>
-      </p:sp>
-      <mc:AlternateContent xmlns:mc="http://schemas.openxmlformats.org/markup-compatibility/2006" xmlns:a14="http://schemas.microsoft.com/office/drawing/2010/main">
-        <mc:Choice Requires="a14">
-          <p:sp>
-            <p:nvSpPr>
-              <p:cNvPr id="11" name="文本框 10"/>
-              <p:cNvSpPr txBox="1"/>
-              <p:nvPr/>
-            </p:nvSpPr>
-            <p:spPr>
-              <a:xfrm>
-                <a:off x="5596570" y="1880909"/>
-                <a:ext cx="5960124" cy="4339971"/>
-              </a:xfrm>
-              <a:prstGeom prst="rect">
-                <a:avLst/>
-              </a:prstGeom>
-              <a:noFill/>
-            </p:spPr>
-            <p:txBody>
-              <a:bodyPr wrap="square" rtlCol="0">
-                <a:spAutoFit/>
-              </a:bodyPr>
-              <a:lstStyle/>
-              <a:p>
-                <a:r>
-                  <a:rPr lang="zh-CN" altLang="en-US" dirty="0" smtClean="0"/>
-                  <a:t>（</a:t>
-                </a:r>
-                <a:r>
-                  <a:rPr lang="en-US" altLang="zh-CN" dirty="0" smtClean="0"/>
-                  <a:t>1</a:t>
-                </a:r>
-                <a:r>
-                  <a:rPr lang="zh-CN" altLang="en-US" dirty="0" smtClean="0"/>
-                  <a:t>）估算透射率</a:t>
-                </a:r>
-                <a:endParaRPr lang="en-US" altLang="zh-CN" dirty="0" smtClean="0"/>
-              </a:p>
-              <a:p>
-                <a:r>
-                  <a:rPr lang="en-US" altLang="zh-CN" dirty="0" smtClean="0"/>
-                  <a:t>      </a:t>
-                </a:r>
-                <a:r>
-                  <a:rPr lang="zh-CN" altLang="zh-CN" dirty="0" smtClean="0"/>
-                  <a:t>若</a:t>
-                </a:r>
-                <a:r>
-                  <a:rPr lang="en-US" altLang="zh-CN" dirty="0"/>
-                  <a:t>R</a:t>
-                </a:r>
-                <a:r>
-                  <a:rPr lang="zh-CN" altLang="zh-CN" dirty="0"/>
-                  <a:t>通道衰减极大（如</a:t>
-                </a:r>
-                <a:r>
-                  <a:rPr lang="en-US" altLang="zh-CN" dirty="0"/>
-                  <a:t>R</a:t>
-                </a:r>
-                <a:r>
-                  <a:rPr lang="zh-CN" altLang="zh-CN" dirty="0"/>
-                  <a:t>均值</a:t>
-                </a:r>
-                <a:r>
-                  <a:rPr lang="en-US" altLang="zh-CN" dirty="0"/>
-                  <a:t>&lt;GB</a:t>
-                </a:r>
-                <a:r>
-                  <a:rPr lang="zh-CN" altLang="zh-CN" dirty="0"/>
-                  <a:t>通道均值的</a:t>
-                </a:r>
-                <a:r>
-                  <a:rPr lang="en-US" altLang="zh-CN" dirty="0"/>
-                  <a:t>25%</a:t>
-                </a:r>
-                <a:r>
-                  <a:rPr lang="zh-CN" altLang="zh-CN" dirty="0"/>
-                  <a:t>）。此时采用</a:t>
-                </a:r>
-                <a:r>
-                  <a:rPr lang="en-US" altLang="zh-CN" dirty="0"/>
-                  <a:t>R</a:t>
-                </a:r>
-                <a:r>
-                  <a:rPr lang="zh-CN" altLang="zh-CN" dirty="0"/>
-                  <a:t>通道</a:t>
-                </a:r>
-                <a:r>
-                  <a:rPr lang="zh-CN" altLang="zh-CN" dirty="0" smtClean="0"/>
-                  <a:t>先验</a:t>
-                </a:r>
-                <a:r>
-                  <a:rPr lang="en-US" altLang="zh-CN" baseline="30000" dirty="0" smtClean="0"/>
-                  <a:t>[1]</a:t>
-                </a:r>
-                <a:r>
-                  <a:rPr lang="zh-CN" altLang="zh-CN" dirty="0" smtClean="0"/>
-                  <a:t>估算</a:t>
-                </a:r>
-                <a:r>
-                  <a:rPr lang="en-US" altLang="zh-CN" dirty="0"/>
-                  <a:t>R</a:t>
-                </a:r>
-                <a:r>
-                  <a:rPr lang="zh-CN" altLang="zh-CN" dirty="0"/>
-                  <a:t>通道的</a:t>
-                </a:r>
-                <a:r>
-                  <a:rPr lang="zh-CN" altLang="zh-CN" dirty="0" smtClean="0"/>
-                  <a:t>透射率</a:t>
-                </a:r>
-                <a:r>
-                  <a:rPr lang="zh-CN" altLang="en-US" dirty="0" smtClean="0"/>
-                  <a:t>。</a:t>
-                </a:r>
-                <a:endParaRPr lang="en-US" altLang="zh-CN" dirty="0" smtClean="0"/>
-              </a:p>
-              <a:p>
-                <a:endParaRPr lang="en-US" altLang="zh-CN" dirty="0" smtClean="0"/>
-              </a:p>
-              <a:p>
-                <a:pPr/>
-                <a14:m>
-                  <m:oMathPara xmlns:m="http://schemas.openxmlformats.org/officeDocument/2006/math">
-                    <m:oMathParaPr>
-                      <m:jc m:val="centerGroup"/>
-                    </m:oMathParaPr>
-                    <m:oMath xmlns:m="http://schemas.openxmlformats.org/officeDocument/2006/math">
-                      <m:acc>
-                        <m:accPr>
-                          <m:chr m:val="̃"/>
-                          <m:ctrlPr>
-                            <a:rPr lang="zh-CN" altLang="zh-CN" i="1">
-                              <a:latin typeface="Cambria Math" panose="02040503050406030204" pitchFamily="18" charset="0"/>
-                            </a:rPr>
-                          </m:ctrlPr>
-                        </m:accPr>
-                        <m:e>
-                          <m:sSup>
-                            <m:sSupPr>
-                              <m:ctrlPr>
-                                <a:rPr lang="zh-CN" altLang="zh-CN" i="1">
-                                  <a:latin typeface="Cambria Math" panose="02040503050406030204" pitchFamily="18" charset="0"/>
-                                </a:rPr>
-                              </m:ctrlPr>
-                            </m:sSupPr>
-                            <m:e>
-                              <m:r>
-                                <a:rPr lang="en-US" altLang="zh-CN" i="1">
-                                  <a:latin typeface="Cambria Math" panose="02040503050406030204" pitchFamily="18" charset="0"/>
-                                </a:rPr>
-                                <m:t>𝑡</m:t>
-                              </m:r>
-                            </m:e>
-                            <m:sup>
-                              <m:r>
-                                <a:rPr lang="en-US" altLang="zh-CN" i="1">
-                                  <a:latin typeface="Cambria Math" panose="02040503050406030204" pitchFamily="18" charset="0"/>
-                                </a:rPr>
-                                <m:t>𝑅</m:t>
-                              </m:r>
-                            </m:sup>
-                          </m:sSup>
-                        </m:e>
-                      </m:acc>
-                      <m:r>
-                        <a:rPr lang="en-US" altLang="zh-CN" i="1">
-                          <a:latin typeface="Cambria Math" panose="02040503050406030204" pitchFamily="18" charset="0"/>
-                        </a:rPr>
-                        <m:t>=1−</m:t>
-                      </m:r>
-                      <m:r>
-                        <a:rPr lang="en-US" altLang="zh-CN" i="1">
-                          <a:latin typeface="Cambria Math" panose="02040503050406030204" pitchFamily="18" charset="0"/>
-                        </a:rPr>
-                        <m:t>𝑚𝑖𝑛</m:t>
-                      </m:r>
-                      <m:d>
-                        <m:dPr>
-                          <m:begChr m:val="{"/>
-                          <m:endChr m:val="}"/>
-                          <m:ctrlPr>
-                            <a:rPr lang="zh-CN" altLang="zh-CN" i="1">
-                              <a:latin typeface="Cambria Math" panose="02040503050406030204" pitchFamily="18" charset="0"/>
-                            </a:rPr>
-                          </m:ctrlPr>
-                        </m:dPr>
-                        <m:e>
-                          <m:f>
-                            <m:fPr>
-                              <m:ctrlPr>
-                                <a:rPr lang="zh-CN" altLang="zh-CN" i="1">
-                                  <a:latin typeface="Cambria Math" panose="02040503050406030204" pitchFamily="18" charset="0"/>
-                                </a:rPr>
-                              </m:ctrlPr>
-                            </m:fPr>
-                            <m:num>
-                              <m:func>
-                                <m:funcPr>
-                                  <m:ctrlPr>
-                                    <a:rPr lang="zh-CN" altLang="zh-CN" i="1">
-                                      <a:latin typeface="Cambria Math" panose="02040503050406030204" pitchFamily="18" charset="0"/>
-                                    </a:rPr>
-                                  </m:ctrlPr>
-                                </m:funcPr>
-                                <m:fName>
-                                  <m:limLow>
-                                    <m:limLowPr>
-                                      <m:ctrlPr>
-                                        <a:rPr lang="zh-CN" altLang="zh-CN" i="1">
-                                          <a:latin typeface="Cambria Math" panose="02040503050406030204" pitchFamily="18" charset="0"/>
-                                        </a:rPr>
-                                      </m:ctrlPr>
-                                    </m:limLowPr>
-                                    <m:e>
-                                      <m:r>
-                                        <m:rPr>
-                                          <m:sty m:val="p"/>
-                                        </m:rPr>
-                                        <a:rPr lang="en-US" altLang="zh-CN">
-                                          <a:latin typeface="Cambria Math" panose="02040503050406030204" pitchFamily="18" charset="0"/>
-                                        </a:rPr>
-                                        <m:t>min</m:t>
-                                      </m:r>
-                                    </m:e>
-                                    <m:lim>
-                                      <m:r>
-                                        <a:rPr lang="en-US" altLang="zh-CN" i="1">
-                                          <a:latin typeface="Cambria Math" panose="02040503050406030204" pitchFamily="18" charset="0"/>
-                                        </a:rPr>
-                                        <m:t>𝑦</m:t>
-                                      </m:r>
-                                      <m:r>
-                                        <a:rPr lang="en-US" altLang="zh-CN" i="1">
-                                          <a:latin typeface="Cambria Math" panose="02040503050406030204" pitchFamily="18" charset="0"/>
-                                        </a:rPr>
-                                        <m:t>∈</m:t>
-                                      </m:r>
-                                      <m:r>
-                                        <m:rPr>
-                                          <m:sty m:val="p"/>
-                                        </m:rPr>
-                                        <a:rPr lang="en-US" altLang="zh-CN">
-                                          <a:latin typeface="Cambria Math" panose="02040503050406030204" pitchFamily="18" charset="0"/>
-                                        </a:rPr>
-                                        <m:t>Ω</m:t>
-                                      </m:r>
-                                      <m:r>
-                                        <a:rPr lang="en-US" altLang="zh-CN">
-                                          <a:latin typeface="Cambria Math" panose="02040503050406030204" pitchFamily="18" charset="0"/>
-                                        </a:rPr>
-                                        <m:t>(</m:t>
-                                      </m:r>
-                                      <m:r>
-                                        <m:rPr>
-                                          <m:sty m:val="p"/>
-                                        </m:rPr>
-                                        <a:rPr lang="en-US" altLang="zh-CN">
-                                          <a:latin typeface="Cambria Math" panose="02040503050406030204" pitchFamily="18" charset="0"/>
-                                        </a:rPr>
-                                        <m:t>x</m:t>
-                                      </m:r>
-                                      <m:r>
-                                        <a:rPr lang="en-US" altLang="zh-CN">
-                                          <a:latin typeface="Cambria Math" panose="02040503050406030204" pitchFamily="18" charset="0"/>
-                                        </a:rPr>
-                                        <m:t>)</m:t>
-                                      </m:r>
-                                    </m:lim>
-                                  </m:limLow>
-                                </m:fName>
-                                <m:e>
-                                  <m:r>
-                                    <a:rPr lang="en-US" altLang="zh-CN" i="1">
-                                      <a:latin typeface="Cambria Math" panose="02040503050406030204" pitchFamily="18" charset="0"/>
-                                    </a:rPr>
-                                    <m:t>1−</m:t>
-                                  </m:r>
-                                  <m:sSup>
-                                    <m:sSupPr>
-                                      <m:ctrlPr>
-                                        <a:rPr lang="zh-CN" altLang="zh-CN" i="1">
-                                          <a:latin typeface="Cambria Math" panose="02040503050406030204" pitchFamily="18" charset="0"/>
-                                        </a:rPr>
-                                      </m:ctrlPr>
-                                    </m:sSupPr>
-                                    <m:e>
-                                      <m:r>
-                                        <a:rPr lang="en-US" altLang="zh-CN" i="1">
-                                          <a:latin typeface="Cambria Math" panose="02040503050406030204" pitchFamily="18" charset="0"/>
-                                        </a:rPr>
-                                        <m:t>𝐼</m:t>
-                                      </m:r>
-                                    </m:e>
-                                    <m:sup>
-                                      <m:r>
-                                        <a:rPr lang="en-US" altLang="zh-CN" i="1">
-                                          <a:latin typeface="Cambria Math" panose="02040503050406030204" pitchFamily="18" charset="0"/>
-                                        </a:rPr>
-                                        <m:t>𝑅</m:t>
-                                      </m:r>
-                                    </m:sup>
-                                  </m:sSup>
-                                  <m:d>
-                                    <m:dPr>
-                                      <m:ctrlPr>
-                                        <a:rPr lang="zh-CN" altLang="zh-CN" i="1">
-                                          <a:latin typeface="Cambria Math" panose="02040503050406030204" pitchFamily="18" charset="0"/>
-                                        </a:rPr>
-                                      </m:ctrlPr>
-                                    </m:dPr>
-                                    <m:e>
-                                      <m:r>
-                                        <a:rPr lang="en-US" altLang="zh-CN" i="1">
-                                          <a:latin typeface="Cambria Math" panose="02040503050406030204" pitchFamily="18" charset="0"/>
-                                        </a:rPr>
-                                        <m:t>𝑦</m:t>
-                                      </m:r>
-                                    </m:e>
-                                  </m:d>
-                                </m:e>
-                              </m:func>
-                            </m:num>
-                            <m:den>
-                              <m:r>
-                                <a:rPr lang="en-US" altLang="zh-CN" i="1">
-                                  <a:latin typeface="Cambria Math" panose="02040503050406030204" pitchFamily="18" charset="0"/>
-                                </a:rPr>
-                                <m:t>1−</m:t>
-                              </m:r>
-                              <m:sSup>
-                                <m:sSupPr>
-                                  <m:ctrlPr>
-                                    <a:rPr lang="zh-CN" altLang="zh-CN" i="1">
-                                      <a:latin typeface="Cambria Math" panose="02040503050406030204" pitchFamily="18" charset="0"/>
-                                    </a:rPr>
-                                  </m:ctrlPr>
-                                </m:sSupPr>
-                                <m:e>
-                                  <m:r>
-                                    <a:rPr lang="en-US" altLang="zh-CN" i="1">
-                                      <a:latin typeface="Cambria Math" panose="02040503050406030204" pitchFamily="18" charset="0"/>
-                                    </a:rPr>
-                                    <m:t>𝐵</m:t>
-                                  </m:r>
-                                </m:e>
-                                <m:sup>
-                                  <m:r>
-                                    <a:rPr lang="en-US" altLang="zh-CN" i="1">
-                                      <a:latin typeface="Cambria Math" panose="02040503050406030204" pitchFamily="18" charset="0"/>
-                                    </a:rPr>
-                                    <m:t>𝑅</m:t>
-                                  </m:r>
-                                </m:sup>
-                              </m:sSup>
-                              <m:r>
-                                <a:rPr lang="en-US" altLang="zh-CN" i="1">
-                                  <a:latin typeface="Cambria Math" panose="02040503050406030204" pitchFamily="18" charset="0"/>
-                                </a:rPr>
-                                <m:t>(</m:t>
-                              </m:r>
-                              <m:r>
-                                <a:rPr lang="en-US" altLang="zh-CN" i="1">
-                                  <a:latin typeface="Cambria Math" panose="02040503050406030204" pitchFamily="18" charset="0"/>
-                                </a:rPr>
-                                <m:t>𝑥</m:t>
-                              </m:r>
-                              <m:r>
-                                <a:rPr lang="en-US" altLang="zh-CN" i="1">
-                                  <a:latin typeface="Cambria Math" panose="02040503050406030204" pitchFamily="18" charset="0"/>
-                                </a:rPr>
-                                <m:t>)</m:t>
-                              </m:r>
-                            </m:den>
-                          </m:f>
-                          <m:r>
-                            <a:rPr lang="en-US" altLang="zh-CN" i="1">
-                              <a:latin typeface="Cambria Math" panose="02040503050406030204" pitchFamily="18" charset="0"/>
-                            </a:rPr>
-                            <m:t>,</m:t>
-                          </m:r>
-                          <m:f>
-                            <m:fPr>
-                              <m:ctrlPr>
-                                <a:rPr lang="zh-CN" altLang="zh-CN" i="1">
-                                  <a:latin typeface="Cambria Math" panose="02040503050406030204" pitchFamily="18" charset="0"/>
-                                </a:rPr>
-                              </m:ctrlPr>
-                            </m:fPr>
-                            <m:num>
-                              <m:func>
-                                <m:funcPr>
-                                  <m:ctrlPr>
-                                    <a:rPr lang="zh-CN" altLang="zh-CN" i="1">
-                                      <a:latin typeface="Cambria Math" panose="02040503050406030204" pitchFamily="18" charset="0"/>
-                                    </a:rPr>
-                                  </m:ctrlPr>
-                                </m:funcPr>
-                                <m:fName>
-                                  <m:limLow>
-                                    <m:limLowPr>
-                                      <m:ctrlPr>
-                                        <a:rPr lang="zh-CN" altLang="zh-CN" i="1">
-                                          <a:latin typeface="Cambria Math" panose="02040503050406030204" pitchFamily="18" charset="0"/>
-                                        </a:rPr>
-                                      </m:ctrlPr>
-                                    </m:limLowPr>
-                                    <m:e>
-                                      <m:r>
-                                        <m:rPr>
-                                          <m:sty m:val="p"/>
-                                        </m:rPr>
-                                        <a:rPr lang="en-US" altLang="zh-CN">
-                                          <a:latin typeface="Cambria Math" panose="02040503050406030204" pitchFamily="18" charset="0"/>
-                                        </a:rPr>
-                                        <m:t>min</m:t>
-                                      </m:r>
-                                    </m:e>
-                                    <m:lim>
-                                      <m:r>
-                                        <a:rPr lang="en-US" altLang="zh-CN" i="1">
-                                          <a:latin typeface="Cambria Math" panose="02040503050406030204" pitchFamily="18" charset="0"/>
-                                        </a:rPr>
-                                        <m:t>𝑦</m:t>
-                                      </m:r>
-                                      <m:r>
-                                        <a:rPr lang="en-US" altLang="zh-CN" i="1">
-                                          <a:latin typeface="Cambria Math" panose="02040503050406030204" pitchFamily="18" charset="0"/>
-                                        </a:rPr>
-                                        <m:t>∈</m:t>
-                                      </m:r>
-                                      <m:r>
-                                        <m:rPr>
-                                          <m:sty m:val="p"/>
-                                        </m:rPr>
-                                        <a:rPr lang="en-US" altLang="zh-CN">
-                                          <a:latin typeface="Cambria Math" panose="02040503050406030204" pitchFamily="18" charset="0"/>
-                                        </a:rPr>
-                                        <m:t>Ω</m:t>
-                                      </m:r>
-                                      <m:r>
-                                        <a:rPr lang="en-US" altLang="zh-CN">
-                                          <a:latin typeface="Cambria Math" panose="02040503050406030204" pitchFamily="18" charset="0"/>
-                                        </a:rPr>
-                                        <m:t>(</m:t>
-                                      </m:r>
-                                      <m:r>
-                                        <m:rPr>
-                                          <m:sty m:val="p"/>
-                                        </m:rPr>
-                                        <a:rPr lang="en-US" altLang="zh-CN">
-                                          <a:latin typeface="Cambria Math" panose="02040503050406030204" pitchFamily="18" charset="0"/>
-                                        </a:rPr>
-                                        <m:t>x</m:t>
-                                      </m:r>
-                                      <m:r>
-                                        <a:rPr lang="en-US" altLang="zh-CN">
-                                          <a:latin typeface="Cambria Math" panose="02040503050406030204" pitchFamily="18" charset="0"/>
-                                        </a:rPr>
-                                        <m:t>)</m:t>
-                                      </m:r>
-                                    </m:lim>
-                                  </m:limLow>
-                                </m:fName>
-                                <m:e>
-                                  <m:sSup>
-                                    <m:sSupPr>
-                                      <m:ctrlPr>
-                                        <a:rPr lang="zh-CN" altLang="zh-CN" i="1">
-                                          <a:latin typeface="Cambria Math" panose="02040503050406030204" pitchFamily="18" charset="0"/>
-                                        </a:rPr>
-                                      </m:ctrlPr>
-                                    </m:sSupPr>
-                                    <m:e>
-                                      <m:r>
-                                        <a:rPr lang="en-US" altLang="zh-CN" i="1">
-                                          <a:latin typeface="Cambria Math" panose="02040503050406030204" pitchFamily="18" charset="0"/>
-                                        </a:rPr>
-                                        <m:t>𝐼</m:t>
-                                      </m:r>
-                                    </m:e>
-                                    <m:sup>
-                                      <m:r>
-                                        <a:rPr lang="en-US" altLang="zh-CN" i="1">
-                                          <a:latin typeface="Cambria Math" panose="02040503050406030204" pitchFamily="18" charset="0"/>
-                                        </a:rPr>
-                                        <m:t>𝐺</m:t>
-                                      </m:r>
-                                    </m:sup>
-                                  </m:sSup>
-                                  <m:d>
-                                    <m:dPr>
-                                      <m:ctrlPr>
-                                        <a:rPr lang="zh-CN" altLang="zh-CN" i="1">
-                                          <a:latin typeface="Cambria Math" panose="02040503050406030204" pitchFamily="18" charset="0"/>
-                                        </a:rPr>
-                                      </m:ctrlPr>
-                                    </m:dPr>
-                                    <m:e>
-                                      <m:r>
-                                        <a:rPr lang="en-US" altLang="zh-CN" i="1">
-                                          <a:latin typeface="Cambria Math" panose="02040503050406030204" pitchFamily="18" charset="0"/>
-                                        </a:rPr>
-                                        <m:t>𝑦</m:t>
-                                      </m:r>
-                                    </m:e>
-                                  </m:d>
-                                </m:e>
-                              </m:func>
-                            </m:num>
-                            <m:den>
-                              <m:sSup>
-                                <m:sSupPr>
-                                  <m:ctrlPr>
-                                    <a:rPr lang="zh-CN" altLang="zh-CN" i="1">
-                                      <a:latin typeface="Cambria Math" panose="02040503050406030204" pitchFamily="18" charset="0"/>
-                                    </a:rPr>
-                                  </m:ctrlPr>
-                                </m:sSupPr>
-                                <m:e>
-                                  <m:r>
-                                    <a:rPr lang="en-US" altLang="zh-CN" i="1">
-                                      <a:latin typeface="Cambria Math" panose="02040503050406030204" pitchFamily="18" charset="0"/>
-                                    </a:rPr>
-                                    <m:t>𝐵</m:t>
-                                  </m:r>
-                                </m:e>
-                                <m:sup>
-                                  <m:r>
-                                    <a:rPr lang="en-US" altLang="zh-CN" i="1">
-                                      <a:latin typeface="Cambria Math" panose="02040503050406030204" pitchFamily="18" charset="0"/>
-                                    </a:rPr>
-                                    <m:t>𝐺</m:t>
-                                  </m:r>
-                                </m:sup>
-                              </m:sSup>
-                              <m:r>
-                                <a:rPr lang="en-US" altLang="zh-CN" i="1">
-                                  <a:latin typeface="Cambria Math" panose="02040503050406030204" pitchFamily="18" charset="0"/>
-                                </a:rPr>
-                                <m:t>(</m:t>
-                              </m:r>
-                              <m:r>
-                                <a:rPr lang="en-US" altLang="zh-CN" i="1">
-                                  <a:latin typeface="Cambria Math" panose="02040503050406030204" pitchFamily="18" charset="0"/>
-                                </a:rPr>
-                                <m:t>𝑥</m:t>
-                              </m:r>
-                              <m:r>
-                                <a:rPr lang="en-US" altLang="zh-CN" i="1">
-                                  <a:latin typeface="Cambria Math" panose="02040503050406030204" pitchFamily="18" charset="0"/>
-                                </a:rPr>
-                                <m:t>)</m:t>
-                              </m:r>
-                            </m:den>
-                          </m:f>
-                          <m:f>
-                            <m:fPr>
-                              <m:ctrlPr>
-                                <a:rPr lang="zh-CN" altLang="zh-CN" i="1">
-                                  <a:latin typeface="Cambria Math" panose="02040503050406030204" pitchFamily="18" charset="0"/>
-                                </a:rPr>
-                              </m:ctrlPr>
-                            </m:fPr>
-                            <m:num>
-                              <m:func>
-                                <m:funcPr>
-                                  <m:ctrlPr>
-                                    <a:rPr lang="zh-CN" altLang="zh-CN" i="1">
-                                      <a:latin typeface="Cambria Math" panose="02040503050406030204" pitchFamily="18" charset="0"/>
-                                    </a:rPr>
-                                  </m:ctrlPr>
-                                </m:funcPr>
-                                <m:fName>
-                                  <m:limLow>
-                                    <m:limLowPr>
-                                      <m:ctrlPr>
-                                        <a:rPr lang="zh-CN" altLang="zh-CN" i="1">
-                                          <a:latin typeface="Cambria Math" panose="02040503050406030204" pitchFamily="18" charset="0"/>
-                                        </a:rPr>
-                                      </m:ctrlPr>
-                                    </m:limLowPr>
-                                    <m:e>
-                                      <m:r>
-                                        <m:rPr>
-                                          <m:sty m:val="p"/>
-                                        </m:rPr>
-                                        <a:rPr lang="en-US" altLang="zh-CN">
-                                          <a:latin typeface="Cambria Math" panose="02040503050406030204" pitchFamily="18" charset="0"/>
-                                        </a:rPr>
-                                        <m:t>min</m:t>
-                                      </m:r>
-                                    </m:e>
-                                    <m:lim>
-                                      <m:r>
-                                        <a:rPr lang="en-US" altLang="zh-CN" i="1">
-                                          <a:latin typeface="Cambria Math" panose="02040503050406030204" pitchFamily="18" charset="0"/>
-                                        </a:rPr>
-                                        <m:t>𝑦</m:t>
-                                      </m:r>
-                                      <m:r>
-                                        <a:rPr lang="en-US" altLang="zh-CN" i="1">
-                                          <a:latin typeface="Cambria Math" panose="02040503050406030204" pitchFamily="18" charset="0"/>
-                                        </a:rPr>
-                                        <m:t>∈</m:t>
-                                      </m:r>
-                                      <m:r>
-                                        <m:rPr>
-                                          <m:sty m:val="p"/>
-                                        </m:rPr>
-                                        <a:rPr lang="en-US" altLang="zh-CN">
-                                          <a:latin typeface="Cambria Math" panose="02040503050406030204" pitchFamily="18" charset="0"/>
-                                        </a:rPr>
-                                        <m:t>Ω</m:t>
-                                      </m:r>
-                                      <m:r>
-                                        <a:rPr lang="en-US" altLang="zh-CN">
-                                          <a:latin typeface="Cambria Math" panose="02040503050406030204" pitchFamily="18" charset="0"/>
-                                        </a:rPr>
-                                        <m:t>(</m:t>
-                                      </m:r>
-                                      <m:r>
-                                        <m:rPr>
-                                          <m:sty m:val="p"/>
-                                        </m:rPr>
-                                        <a:rPr lang="en-US" altLang="zh-CN">
-                                          <a:latin typeface="Cambria Math" panose="02040503050406030204" pitchFamily="18" charset="0"/>
-                                        </a:rPr>
-                                        <m:t>x</m:t>
-                                      </m:r>
-                                      <m:r>
-                                        <a:rPr lang="en-US" altLang="zh-CN">
-                                          <a:latin typeface="Cambria Math" panose="02040503050406030204" pitchFamily="18" charset="0"/>
-                                        </a:rPr>
-                                        <m:t>)</m:t>
-                                      </m:r>
-                                    </m:lim>
-                                  </m:limLow>
-                                </m:fName>
-                                <m:e>
-                                  <m:sSup>
-                                    <m:sSupPr>
-                                      <m:ctrlPr>
-                                        <a:rPr lang="zh-CN" altLang="zh-CN" i="1">
-                                          <a:latin typeface="Cambria Math" panose="02040503050406030204" pitchFamily="18" charset="0"/>
-                                        </a:rPr>
-                                      </m:ctrlPr>
-                                    </m:sSupPr>
-                                    <m:e>
-                                      <m:r>
-                                        <a:rPr lang="en-US" altLang="zh-CN" i="1">
-                                          <a:latin typeface="Cambria Math" panose="02040503050406030204" pitchFamily="18" charset="0"/>
-                                        </a:rPr>
-                                        <m:t>𝐼</m:t>
-                                      </m:r>
-                                    </m:e>
-                                    <m:sup>
-                                      <m:r>
-                                        <a:rPr lang="en-US" altLang="zh-CN" i="1">
-                                          <a:latin typeface="Cambria Math" panose="02040503050406030204" pitchFamily="18" charset="0"/>
-                                        </a:rPr>
-                                        <m:t>𝐵</m:t>
-                                      </m:r>
-                                    </m:sup>
-                                  </m:sSup>
-                                  <m:d>
-                                    <m:dPr>
-                                      <m:ctrlPr>
-                                        <a:rPr lang="zh-CN" altLang="zh-CN" i="1">
-                                          <a:latin typeface="Cambria Math" panose="02040503050406030204" pitchFamily="18" charset="0"/>
-                                        </a:rPr>
-                                      </m:ctrlPr>
-                                    </m:dPr>
-                                    <m:e>
-                                      <m:r>
-                                        <a:rPr lang="en-US" altLang="zh-CN" i="1">
-                                          <a:latin typeface="Cambria Math" panose="02040503050406030204" pitchFamily="18" charset="0"/>
-                                        </a:rPr>
-                                        <m:t>𝑦</m:t>
-                                      </m:r>
-                                    </m:e>
-                                  </m:d>
-                                </m:e>
-                              </m:func>
-                            </m:num>
-                            <m:den>
-                              <m:sSup>
-                                <m:sSupPr>
-                                  <m:ctrlPr>
-                                    <a:rPr lang="zh-CN" altLang="zh-CN" i="1">
-                                      <a:latin typeface="Cambria Math" panose="02040503050406030204" pitchFamily="18" charset="0"/>
-                                    </a:rPr>
-                                  </m:ctrlPr>
-                                </m:sSupPr>
-                                <m:e>
-                                  <m:r>
-                                    <a:rPr lang="en-US" altLang="zh-CN" i="1">
-                                      <a:latin typeface="Cambria Math" panose="02040503050406030204" pitchFamily="18" charset="0"/>
-                                    </a:rPr>
-                                    <m:t>𝐵</m:t>
-                                  </m:r>
-                                </m:e>
-                                <m:sup>
-                                  <m:r>
-                                    <a:rPr lang="en-US" altLang="zh-CN" i="1">
-                                      <a:latin typeface="Cambria Math" panose="02040503050406030204" pitchFamily="18" charset="0"/>
-                                    </a:rPr>
-                                    <m:t>𝐵</m:t>
-                                  </m:r>
-                                </m:sup>
-                              </m:sSup>
-                              <m:r>
-                                <a:rPr lang="en-US" altLang="zh-CN" i="1">
-                                  <a:latin typeface="Cambria Math" panose="02040503050406030204" pitchFamily="18" charset="0"/>
-                                </a:rPr>
-                                <m:t>(</m:t>
-                              </m:r>
-                              <m:r>
-                                <a:rPr lang="en-US" altLang="zh-CN" i="1">
-                                  <a:latin typeface="Cambria Math" panose="02040503050406030204" pitchFamily="18" charset="0"/>
-                                </a:rPr>
-                                <m:t>𝑥</m:t>
-                              </m:r>
-                              <m:r>
-                                <a:rPr lang="en-US" altLang="zh-CN" i="1">
-                                  <a:latin typeface="Cambria Math" panose="02040503050406030204" pitchFamily="18" charset="0"/>
-                                </a:rPr>
-                                <m:t>)</m:t>
-                              </m:r>
-                            </m:den>
-                          </m:f>
-                        </m:e>
-                      </m:d>
-                    </m:oMath>
-                  </m:oMathPara>
-                </a14:m>
-                <a:endParaRPr lang="zh-CN" altLang="zh-CN" dirty="0"/>
-              </a:p>
-              <a:p>
-                <a:endParaRPr lang="en-US" altLang="zh-CN" dirty="0" smtClean="0"/>
-              </a:p>
-              <a:p>
-                <a:pPr/>
-                <a14:m>
-                  <m:oMathPara xmlns:m="http://schemas.openxmlformats.org/officeDocument/2006/math">
-                    <m:oMathParaPr>
-                      <m:jc m:val="centerGroup"/>
-                    </m:oMathParaPr>
-                    <m:oMath xmlns:m="http://schemas.openxmlformats.org/officeDocument/2006/math">
-                      <m:acc>
-                        <m:accPr>
-                          <m:chr m:val="̃"/>
-                          <m:ctrlPr>
-                            <a:rPr lang="zh-CN" altLang="zh-CN" i="1">
-                              <a:latin typeface="Cambria Math" panose="02040503050406030204" pitchFamily="18" charset="0"/>
-                            </a:rPr>
-                          </m:ctrlPr>
-                        </m:accPr>
-                        <m:e>
-                          <m:sSup>
-                            <m:sSupPr>
-                              <m:ctrlPr>
-                                <a:rPr lang="zh-CN" altLang="zh-CN" i="1">
-                                  <a:latin typeface="Cambria Math" panose="02040503050406030204" pitchFamily="18" charset="0"/>
-                                </a:rPr>
-                              </m:ctrlPr>
-                            </m:sSupPr>
-                            <m:e>
-                              <m:r>
-                                <a:rPr lang="en-US" altLang="zh-CN" i="1">
-                                  <a:latin typeface="Cambria Math" panose="02040503050406030204" pitchFamily="18" charset="0"/>
-                                </a:rPr>
-                                <m:t>𝑡</m:t>
-                              </m:r>
-                            </m:e>
-                            <m:sup>
-                              <m:r>
-                                <a:rPr lang="en-US" altLang="zh-CN" i="1">
-                                  <a:latin typeface="Cambria Math" panose="02040503050406030204" pitchFamily="18" charset="0"/>
-                                </a:rPr>
-                                <m:t>𝑐</m:t>
-                              </m:r>
-                            </m:sup>
-                          </m:sSup>
-                        </m:e>
-                      </m:acc>
-                      <m:r>
-                        <m:rPr>
-                          <m:nor/>
-                        </m:rPr>
-                        <a:rPr lang="en-US" altLang="zh-CN" i="1"/>
-                        <m:t>=</m:t>
-                      </m:r>
-                      <m:r>
-                        <m:rPr>
-                          <m:nor/>
-                        </m:rPr>
-                        <a:rPr lang="en-US" altLang="zh-CN"/>
-                        <m:t>1</m:t>
-                      </m:r>
-                      <m:r>
-                        <a:rPr lang="en-US" altLang="zh-CN" i="1">
-                          <a:latin typeface="Cambria Math" panose="02040503050406030204" pitchFamily="18" charset="0"/>
-                        </a:rPr>
-                        <m:t>−</m:t>
-                      </m:r>
-                      <m:f>
-                        <m:fPr>
-                          <m:ctrlPr>
-                            <a:rPr lang="zh-CN" altLang="zh-CN" i="1">
-                              <a:latin typeface="Cambria Math" panose="02040503050406030204" pitchFamily="18" charset="0"/>
-                            </a:rPr>
-                          </m:ctrlPr>
-                        </m:fPr>
-                        <m:num>
-                          <m:func>
-                            <m:funcPr>
-                              <m:ctrlPr>
-                                <a:rPr lang="zh-CN" altLang="zh-CN" i="1">
-                                  <a:latin typeface="Cambria Math" panose="02040503050406030204" pitchFamily="18" charset="0"/>
-                                </a:rPr>
-                              </m:ctrlPr>
-                            </m:funcPr>
-                            <m:fName>
-                              <m:limLow>
-                                <m:limLowPr>
-                                  <m:ctrlPr>
-                                    <a:rPr lang="zh-CN" altLang="zh-CN" i="1">
-                                      <a:latin typeface="Cambria Math" panose="02040503050406030204" pitchFamily="18" charset="0"/>
-                                    </a:rPr>
-                                  </m:ctrlPr>
-                                </m:limLowPr>
-                                <m:e>
-                                  <m:r>
-                                    <m:rPr>
-                                      <m:nor/>
-                                    </m:rPr>
-                                    <a:rPr lang="en-US" altLang="zh-CN" i="1"/>
-                                    <m:t>min</m:t>
-                                  </m:r>
-                                </m:e>
-                                <m:lim>
-                                  <m:r>
-                                    <a:rPr lang="en-US" altLang="zh-CN" i="1">
-                                      <a:latin typeface="Cambria Math" panose="02040503050406030204" pitchFamily="18" charset="0"/>
-                                    </a:rPr>
-                                    <m:t>𝑦</m:t>
-                                  </m:r>
-                                  <m:r>
-                                    <a:rPr lang="en-US" altLang="zh-CN" i="1">
-                                      <a:latin typeface="Cambria Math" panose="02040503050406030204" pitchFamily="18" charset="0"/>
-                                    </a:rPr>
-                                    <m:t>∈</m:t>
-                                  </m:r>
-                                  <m:r>
-                                    <a:rPr lang="en-US" altLang="zh-CN" i="1">
-                                      <a:latin typeface="Cambria Math" panose="02040503050406030204" pitchFamily="18" charset="0"/>
-                                    </a:rPr>
-                                    <m:t>𝛺</m:t>
-                                  </m:r>
-                                  <m:d>
-                                    <m:dPr>
-                                      <m:ctrlPr>
-                                        <a:rPr lang="zh-CN" altLang="zh-CN" i="1">
-                                          <a:latin typeface="Cambria Math" panose="02040503050406030204" pitchFamily="18" charset="0"/>
-                                        </a:rPr>
-                                      </m:ctrlPr>
-                                    </m:dPr>
-                                    <m:e>
-                                      <m:r>
-                                        <a:rPr lang="en-US" altLang="zh-CN" i="1">
-                                          <a:latin typeface="Cambria Math" panose="02040503050406030204" pitchFamily="18" charset="0"/>
-                                        </a:rPr>
-                                        <m:t>𝑥</m:t>
-                                      </m:r>
-                                    </m:e>
-                                  </m:d>
-                                </m:lim>
-                              </m:limLow>
-                            </m:fName>
-                            <m:e>
-                              <m:r>
-                                <m:rPr>
-                                  <m:nor/>
-                                </m:rPr>
-                                <a:rPr lang="en-US" altLang="zh-CN"/>
-                                <m:t>(</m:t>
-                              </m:r>
-                              <m:func>
-                                <m:funcPr>
-                                  <m:ctrlPr>
-                                    <a:rPr lang="zh-CN" altLang="zh-CN" i="1">
-                                      <a:latin typeface="Cambria Math" panose="02040503050406030204" pitchFamily="18" charset="0"/>
-                                    </a:rPr>
-                                  </m:ctrlPr>
-                                </m:funcPr>
-                                <m:fName>
-                                  <m:limLow>
-                                    <m:limLowPr>
-                                      <m:ctrlPr>
-                                        <a:rPr lang="zh-CN" altLang="zh-CN" i="1">
-                                          <a:latin typeface="Cambria Math" panose="02040503050406030204" pitchFamily="18" charset="0"/>
-                                        </a:rPr>
-                                      </m:ctrlPr>
-                                    </m:limLowPr>
-                                    <m:e>
-                                      <m:r>
-                                        <a:rPr lang="en-US" altLang="zh-CN" i="1">
-                                          <a:latin typeface="Cambria Math" panose="02040503050406030204" pitchFamily="18" charset="0"/>
-                                        </a:rPr>
-                                        <m:t>𝑚𝑖𝑛</m:t>
-                                      </m:r>
-                                    </m:e>
-                                    <m:lim>
-                                      <m:r>
-                                        <a:rPr lang="en-US" altLang="zh-CN" i="1">
-                                          <a:latin typeface="Cambria Math" panose="02040503050406030204" pitchFamily="18" charset="0"/>
-                                        </a:rPr>
-                                        <m:t>𝑐</m:t>
-                                      </m:r>
-                                    </m:lim>
-                                  </m:limLow>
-                                </m:fName>
-                                <m:e>
-                                  <m:sSup>
-                                    <m:sSupPr>
-                                      <m:ctrlPr>
-                                        <a:rPr lang="zh-CN" altLang="zh-CN" i="1">
-                                          <a:latin typeface="Cambria Math" panose="02040503050406030204" pitchFamily="18" charset="0"/>
-                                        </a:rPr>
-                                      </m:ctrlPr>
-                                    </m:sSupPr>
-                                    <m:e>
-                                      <m:r>
-                                        <a:rPr lang="en-US" altLang="zh-CN" i="1">
-                                          <a:latin typeface="Cambria Math" panose="02040503050406030204" pitchFamily="18" charset="0"/>
-                                        </a:rPr>
-                                        <m:t>𝐼</m:t>
-                                      </m:r>
-                                    </m:e>
-                                    <m:sup>
-                                      <m:r>
-                                        <a:rPr lang="en-US" altLang="zh-CN" i="1">
-                                          <a:latin typeface="Cambria Math" panose="02040503050406030204" pitchFamily="18" charset="0"/>
-                                        </a:rPr>
-                                        <m:t>𝑐</m:t>
-                                      </m:r>
-                                    </m:sup>
-                                  </m:sSup>
-                                  <m:d>
-                                    <m:dPr>
-                                      <m:ctrlPr>
-                                        <a:rPr lang="zh-CN" altLang="zh-CN" i="1">
-                                          <a:latin typeface="Cambria Math" panose="02040503050406030204" pitchFamily="18" charset="0"/>
-                                        </a:rPr>
-                                      </m:ctrlPr>
-                                    </m:dPr>
-                                    <m:e>
-                                      <m:r>
-                                        <a:rPr lang="en-US" altLang="zh-CN" i="1">
-                                          <a:latin typeface="Cambria Math" panose="02040503050406030204" pitchFamily="18" charset="0"/>
-                                        </a:rPr>
-                                        <m:t>𝑦</m:t>
-                                      </m:r>
-                                    </m:e>
-                                  </m:d>
-                                </m:e>
-                              </m:func>
-                              <m:r>
-                                <m:rPr>
-                                  <m:nor/>
-                                </m:rPr>
-                                <a:rPr lang="en-US" altLang="zh-CN"/>
-                                <m:t>)</m:t>
-                              </m:r>
-                              <m:r>
-                                <m:rPr>
-                                  <m:nor/>
-                                </m:rPr>
-                                <a:rPr lang="en-US" altLang="zh-CN" i="1"/>
-                                <m:t>  </m:t>
-                              </m:r>
-                            </m:e>
-                          </m:func>
-                        </m:num>
-                        <m:den>
-                          <m:sSup>
-                            <m:sSupPr>
-                              <m:ctrlPr>
-                                <a:rPr lang="zh-CN" altLang="zh-CN" i="1">
-                                  <a:latin typeface="Cambria Math" panose="02040503050406030204" pitchFamily="18" charset="0"/>
-                                </a:rPr>
-                              </m:ctrlPr>
-                            </m:sSupPr>
-                            <m:e>
-                              <m:r>
-                                <m:rPr>
-                                  <m:nor/>
-                                </m:rPr>
-                                <a:rPr lang="en-US" altLang="zh-CN" i="1"/>
-                                <m:t>B</m:t>
-                              </m:r>
-                            </m:e>
-                            <m:sup>
-                              <m:r>
-                                <m:rPr>
-                                  <m:nor/>
-                                </m:rPr>
-                                <a:rPr lang="en-US" altLang="zh-CN" i="1"/>
-                                <m:t>c</m:t>
-                              </m:r>
-                            </m:sup>
-                          </m:sSup>
-                          <m:d>
-                            <m:dPr>
-                              <m:ctrlPr>
-                                <a:rPr lang="zh-CN" altLang="zh-CN" i="1">
-                                  <a:latin typeface="Cambria Math" panose="02040503050406030204" pitchFamily="18" charset="0"/>
-                                </a:rPr>
-                              </m:ctrlPr>
-                            </m:dPr>
-                            <m:e>
-                              <m:r>
-                                <a:rPr lang="en-US" altLang="zh-CN" i="1">
-                                  <a:latin typeface="Cambria Math" panose="02040503050406030204" pitchFamily="18" charset="0"/>
-                                </a:rPr>
-                                <m:t>𝑥</m:t>
-                              </m:r>
-                            </m:e>
-                          </m:d>
-                        </m:den>
-                      </m:f>
-                      <m:r>
-                        <m:rPr>
-                          <m:nor/>
-                        </m:rPr>
-                        <a:rPr lang="en-US" altLang="zh-CN"/>
-                        <m:t>,</m:t>
-                      </m:r>
-                      <m:r>
-                        <m:rPr>
-                          <m:nor/>
-                        </m:rPr>
-                        <a:rPr lang="en-US" altLang="zh-CN" i="1"/>
-                        <m:t>   </m:t>
-                      </m:r>
-                      <m:r>
-                        <m:rPr>
-                          <m:nor/>
-                        </m:rPr>
-                        <a:rPr lang="en-US" altLang="zh-CN" i="1"/>
-                        <m:t>c</m:t>
-                      </m:r>
-                      <m:r>
-                        <a:rPr lang="en-US" altLang="zh-CN" i="1">
-                          <a:latin typeface="Cambria Math" panose="02040503050406030204" pitchFamily="18" charset="0"/>
-                        </a:rPr>
-                        <m:t>∈</m:t>
-                      </m:r>
-                      <m:d>
-                        <m:dPr>
-                          <m:begChr m:val="{"/>
-                          <m:endChr m:val="}"/>
-                          <m:ctrlPr>
-                            <a:rPr lang="zh-CN" altLang="zh-CN" i="1">
-                              <a:latin typeface="Cambria Math" panose="02040503050406030204" pitchFamily="18" charset="0"/>
-                            </a:rPr>
-                          </m:ctrlPr>
-                        </m:dPr>
-                        <m:e>
-                          <m:r>
-                            <a:rPr lang="en-US" altLang="zh-CN" i="1">
-                              <a:latin typeface="Cambria Math" panose="02040503050406030204" pitchFamily="18" charset="0"/>
-                            </a:rPr>
-                            <m:t>𝑔</m:t>
-                          </m:r>
-                          <m:r>
-                            <a:rPr lang="en-US" altLang="zh-CN" i="1">
-                              <a:latin typeface="Cambria Math" panose="02040503050406030204" pitchFamily="18" charset="0"/>
-                            </a:rPr>
-                            <m:t>,</m:t>
-                          </m:r>
-                          <m:r>
-                            <a:rPr lang="en-US" altLang="zh-CN" i="1">
-                              <a:latin typeface="Cambria Math" panose="02040503050406030204" pitchFamily="18" charset="0"/>
-                            </a:rPr>
-                            <m:t>𝑏</m:t>
-                          </m:r>
-                        </m:e>
-                      </m:d>
-                    </m:oMath>
-                  </m:oMathPara>
-                </a14:m>
-                <a:endParaRPr lang="zh-CN" altLang="zh-CN" dirty="0"/>
-              </a:p>
-              <a:p>
-                <a:endParaRPr lang="en-US" altLang="zh-CN" dirty="0" smtClean="0"/>
-              </a:p>
-              <a:p>
-                <a:r>
-                  <a:rPr lang="zh-CN" altLang="en-US" dirty="0" smtClean="0"/>
-                  <a:t>（</a:t>
-                </a:r>
-                <a:r>
-                  <a:rPr lang="en-US" altLang="zh-CN" dirty="0" smtClean="0"/>
-                  <a:t>2</a:t>
-                </a:r>
-                <a:r>
-                  <a:rPr lang="zh-CN" altLang="en-US" dirty="0" smtClean="0"/>
-                  <a:t>）估算背景光</a:t>
-                </a:r>
-                <a:endParaRPr lang="en-US" altLang="zh-CN" dirty="0" smtClean="0"/>
-              </a:p>
-              <a:p>
-                <a:r>
-                  <a:rPr lang="en-US" altLang="zh-CN" dirty="0" smtClean="0"/>
-                  <a:t>       </a:t>
-                </a:r>
-                <a:r>
-                  <a:rPr lang="zh-CN" altLang="zh-CN" dirty="0" smtClean="0"/>
-                  <a:t>背景</a:t>
-                </a:r>
-                <a:r>
-                  <a:rPr lang="zh-CN" altLang="zh-CN" dirty="0"/>
-                  <a:t>光的</a:t>
-                </a:r>
-                <a:r>
-                  <a:rPr lang="en-US" altLang="zh-CN" dirty="0"/>
-                  <a:t>R</a:t>
-                </a:r>
-                <a:r>
-                  <a:rPr lang="zh-CN" altLang="zh-CN" dirty="0"/>
-                  <a:t>通道值已经衰减殆尽，所以取</a:t>
-                </a:r>
-                <a:r>
-                  <a:rPr lang="en-US" altLang="zh-CN" dirty="0"/>
-                  <a:t>R</a:t>
-                </a:r>
-                <a:r>
-                  <a:rPr lang="zh-CN" altLang="zh-CN" dirty="0"/>
-                  <a:t>通道的最小值与</a:t>
-                </a:r>
-                <a:r>
-                  <a:rPr lang="en-US" altLang="zh-CN" dirty="0"/>
-                  <a:t>GB</a:t>
-                </a:r>
-                <a:r>
-                  <a:rPr lang="zh-CN" altLang="zh-CN" dirty="0"/>
-                  <a:t>暗通道中最大值的交集部分，如取同时处于</a:t>
-                </a:r>
-                <a:r>
-                  <a:rPr lang="en-US" altLang="zh-CN" dirty="0"/>
-                  <a:t>R</a:t>
-                </a:r>
-                <a:r>
-                  <a:rPr lang="zh-CN" altLang="zh-CN" dirty="0"/>
-                  <a:t>通道中后</a:t>
-                </a:r>
-                <a:r>
-                  <a:rPr lang="en-US" altLang="zh-CN" dirty="0"/>
-                  <a:t>10%</a:t>
-                </a:r>
-                <a:r>
-                  <a:rPr lang="zh-CN" altLang="zh-CN" dirty="0"/>
-                  <a:t>和</a:t>
-                </a:r>
-                <a:r>
-                  <a:rPr lang="en-US" altLang="zh-CN" dirty="0"/>
-                  <a:t>GB</a:t>
-                </a:r>
-                <a:r>
-                  <a:rPr lang="zh-CN" altLang="zh-CN" dirty="0"/>
-                  <a:t>暗通道中前</a:t>
-                </a:r>
-                <a:r>
-                  <a:rPr lang="en-US" altLang="zh-CN" dirty="0"/>
-                  <a:t>1%</a:t>
-                </a:r>
-                <a:r>
-                  <a:rPr lang="zh-CN" altLang="zh-CN" dirty="0"/>
-                  <a:t>的像素值的</a:t>
-                </a:r>
-                <a:r>
-                  <a:rPr lang="zh-CN" altLang="zh-CN" dirty="0" smtClean="0"/>
-                  <a:t>平均值</a:t>
-                </a:r>
-                <a:r>
-                  <a:rPr lang="zh-CN" altLang="en-US" dirty="0" smtClean="0"/>
-                  <a:t>。</a:t>
-                </a:r>
-                <a:endParaRPr lang="en-US" altLang="zh-CN" dirty="0"/>
-              </a:p>
-            </p:txBody>
-          </p:sp>
-        </mc:Choice>
-        <mc:Fallback xmlns="">
-          <p:sp>
-            <p:nvSpPr>
-              <p:cNvPr id="11" name="文本框 10"/>
-              <p:cNvSpPr txBox="1">
-                <a:spLocks noRot="1" noChangeAspect="1" noMove="1" noResize="1" noEditPoints="1" noAdjustHandles="1" noChangeArrowheads="1" noChangeShapeType="1" noTextEdit="1"/>
-              </p:cNvSpPr>
-              <p:nvPr/>
-            </p:nvSpPr>
-            <p:spPr>
-              <a:xfrm>
-                <a:off x="5596570" y="1880909"/>
-                <a:ext cx="5960124" cy="4339971"/>
-              </a:xfrm>
-              <a:prstGeom prst="rect">
-                <a:avLst/>
-              </a:prstGeom>
-              <a:blipFill rotWithShape="0">
-                <a:blip r:embed="rId7"/>
-                <a:stretch>
-                  <a:fillRect l="-818" t="-1266" b="-141"/>
-                </a:stretch>
-              </a:blipFill>
-            </p:spPr>
-            <p:txBody>
-              <a:bodyPr/>
-              <a:lstStyle/>
-              <a:p>
-                <a:r>
-                  <a:rPr lang="zh-CN" altLang="en-US">
-                    <a:noFill/>
-                  </a:rPr>
-                  <a:t> </a:t>
-                </a:r>
-              </a:p>
-            </p:txBody>
-          </p:sp>
-        </mc:Fallback>
-      </mc:AlternateContent>
-      <p:pic>
-        <p:nvPicPr>
-          <p:cNvPr id="10" name="图片 9"/>
-          <p:cNvPicPr/>
-          <p:nvPr/>
-        </p:nvPicPr>
-        <p:blipFill>
-          <a:blip r:embed="rId8">
-            <a:extLst>
-              <a:ext uri="{28A0092B-C50C-407E-A947-70E740481C1C}">
-                <a14:useLocalDpi xmlns:a14="http://schemas.microsoft.com/office/drawing/2010/main" val="0"/>
-              </a:ext>
-            </a:extLst>
-          </a:blip>
-          <a:srcRect/>
-          <a:stretch>
-            <a:fillRect/>
-          </a:stretch>
-        </p:blipFill>
-        <p:spPr bwMode="auto">
-          <a:xfrm>
-            <a:off x="838200" y="2848156"/>
-            <a:ext cx="4582099" cy="2584806"/>
-          </a:xfrm>
-          <a:prstGeom prst="rect">
-            <a:avLst/>
-          </a:prstGeom>
-          <a:noFill/>
-        </p:spPr>
-      </p:pic>
-      <p:sp>
-        <p:nvSpPr>
-          <p:cNvPr id="4" name="文本框 3"/>
-          <p:cNvSpPr txBox="1"/>
-          <p:nvPr/>
-        </p:nvSpPr>
-        <p:spPr>
-          <a:xfrm>
-            <a:off x="680292" y="6232247"/>
-            <a:ext cx="10755215" cy="646331"/>
-          </a:xfrm>
-          <a:prstGeom prst="rect">
-            <a:avLst/>
-          </a:prstGeom>
-          <a:noFill/>
-        </p:spPr>
-        <p:txBody>
-          <a:bodyPr wrap="square" rtlCol="0">
-            <a:spAutoFit/>
-          </a:bodyPr>
-          <a:lstStyle/>
-          <a:p>
-            <a:r>
-              <a:rPr lang="en-US" altLang="zh-CN" dirty="0">
-                <a:latin typeface="Times New Roman" panose="02020603050405020304" pitchFamily="18" charset="0"/>
-                <a:cs typeface="Times New Roman" panose="02020603050405020304" pitchFamily="18" charset="0"/>
-              </a:rPr>
-              <a:t>[1] </a:t>
-            </a:r>
-            <a:r>
-              <a:rPr lang="en-US" altLang="zh-CN" dirty="0" err="1">
-                <a:latin typeface="Times New Roman" panose="02020603050405020304" pitchFamily="18" charset="0"/>
-                <a:cs typeface="Times New Roman" panose="02020603050405020304" pitchFamily="18" charset="0"/>
-              </a:rPr>
-              <a:t>Galdran</a:t>
-            </a:r>
-            <a:r>
-              <a:rPr lang="en-US" altLang="zh-CN" dirty="0">
-                <a:latin typeface="Times New Roman" panose="02020603050405020304" pitchFamily="18" charset="0"/>
-                <a:cs typeface="Times New Roman" panose="02020603050405020304" pitchFamily="18" charset="0"/>
-              </a:rPr>
-              <a:t>, A., Pardo, D., </a:t>
-            </a:r>
-            <a:r>
-              <a:rPr lang="en-US" altLang="zh-CN" dirty="0" err="1">
-                <a:latin typeface="Times New Roman" panose="02020603050405020304" pitchFamily="18" charset="0"/>
-                <a:cs typeface="Times New Roman" panose="02020603050405020304" pitchFamily="18" charset="0"/>
-              </a:rPr>
-              <a:t>Picón</a:t>
-            </a:r>
-            <a:r>
-              <a:rPr lang="en-US" altLang="zh-CN" dirty="0">
-                <a:latin typeface="Times New Roman" panose="02020603050405020304" pitchFamily="18" charset="0"/>
-                <a:cs typeface="Times New Roman" panose="02020603050405020304" pitchFamily="18" charset="0"/>
-              </a:rPr>
-              <a:t>, A., &amp; Alvarez-Gila, “Automatic Red-Channel underwater </a:t>
-            </a:r>
-            <a:r>
-              <a:rPr lang="en-US" altLang="zh-CN" dirty="0" smtClean="0">
-                <a:latin typeface="Times New Roman" panose="02020603050405020304" pitchFamily="18" charset="0"/>
-                <a:cs typeface="Times New Roman" panose="02020603050405020304" pitchFamily="18" charset="0"/>
-              </a:rPr>
-              <a:t>image restoration</a:t>
-            </a:r>
-            <a:r>
-              <a:rPr lang="en-US" altLang="zh-CN" dirty="0">
-                <a:latin typeface="Times New Roman" panose="02020603050405020304" pitchFamily="18" charset="0"/>
-                <a:cs typeface="Times New Roman" panose="02020603050405020304" pitchFamily="18" charset="0"/>
-              </a:rPr>
-              <a:t>.”  Journal of Visual Communication and Image Representation, 2015.</a:t>
-            </a:r>
-            <a:endParaRPr lang="zh-CN" altLang="en-US" dirty="0">
-              <a:latin typeface="Times New Roman" panose="02020603050405020304" pitchFamily="18" charset="0"/>
-              <a:cs typeface="Times New Roman" panose="02020603050405020304" pitchFamily="18" charset="0"/>
-            </a:endParaRPr>
-          </a:p>
-        </p:txBody>
-      </p:sp>
-    </p:spTree>
-    <p:custDataLst>
-      <p:tags r:id="rId1"/>
-    </p:custDataLst>
-    <p:extLst>
-      <p:ext uri="{BB962C8B-B14F-4D97-AF65-F5344CB8AC3E}">
-        <p14:creationId xmlns:p14="http://schemas.microsoft.com/office/powerpoint/2010/main" val="88369969"/>
-      </p:ext>
-    </p:extLst>
-  </p:cSld>
-  <p:clrMapOvr>
-    <a:masterClrMapping/>
-  </p:clrMapOvr>
-  <mc:AlternateContent xmlns:mc="http://schemas.openxmlformats.org/markup-compatibility/2006" xmlns:p14="http://schemas.microsoft.com/office/powerpoint/2010/main">
-    <mc:Choice Requires="p14">
-      <p:transition spd="slow" p14:dur="2000" advTm="1668"/>
-    </mc:Choice>
-    <mc:Fallback xmlns="">
-      <p:transition spd="slow" advTm="1668"/>
-    </mc:Fallback>
-  </mc:AlternateContent>
-  <p:timing>
-    <p:tnLst>
-      <p:par>
-        <p:cTn id="1" dur="indefinite" restart="never" nodeType="tmRoot"/>
-      </p:par>
-    </p:tnLst>
-  </p:timing>
-</p:sld>
-</file>
-
-<file path=ppt/slides/slide24.xml><?xml version="1.0" encoding="utf-8"?>
-<p:sld xmlns:a="http://schemas.openxmlformats.org/drawingml/2006/main" xmlns:r="http://schemas.openxmlformats.org/officeDocument/2006/relationships" xmlns:p="http://schemas.openxmlformats.org/presentationml/2006/main">
-  <p:cSld>
-    <p:spTree>
-      <p:nvGrpSpPr>
-        <p:cNvPr id="1" name=""/>
-        <p:cNvGrpSpPr/>
-        <p:nvPr/>
-      </p:nvGrpSpPr>
-      <p:grpSpPr>
-        <a:xfrm>
-          <a:off x="0" y="0"/>
-          <a:ext cx="0" cy="0"/>
-          <a:chOff x="0" y="0"/>
-          <a:chExt cx="0" cy="0"/>
-        </a:xfrm>
-      </p:grpSpPr>
-      <p:sp>
-        <p:nvSpPr>
-          <p:cNvPr id="3" name="矩形 2"/>
-          <p:cNvSpPr/>
-          <p:nvPr>
-            <p:custDataLst>
-              <p:tags r:id="rId2"/>
-            </p:custDataLst>
-          </p:nvPr>
-        </p:nvSpPr>
-        <p:spPr>
-          <a:xfrm>
-            <a:off x="578734" y="176016"/>
-            <a:ext cx="10775066" cy="1528642"/>
-          </a:xfrm>
-          <a:prstGeom prst="rect">
-            <a:avLst/>
-          </a:prstGeom>
-        </p:spPr>
-        <p:txBody>
-          <a:bodyPr vert="horz" wrap="square" lIns="91440" tIns="45720" rIns="91440" bIns="45720" rtlCol="0" anchor="ctr">
-            <a:normAutofit/>
-          </a:bodyPr>
-          <a:lstStyle/>
-          <a:p>
-            <a:pPr lvl="0">
-              <a:lnSpc>
-                <a:spcPct val="90000"/>
-              </a:lnSpc>
-              <a:spcBef>
-                <a:spcPts val="1000"/>
-              </a:spcBef>
-            </a:pPr>
-            <a:r>
-              <a:rPr lang="zh-CN" altLang="en-US" sz="4400" dirty="0">
-                <a:latin typeface="Times New Roman" panose="02020603050405020304" pitchFamily="18" charset="0"/>
-                <a:cs typeface="Times New Roman" panose="02020603050405020304" pitchFamily="18" charset="0"/>
-                <a:sym typeface="+mn-ea"/>
-              </a:rPr>
-              <a:t>暗</a:t>
-            </a:r>
-            <a:r>
-              <a:rPr lang="zh-CN" altLang="en-US" sz="4400" dirty="0" smtClean="0">
-                <a:latin typeface="Times New Roman" panose="02020603050405020304" pitchFamily="18" charset="0"/>
-                <a:cs typeface="Times New Roman" panose="02020603050405020304" pitchFamily="18" charset="0"/>
-                <a:sym typeface="+mn-ea"/>
-              </a:rPr>
-              <a:t>通道先验的原理及应用</a:t>
-            </a:r>
-            <a:endParaRPr lang="en-US" altLang="zh-CN" sz="4400" dirty="0">
-              <a:latin typeface="Times New Roman" panose="02020603050405020304" pitchFamily="18" charset="0"/>
-              <a:cs typeface="Times New Roman" panose="02020603050405020304" pitchFamily="18" charset="0"/>
-              <a:sym typeface="+mn-ea"/>
-            </a:endParaRPr>
-          </a:p>
-        </p:txBody>
-      </p:sp>
-      <p:sp>
-        <p:nvSpPr>
-          <p:cNvPr id="6" name="矩形 5"/>
-          <p:cNvSpPr/>
-          <p:nvPr>
-            <p:custDataLst>
-              <p:tags r:id="rId3"/>
-            </p:custDataLst>
-          </p:nvPr>
-        </p:nvSpPr>
-        <p:spPr>
-          <a:xfrm>
-            <a:off x="838200" y="1825625"/>
-            <a:ext cx="10515600" cy="4351338"/>
-          </a:xfrm>
-          <a:prstGeom prst="rect">
-            <a:avLst/>
-          </a:prstGeom>
-        </p:spPr>
-        <p:txBody>
-          <a:bodyPr vert="horz" wrap="square" lIns="91440" tIns="45720" rIns="91440" bIns="45720" rtlCol="0" anchor="t">
-            <a:normAutofit/>
-          </a:bodyPr>
-          <a:lstStyle/>
-          <a:p>
-            <a:pPr marL="228600" lvl="0" indent="-228600" algn="l">
-              <a:lnSpc>
-                <a:spcPct val="90000"/>
-              </a:lnSpc>
-              <a:spcBef>
-                <a:spcPts val="1000"/>
-              </a:spcBef>
-              <a:buFont typeface="Arial" panose="020B0604020202020204" pitchFamily="34" charset="0"/>
-            </a:pPr>
-            <a:endParaRPr lang="zh-CN" altLang="en-US" sz="2800">
-              <a:sym typeface="+mn-ea"/>
-            </a:endParaRPr>
-          </a:p>
-        </p:txBody>
-      </p:sp>
-      <mc:AlternateContent xmlns:mc="http://schemas.openxmlformats.org/markup-compatibility/2006" xmlns:a14="http://schemas.microsoft.com/office/drawing/2010/main">
-        <mc:Choice Requires="a14">
-          <p:sp>
-            <p:nvSpPr>
-              <p:cNvPr id="9" name="矩形 8"/>
-              <p:cNvSpPr/>
-              <p:nvPr>
-                <p:custDataLst>
-                  <p:tags r:id="rId4"/>
-                </p:custDataLst>
-              </p:nvPr>
-            </p:nvSpPr>
-            <p:spPr>
-              <a:xfrm>
-                <a:off x="838200" y="1825625"/>
-                <a:ext cx="10718494" cy="4351338"/>
-              </a:xfrm>
-              <a:prstGeom prst="rect">
-                <a:avLst/>
-              </a:prstGeom>
-            </p:spPr>
-            <p:txBody>
-              <a:bodyPr vert="horz" wrap="square" lIns="91440" tIns="45720" rIns="91440" bIns="45720" rtlCol="0" anchor="t">
-                <a:normAutofit lnSpcReduction="10000"/>
-              </a:bodyPr>
-              <a:lstStyle/>
-              <a:p>
-                <a:pPr marL="457200" indent="-457200">
-                  <a:lnSpc>
-                    <a:spcPct val="90000"/>
-                  </a:lnSpc>
-                  <a:spcBef>
-                    <a:spcPts val="1000"/>
-                  </a:spcBef>
-                  <a:buFont typeface="Arial" panose="020B0604020202020204" pitchFamily="34" charset="0"/>
-                  <a:buChar char="•"/>
-                </a:pPr>
-                <a:r>
-                  <a:rPr lang="zh-CN" altLang="en-US" sz="2800" dirty="0" smtClean="0">
-                    <a:latin typeface="Times New Roman" panose="02020603050405020304" pitchFamily="18" charset="0"/>
-                    <a:sym typeface="+mn-ea"/>
-                  </a:rPr>
-                  <a:t>求得清晰图像</a:t>
-                </a:r>
-                <a:endParaRPr lang="en-US" altLang="zh-CN" sz="2800" dirty="0" smtClean="0">
-                  <a:latin typeface="Times New Roman" panose="02020603050405020304" pitchFamily="18" charset="0"/>
-                  <a:sym typeface="+mn-ea"/>
-                </a:endParaRPr>
-              </a:p>
-              <a:p>
-                <a:pPr>
-                  <a:lnSpc>
-                    <a:spcPct val="90000"/>
-                  </a:lnSpc>
-                  <a:spcBef>
-                    <a:spcPts val="1000"/>
-                  </a:spcBef>
-                </a:pPr>
-                <a14:m>
-                  <m:oMathPara xmlns:m="http://schemas.openxmlformats.org/officeDocument/2006/math">
-                    <m:oMathParaPr>
-                      <m:jc m:val="centerGroup"/>
-                    </m:oMathParaPr>
-                    <m:oMath xmlns:m="http://schemas.openxmlformats.org/officeDocument/2006/math">
-                      <m:sSup>
-                        <m:sSupPr>
-                          <m:ctrlPr>
-                            <a:rPr lang="zh-CN" altLang="zh-CN" sz="2800" i="1">
-                              <a:latin typeface="Cambria Math" panose="02040503050406030204" pitchFamily="18" charset="0"/>
-                            </a:rPr>
-                          </m:ctrlPr>
-                        </m:sSupPr>
-                        <m:e>
-                          <m:r>
-                            <a:rPr lang="en-US" altLang="zh-CN" sz="2800" i="1">
-                              <a:latin typeface="Cambria Math" panose="02040503050406030204" pitchFamily="18" charset="0"/>
-                            </a:rPr>
-                            <m:t>𝐽</m:t>
-                          </m:r>
-                        </m:e>
-                        <m:sup>
-                          <m:r>
-                            <a:rPr lang="en-US" altLang="zh-CN" sz="2800" i="1">
-                              <a:latin typeface="Cambria Math" panose="02040503050406030204" pitchFamily="18" charset="0"/>
-                            </a:rPr>
-                            <m:t>𝑐</m:t>
-                          </m:r>
-                        </m:sup>
-                      </m:sSup>
-                      <m:d>
-                        <m:dPr>
-                          <m:ctrlPr>
-                            <a:rPr lang="zh-CN" altLang="zh-CN" sz="2800" i="1">
-                              <a:latin typeface="Cambria Math" panose="02040503050406030204" pitchFamily="18" charset="0"/>
-                            </a:rPr>
-                          </m:ctrlPr>
-                        </m:dPr>
-                        <m:e>
-                          <m:r>
-                            <a:rPr lang="en-US" altLang="zh-CN" sz="2800" i="1">
-                              <a:latin typeface="Cambria Math" panose="02040503050406030204" pitchFamily="18" charset="0"/>
-                            </a:rPr>
-                            <m:t>𝑥</m:t>
-                          </m:r>
-                        </m:e>
-                      </m:d>
-                      <m:r>
-                        <a:rPr lang="en-US" altLang="zh-CN" sz="2800" i="1">
-                          <a:latin typeface="Cambria Math" panose="02040503050406030204" pitchFamily="18" charset="0"/>
-                        </a:rPr>
-                        <m:t>=</m:t>
-                      </m:r>
-                      <m:f>
-                        <m:fPr>
-                          <m:ctrlPr>
-                            <a:rPr lang="zh-CN" altLang="zh-CN" sz="2800" i="1">
-                              <a:latin typeface="Cambria Math" panose="02040503050406030204" pitchFamily="18" charset="0"/>
-                            </a:rPr>
-                          </m:ctrlPr>
-                        </m:fPr>
-                        <m:num>
-                          <m:sSup>
-                            <m:sSupPr>
-                              <m:ctrlPr>
-                                <a:rPr lang="zh-CN" altLang="zh-CN" sz="2800" i="1">
-                                  <a:latin typeface="Cambria Math" panose="02040503050406030204" pitchFamily="18" charset="0"/>
-                                </a:rPr>
-                              </m:ctrlPr>
-                            </m:sSupPr>
-                            <m:e>
-                              <m:r>
-                                <a:rPr lang="en-US" altLang="zh-CN" sz="2800" i="1">
-                                  <a:latin typeface="Cambria Math" panose="02040503050406030204" pitchFamily="18" charset="0"/>
-                                </a:rPr>
-                                <m:t>𝐼</m:t>
-                              </m:r>
-                            </m:e>
-                            <m:sup>
-                              <m:r>
-                                <a:rPr lang="en-US" altLang="zh-CN" sz="2800" i="1">
-                                  <a:latin typeface="Cambria Math" panose="02040503050406030204" pitchFamily="18" charset="0"/>
-                                </a:rPr>
-                                <m:t>𝑐</m:t>
-                              </m:r>
-                            </m:sup>
-                          </m:sSup>
-                          <m:d>
-                            <m:dPr>
-                              <m:ctrlPr>
-                                <a:rPr lang="zh-CN" altLang="zh-CN" sz="2800" i="1">
-                                  <a:latin typeface="Cambria Math" panose="02040503050406030204" pitchFamily="18" charset="0"/>
-                                </a:rPr>
-                              </m:ctrlPr>
-                            </m:dPr>
-                            <m:e>
-                              <m:r>
-                                <a:rPr lang="en-US" altLang="zh-CN" sz="2800" i="1">
-                                  <a:latin typeface="Cambria Math" panose="02040503050406030204" pitchFamily="18" charset="0"/>
-                                </a:rPr>
-                                <m:t>𝑥</m:t>
-                              </m:r>
-                            </m:e>
-                          </m:d>
-                          <m:r>
-                            <a:rPr lang="en-US" altLang="zh-CN" sz="2800" i="1">
-                              <a:latin typeface="Cambria Math" panose="02040503050406030204" pitchFamily="18" charset="0"/>
-                            </a:rPr>
-                            <m:t>−</m:t>
-                          </m:r>
-                          <m:sSup>
-                            <m:sSupPr>
-                              <m:ctrlPr>
-                                <a:rPr lang="zh-CN" altLang="zh-CN" sz="2800" i="1">
-                                  <a:latin typeface="Cambria Math" panose="02040503050406030204" pitchFamily="18" charset="0"/>
-                                </a:rPr>
-                              </m:ctrlPr>
-                            </m:sSupPr>
-                            <m:e>
-                              <m:r>
-                                <a:rPr lang="en-US" altLang="zh-CN" sz="2800" i="1">
-                                  <a:latin typeface="Cambria Math" panose="02040503050406030204" pitchFamily="18" charset="0"/>
-                                </a:rPr>
-                                <m:t>𝐵</m:t>
-                              </m:r>
-                            </m:e>
-                            <m:sup>
-                              <m:r>
-                                <a:rPr lang="en-US" altLang="zh-CN" sz="2800" i="1">
-                                  <a:latin typeface="Cambria Math" panose="02040503050406030204" pitchFamily="18" charset="0"/>
-                                </a:rPr>
-                                <m:t>𝑐</m:t>
-                              </m:r>
-                            </m:sup>
-                          </m:sSup>
-                          <m:r>
-                            <a:rPr lang="en-US" altLang="zh-CN" sz="2800" i="1">
-                              <a:latin typeface="Cambria Math" panose="02040503050406030204" pitchFamily="18" charset="0"/>
-                            </a:rPr>
-                            <m:t>(</m:t>
-                          </m:r>
-                          <m:r>
-                            <a:rPr lang="en-US" altLang="zh-CN" sz="2800" i="1">
-                              <a:latin typeface="Cambria Math" panose="02040503050406030204" pitchFamily="18" charset="0"/>
-                            </a:rPr>
-                            <m:t>𝑥</m:t>
-                          </m:r>
-                          <m:r>
-                            <a:rPr lang="en-US" altLang="zh-CN" sz="2800" i="1">
-                              <a:latin typeface="Cambria Math" panose="02040503050406030204" pitchFamily="18" charset="0"/>
-                            </a:rPr>
-                            <m:t>)</m:t>
-                          </m:r>
-                        </m:num>
-                        <m:den>
-                          <m:r>
-                            <m:rPr>
-                              <m:sty m:val="p"/>
-                            </m:rPr>
-                            <a:rPr lang="en-US" altLang="zh-CN" sz="2800">
-                              <a:latin typeface="Cambria Math" panose="02040503050406030204" pitchFamily="18" charset="0"/>
-                            </a:rPr>
-                            <m:t>max</m:t>
-                          </m:r>
-                          <m:r>
-                            <a:rPr lang="en-US" altLang="zh-CN" sz="2800" i="1">
-                              <a:latin typeface="Cambria Math" panose="02040503050406030204" pitchFamily="18" charset="0"/>
-                            </a:rPr>
-                            <m:t>(</m:t>
-                          </m:r>
-                          <m:r>
-                            <a:rPr lang="en-US" altLang="zh-CN" sz="2800" i="1">
-                              <a:latin typeface="Cambria Math" panose="02040503050406030204" pitchFamily="18" charset="0"/>
-                            </a:rPr>
-                            <m:t>𝑡</m:t>
-                          </m:r>
-                          <m:d>
-                            <m:dPr>
-                              <m:ctrlPr>
-                                <a:rPr lang="zh-CN" altLang="zh-CN" sz="2800" i="1">
-                                  <a:latin typeface="Cambria Math" panose="02040503050406030204" pitchFamily="18" charset="0"/>
-                                </a:rPr>
-                              </m:ctrlPr>
-                            </m:dPr>
-                            <m:e>
-                              <m:r>
-                                <a:rPr lang="en-US" altLang="zh-CN" sz="2800" i="1">
-                                  <a:latin typeface="Cambria Math" panose="02040503050406030204" pitchFamily="18" charset="0"/>
-                                </a:rPr>
-                                <m:t>𝑥</m:t>
-                              </m:r>
-                            </m:e>
-                          </m:d>
-                          <m:r>
-                            <a:rPr lang="en-US" altLang="zh-CN" sz="2800" i="1">
-                              <a:latin typeface="Cambria Math" panose="02040503050406030204" pitchFamily="18" charset="0"/>
-                            </a:rPr>
-                            <m:t>,</m:t>
-                          </m:r>
-                          <m:sSub>
-                            <m:sSubPr>
-                              <m:ctrlPr>
-                                <a:rPr lang="zh-CN" altLang="zh-CN" sz="2800" i="1">
-                                  <a:latin typeface="Cambria Math" panose="02040503050406030204" pitchFamily="18" charset="0"/>
-                                </a:rPr>
-                              </m:ctrlPr>
-                            </m:sSubPr>
-                            <m:e>
-                              <m:r>
-                                <a:rPr lang="en-US" altLang="zh-CN" sz="2800" i="1">
-                                  <a:latin typeface="Cambria Math" panose="02040503050406030204" pitchFamily="18" charset="0"/>
-                                </a:rPr>
-                                <m:t>𝑡</m:t>
-                              </m:r>
-                            </m:e>
-                            <m:sub>
-                              <m:r>
-                                <a:rPr lang="en-US" altLang="zh-CN" sz="2800" i="1">
-                                  <a:latin typeface="Cambria Math" panose="02040503050406030204" pitchFamily="18" charset="0"/>
-                                </a:rPr>
-                                <m:t>0</m:t>
-                              </m:r>
-                            </m:sub>
-                          </m:sSub>
-                          <m:r>
-                            <a:rPr lang="en-US" altLang="zh-CN" sz="2800" i="1">
-                              <a:latin typeface="Cambria Math" panose="02040503050406030204" pitchFamily="18" charset="0"/>
-                            </a:rPr>
-                            <m:t>)</m:t>
-                          </m:r>
-                        </m:den>
-                      </m:f>
-                      <m:r>
-                        <a:rPr lang="en-US" altLang="zh-CN" sz="2800" i="1">
-                          <a:latin typeface="Cambria Math" panose="02040503050406030204" pitchFamily="18" charset="0"/>
-                        </a:rPr>
-                        <m:t>+</m:t>
-                      </m:r>
-                      <m:sSup>
-                        <m:sSupPr>
-                          <m:ctrlPr>
-                            <a:rPr lang="zh-CN" altLang="zh-CN" sz="2800" i="1">
-                              <a:latin typeface="Cambria Math" panose="02040503050406030204" pitchFamily="18" charset="0"/>
-                            </a:rPr>
-                          </m:ctrlPr>
-                        </m:sSupPr>
-                        <m:e>
-                          <m:r>
-                            <a:rPr lang="en-US" altLang="zh-CN" sz="2800" i="1">
-                              <a:latin typeface="Cambria Math" panose="02040503050406030204" pitchFamily="18" charset="0"/>
-                            </a:rPr>
-                            <m:t>𝐵</m:t>
-                          </m:r>
-                        </m:e>
-                        <m:sup>
-                          <m:r>
-                            <a:rPr lang="en-US" altLang="zh-CN" sz="2800" i="1">
-                              <a:latin typeface="Cambria Math" panose="02040503050406030204" pitchFamily="18" charset="0"/>
-                            </a:rPr>
-                            <m:t>𝑐</m:t>
-                          </m:r>
-                        </m:sup>
-                      </m:sSup>
-                      <m:r>
-                        <a:rPr lang="en-US" altLang="zh-CN" sz="2800">
-                          <a:latin typeface="Cambria Math" panose="02040503050406030204" pitchFamily="18" charset="0"/>
-                        </a:rPr>
-                        <m:t>(</m:t>
-                      </m:r>
-                      <m:r>
-                        <a:rPr lang="en-US" altLang="zh-CN" sz="2800" i="1">
-                          <a:latin typeface="Cambria Math" panose="02040503050406030204" pitchFamily="18" charset="0"/>
-                        </a:rPr>
-                        <m:t>𝑥</m:t>
-                      </m:r>
-                      <m:r>
-                        <a:rPr lang="en-US" altLang="zh-CN" sz="2800">
-                          <a:latin typeface="Cambria Math" panose="02040503050406030204" pitchFamily="18" charset="0"/>
-                        </a:rPr>
-                        <m:t>)</m:t>
-                      </m:r>
-                    </m:oMath>
-                  </m:oMathPara>
-                </a14:m>
-                <a:endParaRPr lang="en-US" altLang="zh-CN" sz="2800" dirty="0" smtClean="0">
-                  <a:latin typeface="Times New Roman" panose="02020603050405020304" pitchFamily="18" charset="0"/>
-                  <a:sym typeface="+mn-ea"/>
-                </a:endParaRPr>
-              </a:p>
-              <a:p>
-                <a:pPr>
-                  <a:lnSpc>
-                    <a:spcPct val="90000"/>
-                  </a:lnSpc>
-                  <a:spcBef>
-                    <a:spcPts val="1000"/>
-                  </a:spcBef>
-                </a:pPr>
-                <a:r>
-                  <a:rPr lang="zh-CN" altLang="en-US" sz="2400" dirty="0" smtClean="0">
-                    <a:latin typeface="Times New Roman" panose="02020603050405020304" pitchFamily="18" charset="0"/>
-                    <a:sym typeface="+mn-ea"/>
-                  </a:rPr>
-                  <a:t>  </a:t>
-                </a:r>
-                <a:endParaRPr lang="en-US" altLang="zh-CN" sz="2800" dirty="0" smtClean="0">
-                  <a:latin typeface="Times New Roman" panose="02020603050405020304" pitchFamily="18" charset="0"/>
-                  <a:sym typeface="+mn-ea"/>
-                </a:endParaRPr>
-              </a:p>
-              <a:p>
-                <a:pPr marL="457200" lvl="0" indent="-457200">
-                  <a:spcBef>
-                    <a:spcPts val="1000"/>
-                  </a:spcBef>
-                  <a:buFont typeface="Arial" panose="020B0604020202020204" pitchFamily="34" charset="0"/>
-                  <a:buChar char="•"/>
-                </a:pPr>
-                <a:r>
-                  <a:rPr lang="en-US" altLang="zh-CN" sz="2800" dirty="0">
-                    <a:latin typeface="Times New Roman" panose="02020603050405020304" pitchFamily="18" charset="0"/>
-                  </a:rPr>
-                  <a:t>    </a:t>
-                </a:r>
-                <a:r>
-                  <a:rPr lang="zh-CN" altLang="zh-CN" sz="2800" dirty="0">
-                    <a:latin typeface="Times New Roman" panose="02020603050405020304" pitchFamily="18" charset="0"/>
-                  </a:rPr>
-                  <a:t>校正图像颜色</a:t>
-                </a:r>
-                <a:endParaRPr lang="en-US" altLang="zh-CN" sz="2800" dirty="0">
-                  <a:latin typeface="Times New Roman" panose="02020603050405020304" pitchFamily="18" charset="0"/>
-                  <a:sym typeface="+mn-ea"/>
-                </a:endParaRPr>
-              </a:p>
-              <a:p>
-                <a:pPr lvl="0">
-                  <a:lnSpc>
-                    <a:spcPct val="90000"/>
-                  </a:lnSpc>
-                  <a:spcBef>
-                    <a:spcPts val="1000"/>
-                  </a:spcBef>
-                </a:pPr>
-                <a:r>
-                  <a:rPr lang="en-US" altLang="zh-CN" sz="2800" dirty="0" smtClean="0"/>
-                  <a:t>    </a:t>
-                </a:r>
-                <a:endParaRPr lang="zh-CN" altLang="zh-CN" sz="2800" dirty="0"/>
-              </a:p>
-              <a:p>
-                <a:pPr lvl="0">
-                  <a:lnSpc>
-                    <a:spcPct val="90000"/>
-                  </a:lnSpc>
-                  <a:spcBef>
-                    <a:spcPts val="1000"/>
-                  </a:spcBef>
-                </a:pPr>
-                <a:r>
-                  <a:rPr lang="en-US" altLang="zh-CN" sz="2800" dirty="0" smtClean="0">
-                    <a:sym typeface="+mn-ea"/>
-                  </a:rPr>
-                  <a:t>                                </a:t>
-                </a:r>
-                <a14:m>
-                  <m:oMath xmlns:m="http://schemas.openxmlformats.org/officeDocument/2006/math">
-                    <m:sSup>
-                      <m:sSupPr>
-                        <m:ctrlPr>
-                          <a:rPr lang="zh-CN" altLang="zh-CN" sz="2800" i="1">
-                            <a:latin typeface="Cambria Math" panose="02040503050406030204" pitchFamily="18" charset="0"/>
-                          </a:rPr>
-                        </m:ctrlPr>
-                      </m:sSupPr>
-                      <m:e>
-                        <m:r>
-                          <a:rPr lang="en-US" altLang="zh-CN" sz="2800" i="1">
-                            <a:latin typeface="Cambria Math" panose="02040503050406030204" pitchFamily="18" charset="0"/>
-                          </a:rPr>
-                          <m:t>𝐽</m:t>
-                        </m:r>
-                      </m:e>
-                      <m:sup>
-                        <m:r>
-                          <a:rPr lang="en-US" altLang="zh-CN" sz="2800" i="1">
-                            <a:latin typeface="Cambria Math" panose="02040503050406030204" pitchFamily="18" charset="0"/>
-                          </a:rPr>
-                          <m:t>𝑐</m:t>
-                        </m:r>
-                      </m:sup>
-                    </m:sSup>
-                    <m:d>
-                      <m:dPr>
-                        <m:ctrlPr>
-                          <a:rPr lang="zh-CN" altLang="zh-CN" sz="2800" i="1">
-                            <a:latin typeface="Cambria Math" panose="02040503050406030204" pitchFamily="18" charset="0"/>
-                          </a:rPr>
-                        </m:ctrlPr>
-                      </m:dPr>
-                      <m:e>
-                        <m:r>
-                          <a:rPr lang="en-US" altLang="zh-CN" sz="2800" i="1">
-                            <a:latin typeface="Cambria Math" panose="02040503050406030204" pitchFamily="18" charset="0"/>
-                          </a:rPr>
-                          <m:t>𝑥</m:t>
-                        </m:r>
-                      </m:e>
-                    </m:d>
-                    <m:r>
-                      <a:rPr lang="en-US" altLang="zh-CN" sz="2800" i="1">
-                        <a:latin typeface="Cambria Math" panose="02040503050406030204" pitchFamily="18" charset="0"/>
-                      </a:rPr>
-                      <m:t>=</m:t>
-                    </m:r>
-                    <m:f>
-                      <m:fPr>
-                        <m:ctrlPr>
-                          <a:rPr lang="zh-CN" altLang="zh-CN" sz="2800" i="1">
-                            <a:latin typeface="Cambria Math" panose="02040503050406030204" pitchFamily="18" charset="0"/>
-                          </a:rPr>
-                        </m:ctrlPr>
-                      </m:fPr>
-                      <m:num>
-                        <m:sSup>
-                          <m:sSupPr>
-                            <m:ctrlPr>
-                              <a:rPr lang="zh-CN" altLang="zh-CN" sz="2800" i="1">
-                                <a:latin typeface="Cambria Math" panose="02040503050406030204" pitchFamily="18" charset="0"/>
-                              </a:rPr>
-                            </m:ctrlPr>
-                          </m:sSupPr>
-                          <m:e>
-                            <m:r>
-                              <a:rPr lang="en-US" altLang="zh-CN" sz="2800" i="1">
-                                <a:latin typeface="Cambria Math" panose="02040503050406030204" pitchFamily="18" charset="0"/>
-                              </a:rPr>
-                              <m:t>𝐼</m:t>
-                            </m:r>
-                          </m:e>
-                          <m:sup>
-                            <m:r>
-                              <a:rPr lang="en-US" altLang="zh-CN" sz="2800" i="1">
-                                <a:latin typeface="Cambria Math" panose="02040503050406030204" pitchFamily="18" charset="0"/>
-                              </a:rPr>
-                              <m:t>𝑐</m:t>
-                            </m:r>
-                          </m:sup>
-                        </m:sSup>
-                        <m:d>
-                          <m:dPr>
-                            <m:ctrlPr>
-                              <a:rPr lang="zh-CN" altLang="zh-CN" sz="2800" i="1">
-                                <a:latin typeface="Cambria Math" panose="02040503050406030204" pitchFamily="18" charset="0"/>
-                              </a:rPr>
-                            </m:ctrlPr>
-                          </m:dPr>
-                          <m:e>
-                            <m:r>
-                              <a:rPr lang="en-US" altLang="zh-CN" sz="2800" i="1">
-                                <a:latin typeface="Cambria Math" panose="02040503050406030204" pitchFamily="18" charset="0"/>
-                              </a:rPr>
-                              <m:t>𝑥</m:t>
-                            </m:r>
-                          </m:e>
-                        </m:d>
-                        <m:r>
-                          <a:rPr lang="en-US" altLang="zh-CN" sz="2800" i="1">
-                            <a:latin typeface="Cambria Math" panose="02040503050406030204" pitchFamily="18" charset="0"/>
-                          </a:rPr>
-                          <m:t>−</m:t>
-                        </m:r>
-                        <m:sSup>
-                          <m:sSupPr>
-                            <m:ctrlPr>
-                              <a:rPr lang="zh-CN" altLang="zh-CN" sz="2800" i="1">
-                                <a:latin typeface="Cambria Math" panose="02040503050406030204" pitchFamily="18" charset="0"/>
-                              </a:rPr>
-                            </m:ctrlPr>
-                          </m:sSupPr>
-                          <m:e>
-                            <m:r>
-                              <a:rPr lang="en-US" altLang="zh-CN" sz="2800" i="1">
-                                <a:latin typeface="Cambria Math" panose="02040503050406030204" pitchFamily="18" charset="0"/>
-                              </a:rPr>
-                              <m:t>𝐵</m:t>
-                            </m:r>
-                          </m:e>
-                          <m:sup>
-                            <m:r>
-                              <a:rPr lang="en-US" altLang="zh-CN" sz="2800" i="1">
-                                <a:latin typeface="Cambria Math" panose="02040503050406030204" pitchFamily="18" charset="0"/>
-                              </a:rPr>
-                              <m:t>𝑐</m:t>
-                            </m:r>
-                          </m:sup>
-                        </m:sSup>
-                        <m:r>
-                          <a:rPr lang="en-US" altLang="zh-CN" sz="2800" i="1">
-                            <a:latin typeface="Cambria Math" panose="02040503050406030204" pitchFamily="18" charset="0"/>
-                          </a:rPr>
-                          <m:t>(</m:t>
-                        </m:r>
-                        <m:r>
-                          <a:rPr lang="en-US" altLang="zh-CN" sz="2800" i="1">
-                            <a:latin typeface="Cambria Math" panose="02040503050406030204" pitchFamily="18" charset="0"/>
-                          </a:rPr>
-                          <m:t>𝑥</m:t>
-                        </m:r>
-                        <m:r>
-                          <a:rPr lang="en-US" altLang="zh-CN" sz="2800" i="1">
-                            <a:latin typeface="Cambria Math" panose="02040503050406030204" pitchFamily="18" charset="0"/>
-                          </a:rPr>
-                          <m:t>)</m:t>
-                        </m:r>
-                      </m:num>
-                      <m:den>
-                        <m:r>
-                          <a:rPr lang="en-US" altLang="zh-CN" sz="2800" i="1">
-                            <a:latin typeface="Cambria Math" panose="02040503050406030204" pitchFamily="18" charset="0"/>
-                          </a:rPr>
-                          <m:t>𝑡</m:t>
-                        </m:r>
-                        <m:d>
-                          <m:dPr>
-                            <m:ctrlPr>
-                              <a:rPr lang="zh-CN" altLang="zh-CN" sz="2800" i="1">
-                                <a:latin typeface="Cambria Math" panose="02040503050406030204" pitchFamily="18" charset="0"/>
-                              </a:rPr>
-                            </m:ctrlPr>
-                          </m:dPr>
-                          <m:e>
-                            <m:r>
-                              <a:rPr lang="en-US" altLang="zh-CN" sz="2800" i="1">
-                                <a:latin typeface="Cambria Math" panose="02040503050406030204" pitchFamily="18" charset="0"/>
-                              </a:rPr>
-                              <m:t>𝑥</m:t>
-                            </m:r>
-                          </m:e>
-                        </m:d>
-                        <m:r>
-                          <a:rPr lang="en-US" altLang="zh-CN" sz="2800" i="1">
-                            <a:latin typeface="Cambria Math" panose="02040503050406030204" pitchFamily="18" charset="0"/>
-                          </a:rPr>
-                          <m:t> </m:t>
-                        </m:r>
-                      </m:den>
-                    </m:f>
-                    <m:r>
-                      <a:rPr lang="en-US" altLang="zh-CN" sz="2800" i="1">
-                        <a:latin typeface="Cambria Math" panose="02040503050406030204" pitchFamily="18" charset="0"/>
-                      </a:rPr>
-                      <m:t>+</m:t>
-                    </m:r>
-                    <m:sSup>
-                      <m:sSupPr>
-                        <m:ctrlPr>
-                          <a:rPr lang="zh-CN" altLang="zh-CN" sz="2800" i="1">
-                            <a:latin typeface="Cambria Math" panose="02040503050406030204" pitchFamily="18" charset="0"/>
-                          </a:rPr>
-                        </m:ctrlPr>
-                      </m:sSupPr>
-                      <m:e>
-                        <m:sSup>
-                          <m:sSupPr>
-                            <m:ctrlPr>
-                              <a:rPr lang="zh-CN" altLang="zh-CN" sz="2800" i="1">
-                                <a:latin typeface="Cambria Math" panose="02040503050406030204" pitchFamily="18" charset="0"/>
-                              </a:rPr>
-                            </m:ctrlPr>
-                          </m:sSupPr>
-                          <m:e>
-                            <m:r>
-                              <a:rPr lang="en-US" altLang="zh-CN" sz="2800" i="1">
-                                <a:latin typeface="Cambria Math" panose="02040503050406030204" pitchFamily="18" charset="0"/>
-                              </a:rPr>
-                              <m:t>𝜇</m:t>
-                            </m:r>
-                          </m:e>
-                          <m:sup>
-                            <m:r>
-                              <a:rPr lang="en-US" altLang="zh-CN" sz="2800" i="1">
-                                <a:latin typeface="Cambria Math" panose="02040503050406030204" pitchFamily="18" charset="0"/>
-                              </a:rPr>
-                              <m:t>𝑐</m:t>
-                            </m:r>
-                          </m:sup>
-                        </m:sSup>
-                        <m:r>
-                          <a:rPr lang="en-US" altLang="zh-CN" sz="2800" i="1">
-                            <a:latin typeface="Cambria Math" panose="02040503050406030204" pitchFamily="18" charset="0"/>
-                          </a:rPr>
-                          <m:t>𝐵</m:t>
-                        </m:r>
-                      </m:e>
-                      <m:sup>
-                        <m:r>
-                          <a:rPr lang="en-US" altLang="zh-CN" sz="2800" i="1">
-                            <a:latin typeface="Cambria Math" panose="02040503050406030204" pitchFamily="18" charset="0"/>
-                          </a:rPr>
-                          <m:t>𝑐</m:t>
-                        </m:r>
-                      </m:sup>
-                    </m:sSup>
-                    <m:r>
-                      <a:rPr lang="en-US" altLang="zh-CN" sz="2800" i="1">
-                        <a:latin typeface="Cambria Math" panose="02040503050406030204" pitchFamily="18" charset="0"/>
-                      </a:rPr>
-                      <m:t>(</m:t>
-                    </m:r>
-                    <m:r>
-                      <a:rPr lang="en-US" altLang="zh-CN" sz="2800" i="1">
-                        <a:latin typeface="Cambria Math" panose="02040503050406030204" pitchFamily="18" charset="0"/>
-                      </a:rPr>
-                      <m:t>𝑥</m:t>
-                    </m:r>
-                    <m:r>
-                      <a:rPr lang="en-US" altLang="zh-CN" sz="2800" i="1">
-                        <a:latin typeface="Cambria Math" panose="02040503050406030204" pitchFamily="18" charset="0"/>
-                      </a:rPr>
-                      <m:t>)</m:t>
-                    </m:r>
-                  </m:oMath>
-                </a14:m>
-                <a:r>
-                  <a:rPr lang="en-US" altLang="zh-CN" sz="2800" dirty="0" smtClean="0">
-                    <a:sym typeface="+mn-ea"/>
-                  </a:rPr>
-                  <a:t> </a:t>
-                </a:r>
-              </a:p>
-              <a:p>
-                <a:pPr lvl="0">
-                  <a:lnSpc>
-                    <a:spcPct val="90000"/>
-                  </a:lnSpc>
-                  <a:spcBef>
-                    <a:spcPts val="1000"/>
-                  </a:spcBef>
-                </a:pPr>
-                <a:r>
-                  <a:rPr lang="en-US" altLang="zh-CN" sz="2800" dirty="0" smtClean="0">
-                    <a:sym typeface="+mn-ea"/>
-                  </a:rPr>
-                  <a:t>                                </a:t>
-                </a:r>
-                <a:endParaRPr lang="en-US" altLang="zh-CN" sz="2800" dirty="0">
-                  <a:sym typeface="+mn-ea"/>
-                </a:endParaRPr>
-              </a:p>
-              <a:p>
-                <a:pPr>
-                  <a:lnSpc>
-                    <a:spcPct val="90000"/>
-                  </a:lnSpc>
-                  <a:spcBef>
-                    <a:spcPts val="1000"/>
-                  </a:spcBef>
-                </a:pPr>
-                <a:r>
-                  <a:rPr lang="en-US" altLang="zh-CN" sz="2800" dirty="0">
-                    <a:sym typeface="+mn-ea"/>
-                  </a:rPr>
-                  <a:t> </a:t>
-                </a:r>
-                <a:r>
-                  <a:rPr lang="en-US" altLang="zh-CN" sz="2800" dirty="0" smtClean="0">
-                    <a:sym typeface="+mn-ea"/>
-                  </a:rPr>
-                  <a:t>                               </a:t>
-                </a:r>
-                <a14:m>
-                  <m:oMath xmlns:m="http://schemas.openxmlformats.org/officeDocument/2006/math">
-                    <m:sSup>
-                      <m:sSupPr>
-                        <m:ctrlPr>
-                          <a:rPr lang="zh-CN" altLang="zh-CN" sz="2800" i="1">
-                            <a:latin typeface="Cambria Math" panose="02040503050406030204" pitchFamily="18" charset="0"/>
-                          </a:rPr>
-                        </m:ctrlPr>
-                      </m:sSupPr>
-                      <m:e>
-                        <m:r>
-                          <a:rPr lang="en-US" altLang="zh-CN" sz="2800" i="1">
-                            <a:latin typeface="Cambria Math" panose="02040503050406030204" pitchFamily="18" charset="0"/>
-                          </a:rPr>
-                          <m:t>𝜇</m:t>
-                        </m:r>
-                      </m:e>
-                      <m:sup>
-                        <m:r>
-                          <a:rPr lang="en-US" altLang="zh-CN" sz="2800" i="1">
-                            <a:latin typeface="Cambria Math" panose="02040503050406030204" pitchFamily="18" charset="0"/>
-                          </a:rPr>
-                          <m:t>𝑐</m:t>
-                        </m:r>
-                      </m:sup>
-                    </m:sSup>
-                    <m:r>
-                      <a:rPr lang="en-US" altLang="zh-CN" sz="2800">
-                        <a:latin typeface="Cambria Math" panose="02040503050406030204" pitchFamily="18" charset="0"/>
-                      </a:rPr>
-                      <m:t>=</m:t>
-                    </m:r>
-                    <m:r>
-                      <m:rPr>
-                        <m:sty m:val="p"/>
-                      </m:rPr>
-                      <a:rPr lang="en-US" altLang="zh-CN" sz="2800">
-                        <a:latin typeface="Cambria Math" panose="02040503050406030204" pitchFamily="18" charset="0"/>
-                      </a:rPr>
-                      <m:t>Max</m:t>
-                    </m:r>
-                    <m:r>
-                      <a:rPr lang="en-US" altLang="zh-CN" sz="2800">
-                        <a:latin typeface="Cambria Math" panose="02040503050406030204" pitchFamily="18" charset="0"/>
-                      </a:rPr>
-                      <m:t>(</m:t>
-                    </m:r>
-                    <m:r>
-                      <m:rPr>
-                        <m:sty m:val="p"/>
-                      </m:rPr>
-                      <a:rPr lang="en-US" altLang="zh-CN" sz="2800">
-                        <a:latin typeface="Cambria Math" panose="02040503050406030204" pitchFamily="18" charset="0"/>
-                      </a:rPr>
-                      <m:t>mean</m:t>
-                    </m:r>
-                    <m:sSup>
-                      <m:sSupPr>
-                        <m:ctrlPr>
-                          <a:rPr lang="zh-CN" altLang="zh-CN" sz="2800" i="1">
-                            <a:latin typeface="Cambria Math" panose="02040503050406030204" pitchFamily="18" charset="0"/>
-                          </a:rPr>
-                        </m:ctrlPr>
-                      </m:sSupPr>
-                      <m:e>
-                        <m:r>
-                          <a:rPr lang="en-US" altLang="zh-CN" sz="2800" i="1">
-                            <a:latin typeface="Cambria Math" panose="02040503050406030204" pitchFamily="18" charset="0"/>
-                          </a:rPr>
-                          <m:t>𝐵</m:t>
-                        </m:r>
-                      </m:e>
-                      <m:sup>
-                        <m:r>
-                          <a:rPr lang="en-US" altLang="zh-CN" sz="2800" i="1">
-                            <a:latin typeface="Cambria Math" panose="02040503050406030204" pitchFamily="18" charset="0"/>
-                          </a:rPr>
-                          <m:t>𝑐</m:t>
-                        </m:r>
-                      </m:sup>
-                    </m:sSup>
-                    <m:r>
-                      <a:rPr lang="en-US" altLang="zh-CN" sz="2800">
-                        <a:latin typeface="Cambria Math" panose="02040503050406030204" pitchFamily="18" charset="0"/>
-                      </a:rPr>
-                      <m:t>)/</m:t>
-                    </m:r>
-                    <m:r>
-                      <m:rPr>
-                        <m:sty m:val="p"/>
-                      </m:rPr>
-                      <a:rPr lang="en-US" altLang="zh-CN" sz="2800">
-                        <a:latin typeface="Cambria Math" panose="02040503050406030204" pitchFamily="18" charset="0"/>
-                      </a:rPr>
-                      <m:t>mean</m:t>
-                    </m:r>
-                    <m:sSup>
-                      <m:sSupPr>
-                        <m:ctrlPr>
-                          <a:rPr lang="zh-CN" altLang="zh-CN" sz="2800" i="1">
-                            <a:latin typeface="Cambria Math" panose="02040503050406030204" pitchFamily="18" charset="0"/>
-                          </a:rPr>
-                        </m:ctrlPr>
-                      </m:sSupPr>
-                      <m:e>
-                        <m:r>
-                          <a:rPr lang="en-US" altLang="zh-CN" sz="2800" i="1">
-                            <a:latin typeface="Cambria Math" panose="02040503050406030204" pitchFamily="18" charset="0"/>
-                          </a:rPr>
-                          <m:t>𝐵</m:t>
-                        </m:r>
-                      </m:e>
-                      <m:sup>
-                        <m:r>
-                          <a:rPr lang="en-US" altLang="zh-CN" sz="2800" i="1">
-                            <a:latin typeface="Cambria Math" panose="02040503050406030204" pitchFamily="18" charset="0"/>
-                          </a:rPr>
-                          <m:t>𝑐</m:t>
-                        </m:r>
-                      </m:sup>
-                    </m:sSup>
-                  </m:oMath>
-                </a14:m>
-                <a:endParaRPr lang="zh-CN" altLang="zh-CN" sz="2800" dirty="0"/>
-              </a:p>
-              <a:p>
-                <a:pPr lvl="0">
-                  <a:lnSpc>
-                    <a:spcPct val="90000"/>
-                  </a:lnSpc>
-                  <a:spcBef>
-                    <a:spcPts val="1000"/>
-                  </a:spcBef>
-                </a:pPr>
-                <a:endParaRPr lang="en-US" altLang="zh-CN" sz="2600" dirty="0">
-                  <a:sym typeface="+mn-ea"/>
-                </a:endParaRPr>
-              </a:p>
-            </p:txBody>
-          </p:sp>
-        </mc:Choice>
-        <mc:Fallback xmlns="">
-          <p:sp>
-            <p:nvSpPr>
-              <p:cNvPr id="9" name="矩形 8"/>
-              <p:cNvSpPr>
-                <a:spLocks noRot="1" noChangeAspect="1" noMove="1" noResize="1" noEditPoints="1" noAdjustHandles="1" noChangeArrowheads="1" noChangeShapeType="1" noTextEdit="1"/>
-              </p:cNvSpPr>
-              <p:nvPr>
-                <p:custDataLst>
-                  <p:tags r:id="rId6"/>
-                </p:custDataLst>
-              </p:nvPr>
-            </p:nvSpPr>
-            <p:spPr>
-              <a:xfrm>
-                <a:off x="838200" y="1825625"/>
-                <a:ext cx="10718494" cy="4351338"/>
-              </a:xfrm>
-              <a:prstGeom prst="rect">
-                <a:avLst/>
-              </a:prstGeom>
-              <a:blipFill rotWithShape="0">
-                <a:blip r:embed="rId7"/>
-                <a:stretch>
-                  <a:fillRect l="-1024" t="-3782"/>
-                </a:stretch>
-              </a:blipFill>
-            </p:spPr>
-            <p:txBody>
-              <a:bodyPr/>
-              <a:lstStyle/>
-              <a:p>
-                <a:r>
-                  <a:rPr lang="zh-CN" altLang="en-US">
-                    <a:noFill/>
-                  </a:rPr>
-                  <a:t> </a:t>
-                </a:r>
-              </a:p>
-            </p:txBody>
-          </p:sp>
-        </mc:Fallback>
-      </mc:AlternateContent>
-      <p:sp>
-        <p:nvSpPr>
-          <p:cNvPr id="2" name="文本框 1"/>
-          <p:cNvSpPr txBox="1"/>
-          <p:nvPr/>
-        </p:nvSpPr>
-        <p:spPr>
-          <a:xfrm>
-            <a:off x="0" y="1319514"/>
-            <a:ext cx="12192000" cy="185195"/>
-          </a:xfrm>
-          <a:prstGeom prst="rect">
-            <a:avLst/>
-          </a:prstGeom>
-          <a:solidFill>
-            <a:schemeClr val="accent3">
-              <a:lumMod val="40000"/>
-              <a:lumOff val="60000"/>
-            </a:schemeClr>
-          </a:solidFill>
-          <a:ln>
-            <a:solidFill>
-              <a:schemeClr val="bg2">
-                <a:lumMod val="75000"/>
-              </a:schemeClr>
-            </a:solidFill>
-          </a:ln>
-        </p:spPr>
-        <p:txBody>
-          <a:bodyPr wrap="square" rtlCol="0">
-            <a:spAutoFit/>
-          </a:bodyPr>
-          <a:lstStyle/>
-          <a:p>
-            <a:endParaRPr lang="zh-CN" altLang="en-US" dirty="0"/>
-          </a:p>
-        </p:txBody>
-      </p:sp>
-      <mc:AlternateContent xmlns:mc="http://schemas.openxmlformats.org/markup-compatibility/2006" xmlns:a14="http://schemas.microsoft.com/office/drawing/2010/main">
-        <mc:Choice Requires="a14">
-          <p:sp>
-            <p:nvSpPr>
-              <p:cNvPr id="13" name="文本框 12"/>
-              <p:cNvSpPr txBox="1"/>
-              <p:nvPr/>
-            </p:nvSpPr>
-            <p:spPr>
-              <a:xfrm>
-                <a:off x="8835390" y="4652010"/>
-                <a:ext cx="2721304" cy="923330"/>
-              </a:xfrm>
-              <a:prstGeom prst="rect">
-                <a:avLst/>
-              </a:prstGeom>
-              <a:solidFill>
-                <a:schemeClr val="accent1"/>
-              </a:solidFill>
-              <a:ln>
-                <a:solidFill>
-                  <a:schemeClr val="accent1"/>
-                </a:solidFill>
-              </a:ln>
-            </p:spPr>
-            <p:txBody>
-              <a:bodyPr wrap="square" rtlCol="0">
-                <a:spAutoFit/>
-              </a:bodyPr>
-              <a:lstStyle/>
-              <a:p>
-                <a14:m>
-                  <m:oMath xmlns:m="http://schemas.openxmlformats.org/officeDocument/2006/math">
-                    <m:sSup>
-                      <m:sSupPr>
-                        <m:ctrlPr>
-                          <a:rPr lang="zh-CN" altLang="zh-CN" i="1">
-                            <a:latin typeface="Cambria Math" panose="02040503050406030204" pitchFamily="18" charset="0"/>
-                          </a:rPr>
-                        </m:ctrlPr>
-                      </m:sSupPr>
-                      <m:e>
-                        <m:r>
-                          <a:rPr lang="en-US" altLang="zh-CN" i="1">
-                            <a:latin typeface="Cambria Math" panose="02040503050406030204" pitchFamily="18" charset="0"/>
-                          </a:rPr>
-                          <m:t>𝜇</m:t>
-                        </m:r>
-                      </m:e>
-                      <m:sup>
-                        <m:r>
-                          <a:rPr lang="en-US" altLang="zh-CN" i="1">
-                            <a:latin typeface="Cambria Math" panose="02040503050406030204" pitchFamily="18" charset="0"/>
-                          </a:rPr>
-                          <m:t>𝑐</m:t>
-                        </m:r>
-                      </m:sup>
-                    </m:sSup>
-                  </m:oMath>
-                </a14:m>
-                <a:r>
-                  <a:rPr lang="zh-CN" altLang="zh-CN" dirty="0"/>
-                  <a:t>是一个系数用于颜色的校正，</a:t>
-                </a:r>
-                <a14:m>
-                  <m:oMath xmlns:m="http://schemas.openxmlformats.org/officeDocument/2006/math">
-                    <m:sSup>
-                      <m:sSupPr>
-                        <m:ctrlPr>
-                          <a:rPr lang="zh-CN" altLang="zh-CN" i="1">
-                            <a:latin typeface="Cambria Math" panose="02040503050406030204" pitchFamily="18" charset="0"/>
-                          </a:rPr>
-                        </m:ctrlPr>
-                      </m:sSupPr>
-                      <m:e>
-                        <m:r>
-                          <a:rPr lang="en-US" altLang="zh-CN" i="1">
-                            <a:latin typeface="Cambria Math" panose="02040503050406030204" pitchFamily="18" charset="0"/>
-                          </a:rPr>
-                          <m:t>𝜇</m:t>
-                        </m:r>
-                      </m:e>
-                      <m:sup>
-                        <m:r>
-                          <a:rPr lang="en-US" altLang="zh-CN" i="1">
-                            <a:latin typeface="Cambria Math" panose="02040503050406030204" pitchFamily="18" charset="0"/>
-                          </a:rPr>
-                          <m:t>𝑐</m:t>
-                        </m:r>
-                      </m:sup>
-                    </m:sSup>
-                  </m:oMath>
-                </a14:m>
-                <a:r>
-                  <a:rPr lang="zh-CN" altLang="zh-CN" dirty="0"/>
-                  <a:t>的估算采用的是灰度世界白平衡算法</a:t>
-                </a:r>
-                <a:endParaRPr lang="zh-CN" altLang="en-US" dirty="0"/>
-              </a:p>
-            </p:txBody>
-          </p:sp>
-        </mc:Choice>
-        <mc:Fallback xmlns="">
-          <p:sp>
-            <p:nvSpPr>
-              <p:cNvPr id="13" name="文本框 12"/>
-              <p:cNvSpPr txBox="1">
-                <a:spLocks noRot="1" noChangeAspect="1" noMove="1" noResize="1" noEditPoints="1" noAdjustHandles="1" noChangeArrowheads="1" noChangeShapeType="1" noTextEdit="1"/>
-              </p:cNvSpPr>
-              <p:nvPr/>
-            </p:nvSpPr>
-            <p:spPr>
-              <a:xfrm>
-                <a:off x="8835390" y="4652010"/>
-                <a:ext cx="2721304" cy="923330"/>
-              </a:xfrm>
-              <a:prstGeom prst="rect">
-                <a:avLst/>
-              </a:prstGeom>
-              <a:blipFill rotWithShape="0">
-                <a:blip r:embed="rId8"/>
-                <a:stretch>
-                  <a:fillRect l="-1559" t="-3896" r="-891" b="-6494"/>
-                </a:stretch>
-              </a:blipFill>
-              <a:ln>
-                <a:solidFill>
-                  <a:schemeClr val="accent1"/>
-                </a:solidFill>
-              </a:ln>
-            </p:spPr>
-            <p:txBody>
-              <a:bodyPr/>
-              <a:lstStyle/>
-              <a:p>
-                <a:r>
-                  <a:rPr lang="zh-CN" altLang="en-US">
-                    <a:noFill/>
-                  </a:rPr>
-                  <a:t> </a:t>
-                </a:r>
-              </a:p>
-            </p:txBody>
-          </p:sp>
-        </mc:Fallback>
-      </mc:AlternateContent>
-    </p:spTree>
-    <p:custDataLst>
-      <p:tags r:id="rId1"/>
-    </p:custDataLst>
-    <p:extLst>
-      <p:ext uri="{BB962C8B-B14F-4D97-AF65-F5344CB8AC3E}">
-        <p14:creationId xmlns:p14="http://schemas.microsoft.com/office/powerpoint/2010/main" val="3670727403"/>
-      </p:ext>
-    </p:extLst>
-  </p:cSld>
-  <p:clrMapOvr>
-    <a:masterClrMapping/>
-  </p:clrMapOvr>
-  <mc:AlternateContent xmlns:mc="http://schemas.openxmlformats.org/markup-compatibility/2006" xmlns:p14="http://schemas.microsoft.com/office/powerpoint/2010/main">
-    <mc:Choice Requires="p14">
-      <p:transition spd="slow" p14:dur="2000" advTm="1668"/>
-    </mc:Choice>
-    <mc:Fallback xmlns="">
-      <p:transition spd="slow" advTm="1668"/>
-    </mc:Fallback>
-  </mc:AlternateContent>
-  <p:timing>
-    <p:tnLst>
-      <p:par>
-        <p:cTn id="1" dur="indefinite" restart="never" nodeType="tmRoot"/>
-      </p:par>
-    </p:tnLst>
-  </p:timing>
-</p:sld>
-</file>
-
-<file path=ppt/slides/slide25.xml><?xml version="1.0" encoding="utf-8"?>
-<p:sld xmlns:a="http://schemas.openxmlformats.org/drawingml/2006/main" xmlns:r="http://schemas.openxmlformats.org/officeDocument/2006/relationships" xmlns:p="http://schemas.openxmlformats.org/presentationml/2006/main">
-  <p:cSld>
-    <p:spTree>
-      <p:nvGrpSpPr>
-        <p:cNvPr id="1" name=""/>
-        <p:cNvGrpSpPr/>
-        <p:nvPr/>
-      </p:nvGrpSpPr>
-      <p:grpSpPr>
-        <a:xfrm>
-          <a:off x="0" y="0"/>
-          <a:ext cx="0" cy="0"/>
-          <a:chOff x="0" y="0"/>
-          <a:chExt cx="0" cy="0"/>
-        </a:xfrm>
-      </p:grpSpPr>
-      <p:sp>
-        <p:nvSpPr>
-          <p:cNvPr id="3" name="矩形 2"/>
-          <p:cNvSpPr/>
-          <p:nvPr>
-            <p:custDataLst>
-              <p:tags r:id="rId2"/>
-            </p:custDataLst>
-          </p:nvPr>
-        </p:nvSpPr>
-        <p:spPr>
-          <a:xfrm>
-            <a:off x="578734" y="176016"/>
-            <a:ext cx="10775066" cy="1528642"/>
-          </a:xfrm>
-          <a:prstGeom prst="rect">
-            <a:avLst/>
-          </a:prstGeom>
-        </p:spPr>
-        <p:txBody>
-          <a:bodyPr vert="horz" wrap="square" lIns="91440" tIns="45720" rIns="91440" bIns="45720" rtlCol="0" anchor="ctr">
-            <a:normAutofit/>
-          </a:bodyPr>
-          <a:lstStyle/>
-          <a:p>
-            <a:pPr lvl="0">
-              <a:lnSpc>
-                <a:spcPct val="90000"/>
-              </a:lnSpc>
-              <a:spcBef>
-                <a:spcPts val="1000"/>
-              </a:spcBef>
-            </a:pPr>
-            <a:r>
-              <a:rPr lang="zh-CN" altLang="en-US" sz="4400" dirty="0">
-                <a:latin typeface="Times New Roman" panose="02020603050405020304" pitchFamily="18" charset="0"/>
-                <a:cs typeface="Times New Roman" panose="02020603050405020304" pitchFamily="18" charset="0"/>
-                <a:sym typeface="+mn-ea"/>
-              </a:rPr>
-              <a:t>数据</a:t>
-            </a:r>
-            <a:r>
-              <a:rPr lang="zh-CN" altLang="en-US" sz="4400" dirty="0" smtClean="0">
-                <a:latin typeface="Times New Roman" panose="02020603050405020304" pitchFamily="18" charset="0"/>
-                <a:cs typeface="Times New Roman" panose="02020603050405020304" pitchFamily="18" charset="0"/>
-                <a:sym typeface="+mn-ea"/>
-              </a:rPr>
-              <a:t>集的构建</a:t>
-            </a:r>
-            <a:endParaRPr lang="en-US" altLang="zh-CN" sz="4400" dirty="0">
-              <a:latin typeface="Times New Roman" panose="02020603050405020304" pitchFamily="18" charset="0"/>
-              <a:cs typeface="Times New Roman" panose="02020603050405020304" pitchFamily="18" charset="0"/>
-              <a:sym typeface="+mn-ea"/>
-            </a:endParaRPr>
-          </a:p>
-        </p:txBody>
-      </p:sp>
-      <p:sp>
-        <p:nvSpPr>
-          <p:cNvPr id="6" name="矩形 5"/>
-          <p:cNvSpPr/>
-          <p:nvPr>
-            <p:custDataLst>
-              <p:tags r:id="rId3"/>
-            </p:custDataLst>
-          </p:nvPr>
-        </p:nvSpPr>
-        <p:spPr>
-          <a:xfrm>
-            <a:off x="838200" y="1825625"/>
-            <a:ext cx="10515600" cy="4351338"/>
-          </a:xfrm>
-          <a:prstGeom prst="rect">
-            <a:avLst/>
-          </a:prstGeom>
-        </p:spPr>
-        <p:txBody>
-          <a:bodyPr vert="horz" wrap="square" lIns="91440" tIns="45720" rIns="91440" bIns="45720" rtlCol="0" anchor="t">
-            <a:normAutofit/>
-          </a:bodyPr>
-          <a:lstStyle/>
-          <a:p>
-            <a:pPr marL="228600" lvl="0" indent="-228600" algn="l">
-              <a:lnSpc>
-                <a:spcPct val="90000"/>
-              </a:lnSpc>
-              <a:spcBef>
-                <a:spcPts val="1000"/>
-              </a:spcBef>
-              <a:buFont typeface="Arial" panose="020B0604020202020204" pitchFamily="34" charset="0"/>
-            </a:pPr>
-            <a:endParaRPr lang="zh-CN" altLang="en-US" sz="2800">
-              <a:sym typeface="+mn-ea"/>
-            </a:endParaRPr>
-          </a:p>
-        </p:txBody>
-      </p:sp>
-      <p:sp>
-        <p:nvSpPr>
-          <p:cNvPr id="9" name="矩形 8"/>
-          <p:cNvSpPr/>
-          <p:nvPr>
-            <p:custDataLst>
-              <p:tags r:id="rId4"/>
-            </p:custDataLst>
-          </p:nvPr>
-        </p:nvSpPr>
-        <p:spPr>
-          <a:xfrm>
-            <a:off x="838200" y="1825625"/>
-            <a:ext cx="10718494" cy="4351338"/>
-          </a:xfrm>
-          <a:prstGeom prst="rect">
-            <a:avLst/>
-          </a:prstGeom>
-        </p:spPr>
-        <p:txBody>
-          <a:bodyPr vert="horz" wrap="square" lIns="91440" tIns="45720" rIns="91440" bIns="45720" rtlCol="0" anchor="t">
-            <a:normAutofit lnSpcReduction="10000"/>
-          </a:bodyPr>
-          <a:lstStyle/>
-          <a:p>
-            <a:pPr marL="457200" indent="-457200">
-              <a:lnSpc>
-                <a:spcPct val="90000"/>
-              </a:lnSpc>
-              <a:spcBef>
-                <a:spcPts val="1000"/>
-              </a:spcBef>
-              <a:buFont typeface="Arial" panose="020B0604020202020204" pitchFamily="34" charset="0"/>
-              <a:buChar char="•"/>
-            </a:pPr>
-            <a:r>
-              <a:rPr lang="zh-CN" altLang="en-US" sz="2800" dirty="0" smtClean="0">
-                <a:latin typeface="Times New Roman" panose="02020603050405020304" pitchFamily="18" charset="0"/>
-                <a:sym typeface="+mn-ea"/>
-              </a:rPr>
-              <a:t>构建数据集</a:t>
-            </a:r>
-            <a:endParaRPr lang="en-US" altLang="zh-CN" sz="2800" dirty="0" smtClean="0">
-              <a:latin typeface="Times New Roman" panose="02020603050405020304" pitchFamily="18" charset="0"/>
-              <a:sym typeface="+mn-ea"/>
-            </a:endParaRPr>
-          </a:p>
-          <a:p>
-            <a:pPr>
-              <a:lnSpc>
-                <a:spcPct val="90000"/>
-              </a:lnSpc>
-              <a:spcBef>
-                <a:spcPts val="1000"/>
-              </a:spcBef>
-            </a:pPr>
-            <a:endParaRPr lang="en-US" altLang="zh-CN" sz="2800" dirty="0" smtClean="0">
-              <a:latin typeface="Times New Roman" panose="02020603050405020304" pitchFamily="18" charset="0"/>
-              <a:sym typeface="+mn-ea"/>
-            </a:endParaRPr>
-          </a:p>
-          <a:p>
-            <a:pPr>
-              <a:lnSpc>
-                <a:spcPct val="90000"/>
-              </a:lnSpc>
-              <a:spcBef>
-                <a:spcPts val="1000"/>
-              </a:spcBef>
-            </a:pPr>
-            <a:r>
-              <a:rPr lang="zh-CN" altLang="en-US" sz="2400" dirty="0" smtClean="0">
-                <a:latin typeface="Times New Roman" panose="02020603050405020304" pitchFamily="18" charset="0"/>
-                <a:sym typeface="+mn-ea"/>
-              </a:rPr>
-              <a:t>   </a:t>
-            </a:r>
-            <a:endParaRPr lang="en-US" altLang="zh-CN" sz="2400" dirty="0">
-              <a:latin typeface="Times New Roman" panose="02020603050405020304" pitchFamily="18" charset="0"/>
-              <a:sym typeface="+mn-ea"/>
-            </a:endParaRPr>
-          </a:p>
-          <a:p>
-            <a:pPr lvl="0">
-              <a:lnSpc>
-                <a:spcPct val="90000"/>
-              </a:lnSpc>
-              <a:spcBef>
-                <a:spcPts val="1000"/>
-              </a:spcBef>
-            </a:pPr>
-            <a:endParaRPr lang="en-US" altLang="zh-CN" sz="2800" dirty="0" smtClean="0">
-              <a:latin typeface="Times New Roman" panose="02020603050405020304" pitchFamily="18" charset="0"/>
-              <a:sym typeface="+mn-ea"/>
-            </a:endParaRPr>
-          </a:p>
-          <a:p>
-            <a:pPr marL="457200" lvl="0" indent="-457200">
-              <a:spcBef>
-                <a:spcPts val="1000"/>
-              </a:spcBef>
-              <a:buFont typeface="Arial" panose="020B0604020202020204" pitchFamily="34" charset="0"/>
-              <a:buChar char="•"/>
-            </a:pPr>
-            <a:endParaRPr lang="en-US" altLang="zh-CN" sz="2800" dirty="0">
-              <a:latin typeface="Times New Roman" panose="02020603050405020304" pitchFamily="18" charset="0"/>
-              <a:sym typeface="+mn-ea"/>
-            </a:endParaRPr>
-          </a:p>
-          <a:p>
-            <a:pPr lvl="0" indent="0" algn="l">
-              <a:lnSpc>
-                <a:spcPct val="90000"/>
-              </a:lnSpc>
-              <a:spcBef>
-                <a:spcPts val="1000"/>
-              </a:spcBef>
-              <a:buFont typeface="Arial" panose="020B0604020202020204" pitchFamily="34" charset="0"/>
-              <a:buNone/>
-            </a:pPr>
-            <a:r>
-              <a:rPr lang="en-US" altLang="zh-CN" sz="2800" dirty="0">
-                <a:latin typeface="Times New Roman" panose="02020603050405020304" pitchFamily="18" charset="0"/>
-                <a:sym typeface="+mn-ea"/>
-              </a:rPr>
-              <a:t> </a:t>
-            </a:r>
-            <a:r>
-              <a:rPr lang="en-US" altLang="zh-CN" sz="2800" dirty="0" smtClean="0">
-                <a:latin typeface="Times New Roman" panose="02020603050405020304" pitchFamily="18" charset="0"/>
-                <a:sym typeface="+mn-ea"/>
-              </a:rPr>
-              <a:t>                                                                         </a:t>
-            </a:r>
-            <a:endParaRPr lang="en-US" altLang="zh-CN" sz="2800" dirty="0" smtClean="0">
-              <a:sym typeface="+mn-ea"/>
-            </a:endParaRPr>
-          </a:p>
-          <a:p>
-            <a:pPr lvl="0" indent="0" algn="l">
-              <a:lnSpc>
-                <a:spcPct val="90000"/>
-              </a:lnSpc>
-              <a:spcBef>
-                <a:spcPts val="1000"/>
-              </a:spcBef>
-              <a:buFont typeface="Arial" panose="020B0604020202020204" pitchFamily="34" charset="0"/>
-              <a:buNone/>
-            </a:pPr>
-            <a:r>
-              <a:rPr lang="en-US" altLang="zh-CN" sz="2800" dirty="0">
-                <a:sym typeface="+mn-ea"/>
-              </a:rPr>
-              <a:t> </a:t>
-            </a:r>
-            <a:r>
-              <a:rPr lang="en-US" altLang="zh-CN" sz="2800" dirty="0" smtClean="0">
-                <a:sym typeface="+mn-ea"/>
-              </a:rPr>
-              <a:t>    </a:t>
-            </a:r>
-            <a:endParaRPr lang="en-US" altLang="zh-CN" sz="2800" dirty="0">
-              <a:sym typeface="+mn-ea"/>
-            </a:endParaRPr>
-          </a:p>
-          <a:p>
-            <a:pPr lvl="0" indent="0" algn="l">
-              <a:lnSpc>
-                <a:spcPct val="90000"/>
-              </a:lnSpc>
-              <a:spcBef>
-                <a:spcPts val="1000"/>
-              </a:spcBef>
-              <a:buFont typeface="Arial" panose="020B0604020202020204" pitchFamily="34" charset="0"/>
-              <a:buNone/>
-            </a:pPr>
-            <a:r>
-              <a:rPr lang="en-US" altLang="zh-CN" sz="2800" dirty="0" smtClean="0">
-                <a:sym typeface="+mn-ea"/>
-              </a:rPr>
-              <a:t>                                                                                   </a:t>
-            </a:r>
-            <a:endParaRPr lang="en-US" altLang="zh-CN" sz="2800" dirty="0">
-              <a:sym typeface="+mn-ea"/>
-            </a:endParaRPr>
-          </a:p>
-          <a:p>
-            <a:pPr lvl="0" indent="0" algn="l">
-              <a:lnSpc>
-                <a:spcPct val="90000"/>
-              </a:lnSpc>
-              <a:spcBef>
-                <a:spcPts val="1000"/>
-              </a:spcBef>
-              <a:buFont typeface="Arial" panose="020B0604020202020204" pitchFamily="34" charset="0"/>
-              <a:buNone/>
-            </a:pPr>
-            <a:r>
-              <a:rPr lang="en-US" altLang="zh-CN" sz="2800" dirty="0">
-                <a:sym typeface="+mn-ea"/>
-              </a:rPr>
-              <a:t> </a:t>
-            </a:r>
-          </a:p>
-        </p:txBody>
-      </p:sp>
-      <p:sp>
-        <p:nvSpPr>
-          <p:cNvPr id="2" name="文本框 1"/>
-          <p:cNvSpPr txBox="1"/>
-          <p:nvPr/>
-        </p:nvSpPr>
-        <p:spPr>
-          <a:xfrm>
-            <a:off x="0" y="1319514"/>
-            <a:ext cx="12192000" cy="185195"/>
-          </a:xfrm>
-          <a:prstGeom prst="rect">
-            <a:avLst/>
-          </a:prstGeom>
-          <a:solidFill>
-            <a:schemeClr val="accent3">
-              <a:lumMod val="40000"/>
-              <a:lumOff val="60000"/>
-            </a:schemeClr>
-          </a:solidFill>
-          <a:ln>
-            <a:solidFill>
-              <a:schemeClr val="bg2">
-                <a:lumMod val="75000"/>
-              </a:schemeClr>
-            </a:solidFill>
-          </a:ln>
-        </p:spPr>
-        <p:txBody>
-          <a:bodyPr wrap="square" rtlCol="0">
-            <a:spAutoFit/>
-          </a:bodyPr>
-          <a:lstStyle/>
-          <a:p>
-            <a:endParaRPr lang="zh-CN" altLang="en-US" dirty="0"/>
-          </a:p>
-        </p:txBody>
-      </p:sp>
-      <p:pic>
-        <p:nvPicPr>
-          <p:cNvPr id="7" name="图片 6"/>
-          <p:cNvPicPr/>
-          <p:nvPr/>
-        </p:nvPicPr>
-        <p:blipFill>
-          <a:blip r:embed="rId6"/>
-          <a:stretch>
-            <a:fillRect/>
-          </a:stretch>
-        </p:blipFill>
-        <p:spPr>
-          <a:xfrm>
-            <a:off x="1355627" y="2848156"/>
-            <a:ext cx="8868026" cy="2153502"/>
-          </a:xfrm>
-          <a:prstGeom prst="rect">
-            <a:avLst/>
-          </a:prstGeom>
-        </p:spPr>
-      </p:pic>
-    </p:spTree>
-    <p:custDataLst>
-      <p:tags r:id="rId1"/>
-    </p:custDataLst>
-    <p:extLst>
-      <p:ext uri="{BB962C8B-B14F-4D97-AF65-F5344CB8AC3E}">
-        <p14:creationId xmlns:p14="http://schemas.microsoft.com/office/powerpoint/2010/main" val="1481923599"/>
-      </p:ext>
-    </p:extLst>
-  </p:cSld>
-  <p:clrMapOvr>
-    <a:masterClrMapping/>
-  </p:clrMapOvr>
-  <mc:AlternateContent xmlns:mc="http://schemas.openxmlformats.org/markup-compatibility/2006" xmlns:p14="http://schemas.microsoft.com/office/powerpoint/2010/main">
-    <mc:Choice Requires="p14">
-      <p:transition spd="slow" p14:dur="2000" advTm="1668"/>
-    </mc:Choice>
-    <mc:Fallback xmlns="">
-      <p:transition spd="slow" advTm="1668"/>
-    </mc:Fallback>
-  </mc:AlternateContent>
-  <p:timing>
-    <p:tnLst>
-      <p:par>
-        <p:cTn id="1" dur="indefinite" restart="never" nodeType="tmRoot"/>
-      </p:par>
-    </p:tnLst>
-  </p:timing>
-</p:sld>
-</file>
-
-<file path=ppt/slides/slide26.xml><?xml version="1.0" encoding="utf-8"?>
-<p:sld xmlns:a="http://schemas.openxmlformats.org/drawingml/2006/main" xmlns:r="http://schemas.openxmlformats.org/officeDocument/2006/relationships" xmlns:p="http://schemas.openxmlformats.org/presentationml/2006/main">
-  <p:cSld>
-    <p:spTree>
-      <p:nvGrpSpPr>
-        <p:cNvPr id="1" name=""/>
-        <p:cNvGrpSpPr/>
-        <p:nvPr/>
-      </p:nvGrpSpPr>
-      <p:grpSpPr>
-        <a:xfrm>
-          <a:off x="0" y="0"/>
-          <a:ext cx="0" cy="0"/>
-          <a:chOff x="0" y="0"/>
-          <a:chExt cx="0" cy="0"/>
-        </a:xfrm>
-      </p:grpSpPr>
-      <p:sp>
-        <p:nvSpPr>
-          <p:cNvPr id="3" name="矩形 2"/>
-          <p:cNvSpPr/>
-          <p:nvPr>
-            <p:custDataLst>
-              <p:tags r:id="rId2"/>
-            </p:custDataLst>
-          </p:nvPr>
-        </p:nvSpPr>
-        <p:spPr>
-          <a:xfrm>
-            <a:off x="578734" y="176016"/>
-            <a:ext cx="10775066" cy="1528642"/>
-          </a:xfrm>
-          <a:prstGeom prst="rect">
-            <a:avLst/>
-          </a:prstGeom>
-        </p:spPr>
-        <p:txBody>
-          <a:bodyPr vert="horz" wrap="square" lIns="91440" tIns="45720" rIns="91440" bIns="45720" rtlCol="0" anchor="ctr">
-            <a:normAutofit/>
-          </a:bodyPr>
-          <a:lstStyle/>
-          <a:p>
-            <a:pPr lvl="0">
-              <a:lnSpc>
-                <a:spcPct val="90000"/>
-              </a:lnSpc>
-              <a:spcBef>
-                <a:spcPts val="1000"/>
-              </a:spcBef>
-            </a:pPr>
-            <a:r>
-              <a:rPr lang="zh-CN" altLang="en-US" sz="4400" dirty="0">
-                <a:latin typeface="Times New Roman" panose="02020603050405020304" pitchFamily="18" charset="0"/>
-                <a:cs typeface="Times New Roman" panose="02020603050405020304" pitchFamily="18" charset="0"/>
-                <a:sym typeface="+mn-ea"/>
-              </a:rPr>
-              <a:t>数据</a:t>
-            </a:r>
-            <a:r>
-              <a:rPr lang="zh-CN" altLang="en-US" sz="4400" dirty="0" smtClean="0">
-                <a:latin typeface="Times New Roman" panose="02020603050405020304" pitchFamily="18" charset="0"/>
-                <a:cs typeface="Times New Roman" panose="02020603050405020304" pitchFamily="18" charset="0"/>
-                <a:sym typeface="+mn-ea"/>
-              </a:rPr>
-              <a:t>集的构建</a:t>
-            </a:r>
-            <a:endParaRPr lang="en-US" altLang="zh-CN" sz="4400" dirty="0">
-              <a:latin typeface="Times New Roman" panose="02020603050405020304" pitchFamily="18" charset="0"/>
-              <a:cs typeface="Times New Roman" panose="02020603050405020304" pitchFamily="18" charset="0"/>
-              <a:sym typeface="+mn-ea"/>
-            </a:endParaRPr>
-          </a:p>
-        </p:txBody>
-      </p:sp>
-      <p:sp>
-        <p:nvSpPr>
-          <p:cNvPr id="6" name="矩形 5"/>
-          <p:cNvSpPr/>
-          <p:nvPr>
-            <p:custDataLst>
-              <p:tags r:id="rId3"/>
-            </p:custDataLst>
-          </p:nvPr>
-        </p:nvSpPr>
-        <p:spPr>
-          <a:xfrm>
-            <a:off x="838200" y="1825625"/>
-            <a:ext cx="10515600" cy="4351338"/>
-          </a:xfrm>
-          <a:prstGeom prst="rect">
-            <a:avLst/>
-          </a:prstGeom>
-        </p:spPr>
-        <p:txBody>
-          <a:bodyPr vert="horz" wrap="square" lIns="91440" tIns="45720" rIns="91440" bIns="45720" rtlCol="0" anchor="t">
-            <a:normAutofit/>
-          </a:bodyPr>
-          <a:lstStyle/>
-          <a:p>
-            <a:pPr marL="228600" lvl="0" indent="-228600" algn="l">
-              <a:lnSpc>
-                <a:spcPct val="90000"/>
-              </a:lnSpc>
-              <a:spcBef>
-                <a:spcPts val="1000"/>
-              </a:spcBef>
-              <a:buFont typeface="Arial" panose="020B0604020202020204" pitchFamily="34" charset="0"/>
-            </a:pPr>
-            <a:endParaRPr lang="zh-CN" altLang="en-US" sz="2800">
-              <a:sym typeface="+mn-ea"/>
-            </a:endParaRPr>
-          </a:p>
-        </p:txBody>
-      </p:sp>
-      <p:sp>
-        <p:nvSpPr>
-          <p:cNvPr id="9" name="矩形 8"/>
-          <p:cNvSpPr/>
-          <p:nvPr>
-            <p:custDataLst>
-              <p:tags r:id="rId4"/>
-            </p:custDataLst>
-          </p:nvPr>
-        </p:nvSpPr>
-        <p:spPr>
-          <a:xfrm>
-            <a:off x="838200" y="1825625"/>
-            <a:ext cx="10718494" cy="4351338"/>
-          </a:xfrm>
-          <a:prstGeom prst="rect">
-            <a:avLst/>
-          </a:prstGeom>
-        </p:spPr>
-        <p:txBody>
-          <a:bodyPr vert="horz" wrap="square" lIns="91440" tIns="45720" rIns="91440" bIns="45720" rtlCol="0" anchor="t">
-            <a:normAutofit lnSpcReduction="10000"/>
-          </a:bodyPr>
-          <a:lstStyle/>
-          <a:p>
-            <a:pPr marL="457200" indent="-457200">
-              <a:lnSpc>
-                <a:spcPct val="90000"/>
-              </a:lnSpc>
-              <a:spcBef>
-                <a:spcPts val="1000"/>
-              </a:spcBef>
-              <a:buFont typeface="Arial" panose="020B0604020202020204" pitchFamily="34" charset="0"/>
-              <a:buChar char="•"/>
-            </a:pPr>
-            <a:r>
-              <a:rPr lang="zh-CN" altLang="en-US" sz="2800" dirty="0" smtClean="0">
-                <a:latin typeface="Times New Roman" panose="02020603050405020304" pitchFamily="18" charset="0"/>
-                <a:sym typeface="+mn-ea"/>
-              </a:rPr>
-              <a:t>构建数据集</a:t>
-            </a:r>
-            <a:endParaRPr lang="en-US" altLang="zh-CN" sz="2800" dirty="0" smtClean="0">
-              <a:latin typeface="Times New Roman" panose="02020603050405020304" pitchFamily="18" charset="0"/>
-              <a:sym typeface="+mn-ea"/>
-            </a:endParaRPr>
-          </a:p>
-          <a:p>
-            <a:pPr>
-              <a:lnSpc>
-                <a:spcPct val="90000"/>
-              </a:lnSpc>
-              <a:spcBef>
-                <a:spcPts val="1000"/>
-              </a:spcBef>
-            </a:pPr>
-            <a:endParaRPr lang="en-US" altLang="zh-CN" sz="2800" dirty="0" smtClean="0">
-              <a:latin typeface="Times New Roman" panose="02020603050405020304" pitchFamily="18" charset="0"/>
-              <a:sym typeface="+mn-ea"/>
-            </a:endParaRPr>
-          </a:p>
-          <a:p>
-            <a:pPr>
-              <a:lnSpc>
-                <a:spcPct val="90000"/>
-              </a:lnSpc>
-              <a:spcBef>
-                <a:spcPts val="1000"/>
-              </a:spcBef>
-            </a:pPr>
-            <a:r>
-              <a:rPr lang="zh-CN" altLang="en-US" sz="2400" dirty="0" smtClean="0">
-                <a:latin typeface="Times New Roman" panose="02020603050405020304" pitchFamily="18" charset="0"/>
-                <a:sym typeface="+mn-ea"/>
-              </a:rPr>
-              <a:t>   </a:t>
-            </a:r>
-            <a:endParaRPr lang="en-US" altLang="zh-CN" sz="2400" dirty="0">
-              <a:latin typeface="Times New Roman" panose="02020603050405020304" pitchFamily="18" charset="0"/>
-              <a:sym typeface="+mn-ea"/>
-            </a:endParaRPr>
-          </a:p>
-          <a:p>
-            <a:pPr lvl="0">
-              <a:lnSpc>
-                <a:spcPct val="90000"/>
-              </a:lnSpc>
-              <a:spcBef>
-                <a:spcPts val="1000"/>
-              </a:spcBef>
-            </a:pPr>
-            <a:endParaRPr lang="en-US" altLang="zh-CN" sz="2800" dirty="0" smtClean="0">
-              <a:latin typeface="Times New Roman" panose="02020603050405020304" pitchFamily="18" charset="0"/>
-              <a:sym typeface="+mn-ea"/>
-            </a:endParaRPr>
-          </a:p>
-          <a:p>
-            <a:pPr marL="457200" lvl="0" indent="-457200">
-              <a:spcBef>
-                <a:spcPts val="1000"/>
-              </a:spcBef>
-              <a:buFont typeface="Arial" panose="020B0604020202020204" pitchFamily="34" charset="0"/>
-              <a:buChar char="•"/>
-            </a:pPr>
-            <a:endParaRPr lang="en-US" altLang="zh-CN" sz="2800" dirty="0">
-              <a:latin typeface="Times New Roman" panose="02020603050405020304" pitchFamily="18" charset="0"/>
-              <a:sym typeface="+mn-ea"/>
-            </a:endParaRPr>
-          </a:p>
-          <a:p>
-            <a:pPr lvl="0" indent="0" algn="l">
-              <a:lnSpc>
-                <a:spcPct val="90000"/>
-              </a:lnSpc>
-              <a:spcBef>
-                <a:spcPts val="1000"/>
-              </a:spcBef>
-              <a:buFont typeface="Arial" panose="020B0604020202020204" pitchFamily="34" charset="0"/>
-              <a:buNone/>
-            </a:pPr>
-            <a:r>
-              <a:rPr lang="en-US" altLang="zh-CN" sz="2800" dirty="0">
-                <a:latin typeface="Times New Roman" panose="02020603050405020304" pitchFamily="18" charset="0"/>
-                <a:sym typeface="+mn-ea"/>
-              </a:rPr>
-              <a:t> </a:t>
-            </a:r>
-            <a:r>
-              <a:rPr lang="en-US" altLang="zh-CN" sz="2800" dirty="0" smtClean="0">
-                <a:latin typeface="Times New Roman" panose="02020603050405020304" pitchFamily="18" charset="0"/>
-                <a:sym typeface="+mn-ea"/>
-              </a:rPr>
-              <a:t>                                                                         </a:t>
-            </a:r>
-            <a:endParaRPr lang="en-US" altLang="zh-CN" sz="2800" dirty="0" smtClean="0">
-              <a:sym typeface="+mn-ea"/>
-            </a:endParaRPr>
-          </a:p>
-          <a:p>
-            <a:pPr lvl="0" indent="0" algn="l">
-              <a:lnSpc>
-                <a:spcPct val="90000"/>
-              </a:lnSpc>
-              <a:spcBef>
-                <a:spcPts val="1000"/>
-              </a:spcBef>
-              <a:buFont typeface="Arial" panose="020B0604020202020204" pitchFamily="34" charset="0"/>
-              <a:buNone/>
-            </a:pPr>
-            <a:r>
-              <a:rPr lang="en-US" altLang="zh-CN" sz="2800" dirty="0">
-                <a:sym typeface="+mn-ea"/>
-              </a:rPr>
-              <a:t> </a:t>
-            </a:r>
-            <a:r>
-              <a:rPr lang="en-US" altLang="zh-CN" sz="2800" dirty="0" smtClean="0">
-                <a:sym typeface="+mn-ea"/>
-              </a:rPr>
-              <a:t>    </a:t>
-            </a:r>
-            <a:endParaRPr lang="en-US" altLang="zh-CN" sz="2800" dirty="0">
-              <a:sym typeface="+mn-ea"/>
-            </a:endParaRPr>
-          </a:p>
-          <a:p>
-            <a:pPr lvl="0" indent="0" algn="l">
-              <a:lnSpc>
-                <a:spcPct val="90000"/>
-              </a:lnSpc>
-              <a:spcBef>
-                <a:spcPts val="1000"/>
-              </a:spcBef>
-              <a:buFont typeface="Arial" panose="020B0604020202020204" pitchFamily="34" charset="0"/>
-              <a:buNone/>
-            </a:pPr>
-            <a:r>
-              <a:rPr lang="en-US" altLang="zh-CN" sz="2800" dirty="0" smtClean="0">
-                <a:sym typeface="+mn-ea"/>
-              </a:rPr>
-              <a:t>                                                                                   </a:t>
-            </a:r>
-            <a:endParaRPr lang="en-US" altLang="zh-CN" sz="2800" dirty="0">
-              <a:sym typeface="+mn-ea"/>
-            </a:endParaRPr>
-          </a:p>
-          <a:p>
-            <a:pPr lvl="0" indent="0" algn="l">
-              <a:lnSpc>
-                <a:spcPct val="90000"/>
-              </a:lnSpc>
-              <a:spcBef>
-                <a:spcPts val="1000"/>
-              </a:spcBef>
-              <a:buFont typeface="Arial" panose="020B0604020202020204" pitchFamily="34" charset="0"/>
-              <a:buNone/>
-            </a:pPr>
-            <a:r>
-              <a:rPr lang="en-US" altLang="zh-CN" sz="2800" dirty="0">
-                <a:sym typeface="+mn-ea"/>
-              </a:rPr>
-              <a:t> </a:t>
-            </a:r>
-          </a:p>
-        </p:txBody>
-      </p:sp>
-      <p:sp>
-        <p:nvSpPr>
-          <p:cNvPr id="2" name="文本框 1"/>
-          <p:cNvSpPr txBox="1"/>
-          <p:nvPr/>
-        </p:nvSpPr>
-        <p:spPr>
-          <a:xfrm>
-            <a:off x="0" y="1319514"/>
-            <a:ext cx="12192000" cy="185195"/>
-          </a:xfrm>
-          <a:prstGeom prst="rect">
-            <a:avLst/>
-          </a:prstGeom>
-          <a:solidFill>
-            <a:schemeClr val="accent3">
-              <a:lumMod val="40000"/>
-              <a:lumOff val="60000"/>
-            </a:schemeClr>
-          </a:solidFill>
-          <a:ln>
-            <a:solidFill>
-              <a:schemeClr val="bg2">
-                <a:lumMod val="75000"/>
-              </a:schemeClr>
-            </a:solidFill>
-          </a:ln>
-        </p:spPr>
-        <p:txBody>
-          <a:bodyPr wrap="square" rtlCol="0">
-            <a:spAutoFit/>
-          </a:bodyPr>
-          <a:lstStyle/>
-          <a:p>
-            <a:endParaRPr lang="zh-CN" altLang="en-US" dirty="0"/>
-          </a:p>
-        </p:txBody>
-      </p:sp>
-      <p:pic>
-        <p:nvPicPr>
-          <p:cNvPr id="8" name="图片 7"/>
-          <p:cNvPicPr/>
-          <p:nvPr/>
-        </p:nvPicPr>
-        <p:blipFill>
-          <a:blip r:embed="rId6"/>
-          <a:stretch>
-            <a:fillRect/>
-          </a:stretch>
-        </p:blipFill>
-        <p:spPr>
-          <a:xfrm>
-            <a:off x="1895308" y="2353541"/>
-            <a:ext cx="8141918" cy="3595568"/>
-          </a:xfrm>
-          <a:prstGeom prst="rect">
-            <a:avLst/>
-          </a:prstGeom>
-        </p:spPr>
-      </p:pic>
-    </p:spTree>
-    <p:custDataLst>
-      <p:tags r:id="rId1"/>
-    </p:custDataLst>
-    <p:extLst>
-      <p:ext uri="{BB962C8B-B14F-4D97-AF65-F5344CB8AC3E}">
-        <p14:creationId xmlns:p14="http://schemas.microsoft.com/office/powerpoint/2010/main" val="2146527108"/>
-      </p:ext>
-    </p:extLst>
-  </p:cSld>
-  <p:clrMapOvr>
-    <a:masterClrMapping/>
-  </p:clrMapOvr>
-  <mc:AlternateContent xmlns:mc="http://schemas.openxmlformats.org/markup-compatibility/2006" xmlns:p14="http://schemas.microsoft.com/office/powerpoint/2010/main">
-    <mc:Choice Requires="p14">
-      <p:transition spd="slow" p14:dur="2000" advTm="1668"/>
-    </mc:Choice>
-    <mc:Fallback xmlns="">
-      <p:transition spd="slow" advTm="1668"/>
-    </mc:Fallback>
-  </mc:AlternateContent>
-  <p:timing>
-    <p:tnLst>
-      <p:par>
-        <p:cTn id="1" dur="indefinite" restart="never" nodeType="tmRoot"/>
-      </p:par>
-    </p:tnLst>
-  </p:timing>
-</p:sld>
-</file>
-
-<file path=ppt/slides/slide27.xml><?xml version="1.0" encoding="utf-8"?>
-<p:sld xmlns:a="http://schemas.openxmlformats.org/drawingml/2006/main" xmlns:r="http://schemas.openxmlformats.org/officeDocument/2006/relationships" xmlns:p="http://schemas.openxmlformats.org/presentationml/2006/main">
-  <p:cSld>
-    <p:spTree>
-      <p:nvGrpSpPr>
-        <p:cNvPr id="1" name=""/>
-        <p:cNvGrpSpPr/>
-        <p:nvPr/>
-      </p:nvGrpSpPr>
-      <p:grpSpPr>
-        <a:xfrm>
-          <a:off x="0" y="0"/>
-          <a:ext cx="0" cy="0"/>
-          <a:chOff x="0" y="0"/>
-          <a:chExt cx="0" cy="0"/>
-        </a:xfrm>
-      </p:grpSpPr>
-      <p:sp>
-        <p:nvSpPr>
-          <p:cNvPr id="3" name="矩形 2"/>
-          <p:cNvSpPr/>
-          <p:nvPr>
-            <p:custDataLst>
-              <p:tags r:id="rId2"/>
-            </p:custDataLst>
-          </p:nvPr>
-        </p:nvSpPr>
-        <p:spPr>
-          <a:xfrm>
-            <a:off x="578734" y="176016"/>
-            <a:ext cx="10775066" cy="1528642"/>
-          </a:xfrm>
-          <a:prstGeom prst="rect">
-            <a:avLst/>
-          </a:prstGeom>
-        </p:spPr>
-        <p:txBody>
-          <a:bodyPr vert="horz" wrap="square" lIns="91440" tIns="45720" rIns="91440" bIns="45720" rtlCol="0" anchor="ctr">
-            <a:normAutofit/>
-          </a:bodyPr>
-          <a:lstStyle/>
-          <a:p>
-            <a:pPr lvl="0">
-              <a:lnSpc>
-                <a:spcPct val="90000"/>
-              </a:lnSpc>
-              <a:spcBef>
-                <a:spcPts val="1000"/>
-              </a:spcBef>
-            </a:pPr>
-            <a:r>
-              <a:rPr lang="zh-CN" altLang="en-US" sz="4400" dirty="0">
-                <a:latin typeface="Times New Roman" panose="02020603050405020304" pitchFamily="18" charset="0"/>
-                <a:cs typeface="Times New Roman" panose="02020603050405020304" pitchFamily="18" charset="0"/>
-                <a:sym typeface="+mn-ea"/>
-              </a:rPr>
-              <a:t>评价指标</a:t>
-            </a:r>
-            <a:endParaRPr lang="en-US" altLang="zh-CN" sz="4400" dirty="0">
-              <a:latin typeface="Times New Roman" panose="02020603050405020304" pitchFamily="18" charset="0"/>
-              <a:cs typeface="Times New Roman" panose="02020603050405020304" pitchFamily="18" charset="0"/>
-              <a:sym typeface="+mn-ea"/>
-            </a:endParaRPr>
-          </a:p>
-        </p:txBody>
-      </p:sp>
-      <p:sp>
-        <p:nvSpPr>
-          <p:cNvPr id="6" name="矩形 5"/>
-          <p:cNvSpPr/>
-          <p:nvPr>
-            <p:custDataLst>
-              <p:tags r:id="rId3"/>
-            </p:custDataLst>
-          </p:nvPr>
-        </p:nvSpPr>
-        <p:spPr>
-          <a:xfrm>
-            <a:off x="838200" y="1825625"/>
-            <a:ext cx="10515600" cy="4351338"/>
-          </a:xfrm>
-          <a:prstGeom prst="rect">
-            <a:avLst/>
-          </a:prstGeom>
-        </p:spPr>
-        <p:txBody>
-          <a:bodyPr vert="horz" wrap="square" lIns="91440" tIns="45720" rIns="91440" bIns="45720" rtlCol="0" anchor="t">
-            <a:normAutofit/>
-          </a:bodyPr>
-          <a:lstStyle/>
-          <a:p>
-            <a:pPr marL="228600" lvl="0" indent="-228600" algn="l">
-              <a:lnSpc>
-                <a:spcPct val="90000"/>
-              </a:lnSpc>
-              <a:spcBef>
-                <a:spcPts val="1000"/>
-              </a:spcBef>
-              <a:buFont typeface="Arial" panose="020B0604020202020204" pitchFamily="34" charset="0"/>
-            </a:pPr>
-            <a:r>
-              <a:rPr lang="en-US" altLang="zh-CN" sz="2800" dirty="0" smtClean="0">
-                <a:sym typeface="+mn-ea"/>
-              </a:rPr>
-              <a:t>  </a:t>
-            </a:r>
-            <a:endParaRPr lang="zh-CN" altLang="en-US" sz="2800" dirty="0">
-              <a:sym typeface="+mn-ea"/>
-            </a:endParaRPr>
-          </a:p>
-        </p:txBody>
-      </p:sp>
-      <p:sp>
-        <p:nvSpPr>
-          <p:cNvPr id="9" name="矩形 8"/>
-          <p:cNvSpPr/>
-          <p:nvPr>
-            <p:custDataLst>
-              <p:tags r:id="rId4"/>
-            </p:custDataLst>
-          </p:nvPr>
-        </p:nvSpPr>
-        <p:spPr>
-          <a:xfrm>
-            <a:off x="838200" y="1825625"/>
-            <a:ext cx="10718494" cy="4351338"/>
-          </a:xfrm>
-          <a:prstGeom prst="rect">
-            <a:avLst/>
-          </a:prstGeom>
-        </p:spPr>
-        <p:txBody>
-          <a:bodyPr vert="horz" wrap="square" lIns="91440" tIns="45720" rIns="91440" bIns="45720" rtlCol="0" anchor="t">
-            <a:normAutofit lnSpcReduction="10000"/>
-          </a:bodyPr>
-          <a:lstStyle/>
-          <a:p>
-            <a:pPr marL="457200" indent="-457200">
-              <a:lnSpc>
-                <a:spcPct val="90000"/>
-              </a:lnSpc>
-              <a:spcBef>
-                <a:spcPts val="1000"/>
-              </a:spcBef>
-              <a:buFont typeface="Wingdings" panose="05000000000000000000" pitchFamily="2" charset="2"/>
-              <a:buChar char="ü"/>
-            </a:pPr>
-            <a:r>
-              <a:rPr lang="zh-CN" altLang="zh-CN" sz="2800" dirty="0" smtClean="0"/>
-              <a:t>对比度</a:t>
-            </a:r>
-            <a:endParaRPr lang="en-US" altLang="zh-CN" sz="2800" dirty="0" smtClean="0">
-              <a:latin typeface="Times New Roman" panose="02020603050405020304" pitchFamily="18" charset="0"/>
-              <a:sym typeface="+mn-ea"/>
-            </a:endParaRPr>
-          </a:p>
-          <a:p>
-            <a:pPr marL="457200" indent="-457200">
-              <a:lnSpc>
-                <a:spcPct val="90000"/>
-              </a:lnSpc>
-              <a:spcBef>
-                <a:spcPts val="1000"/>
-              </a:spcBef>
-              <a:buFont typeface="Wingdings" panose="05000000000000000000" pitchFamily="2" charset="2"/>
-              <a:buChar char="ü"/>
-            </a:pPr>
-            <a:endParaRPr lang="en-US" altLang="zh-CN" sz="2800" dirty="0" smtClean="0">
-              <a:latin typeface="Times New Roman" panose="02020603050405020304" pitchFamily="18" charset="0"/>
-              <a:sym typeface="+mn-ea"/>
-            </a:endParaRPr>
-          </a:p>
-          <a:p>
-            <a:pPr>
-              <a:lnSpc>
-                <a:spcPct val="90000"/>
-              </a:lnSpc>
-              <a:spcBef>
-                <a:spcPts val="1000"/>
-              </a:spcBef>
-            </a:pPr>
-            <a:endParaRPr lang="en-US" altLang="zh-CN" sz="2400" dirty="0" smtClean="0">
-              <a:latin typeface="Times New Roman" panose="02020603050405020304" pitchFamily="18" charset="0"/>
-              <a:sym typeface="+mn-ea"/>
-            </a:endParaRPr>
-          </a:p>
-          <a:p>
-            <a:pPr marL="457200" lvl="0" indent="-457200">
-              <a:lnSpc>
-                <a:spcPct val="90000"/>
-              </a:lnSpc>
-              <a:spcBef>
-                <a:spcPts val="1000"/>
-              </a:spcBef>
-              <a:buFont typeface="Wingdings" panose="05000000000000000000" pitchFamily="2" charset="2"/>
-              <a:buChar char="ü"/>
-            </a:pPr>
-            <a:r>
-              <a:rPr lang="zh-CN" altLang="zh-CN" sz="2800" dirty="0" smtClean="0"/>
-              <a:t>信息熵</a:t>
-            </a:r>
-            <a:endParaRPr lang="en-US" altLang="zh-CN" sz="2800" dirty="0" smtClean="0">
-              <a:latin typeface="Times New Roman" panose="02020603050405020304" pitchFamily="18" charset="0"/>
-              <a:sym typeface="+mn-ea"/>
-            </a:endParaRPr>
-          </a:p>
-          <a:p>
-            <a:pPr marL="457200" lvl="0" indent="-457200">
-              <a:spcBef>
-                <a:spcPts val="1000"/>
-              </a:spcBef>
-              <a:buFont typeface="Wingdings" panose="05000000000000000000" pitchFamily="2" charset="2"/>
-              <a:buChar char="ü"/>
-            </a:pPr>
-            <a:endParaRPr lang="en-US" altLang="zh-CN" sz="2800" dirty="0">
-              <a:latin typeface="Times New Roman" panose="02020603050405020304" pitchFamily="18" charset="0"/>
-              <a:sym typeface="+mn-ea"/>
-            </a:endParaRPr>
-          </a:p>
-          <a:p>
-            <a:pPr lvl="0" algn="l">
-              <a:lnSpc>
-                <a:spcPct val="90000"/>
-              </a:lnSpc>
-              <a:spcBef>
-                <a:spcPts val="1000"/>
-              </a:spcBef>
-            </a:pPr>
-            <a:r>
-              <a:rPr lang="en-US" altLang="zh-CN" sz="2800" dirty="0">
-                <a:latin typeface="Times New Roman" panose="02020603050405020304" pitchFamily="18" charset="0"/>
-                <a:sym typeface="+mn-ea"/>
-              </a:rPr>
-              <a:t> </a:t>
-            </a:r>
-            <a:r>
-              <a:rPr lang="en-US" altLang="zh-CN" sz="2800" dirty="0" smtClean="0">
-                <a:latin typeface="Times New Roman" panose="02020603050405020304" pitchFamily="18" charset="0"/>
-                <a:sym typeface="+mn-ea"/>
-              </a:rPr>
-              <a:t>                                                                         </a:t>
-            </a:r>
-            <a:endParaRPr lang="en-US" altLang="zh-CN" sz="2800" dirty="0" smtClean="0">
-              <a:sym typeface="+mn-ea"/>
-            </a:endParaRPr>
-          </a:p>
-          <a:p>
-            <a:pPr marL="457200" lvl="0" indent="-457200">
-              <a:lnSpc>
-                <a:spcPct val="90000"/>
-              </a:lnSpc>
-              <a:spcBef>
-                <a:spcPts val="1000"/>
-              </a:spcBef>
-              <a:buFont typeface="Wingdings" panose="05000000000000000000" pitchFamily="2" charset="2"/>
-              <a:buChar char="ü"/>
-            </a:pPr>
-            <a:r>
-              <a:rPr lang="zh-CN" altLang="zh-CN" sz="2800" dirty="0"/>
-              <a:t>平均梯度</a:t>
-            </a:r>
-            <a:endParaRPr lang="en-US" altLang="zh-CN" sz="2800" dirty="0">
-              <a:sym typeface="+mn-ea"/>
-            </a:endParaRPr>
-          </a:p>
-          <a:p>
-            <a:pPr lvl="0" indent="0" algn="l">
-              <a:lnSpc>
-                <a:spcPct val="90000"/>
-              </a:lnSpc>
-              <a:spcBef>
-                <a:spcPts val="1000"/>
-              </a:spcBef>
-              <a:buFont typeface="Arial" panose="020B0604020202020204" pitchFamily="34" charset="0"/>
-              <a:buNone/>
-            </a:pPr>
-            <a:r>
-              <a:rPr lang="en-US" altLang="zh-CN" sz="2800" dirty="0" smtClean="0">
-                <a:sym typeface="+mn-ea"/>
-              </a:rPr>
-              <a:t>                                                                                   </a:t>
-            </a:r>
-            <a:endParaRPr lang="en-US" altLang="zh-CN" sz="2800" dirty="0">
-              <a:sym typeface="+mn-ea"/>
-            </a:endParaRPr>
-          </a:p>
-          <a:p>
-            <a:pPr lvl="0" indent="0" algn="l">
-              <a:lnSpc>
-                <a:spcPct val="90000"/>
-              </a:lnSpc>
-              <a:spcBef>
-                <a:spcPts val="1000"/>
-              </a:spcBef>
-              <a:buFont typeface="Arial" panose="020B0604020202020204" pitchFamily="34" charset="0"/>
-              <a:buNone/>
-            </a:pPr>
-            <a:r>
-              <a:rPr lang="en-US" altLang="zh-CN" sz="2800" dirty="0">
-                <a:sym typeface="+mn-ea"/>
-              </a:rPr>
-              <a:t> </a:t>
-            </a:r>
-          </a:p>
-        </p:txBody>
-      </p:sp>
-      <p:sp>
-        <p:nvSpPr>
-          <p:cNvPr id="2" name="文本框 1"/>
-          <p:cNvSpPr txBox="1"/>
-          <p:nvPr/>
-        </p:nvSpPr>
-        <p:spPr>
-          <a:xfrm>
-            <a:off x="0" y="1319514"/>
-            <a:ext cx="12192000" cy="185195"/>
-          </a:xfrm>
-          <a:prstGeom prst="rect">
-            <a:avLst/>
-          </a:prstGeom>
-          <a:solidFill>
-            <a:schemeClr val="accent3">
-              <a:lumMod val="40000"/>
-              <a:lumOff val="60000"/>
-            </a:schemeClr>
-          </a:solidFill>
-          <a:ln>
-            <a:solidFill>
-              <a:schemeClr val="bg2">
-                <a:lumMod val="75000"/>
-              </a:schemeClr>
-            </a:solidFill>
-          </a:ln>
-        </p:spPr>
-        <p:txBody>
-          <a:bodyPr wrap="square" rtlCol="0">
-            <a:spAutoFit/>
-          </a:bodyPr>
-          <a:lstStyle/>
-          <a:p>
-            <a:endParaRPr lang="zh-CN" altLang="en-US" dirty="0"/>
-          </a:p>
-        </p:txBody>
-      </p:sp>
-      <p:pic>
-        <p:nvPicPr>
-          <p:cNvPr id="7" name="图片 6"/>
-          <p:cNvPicPr/>
-          <p:nvPr/>
-        </p:nvPicPr>
-        <p:blipFill>
-          <a:blip r:embed="rId6"/>
-          <a:stretch>
-            <a:fillRect/>
-          </a:stretch>
-        </p:blipFill>
-        <p:spPr>
-          <a:xfrm>
-            <a:off x="3886415" y="1837816"/>
-            <a:ext cx="3726242" cy="1004065"/>
-          </a:xfrm>
-          <a:prstGeom prst="rect">
-            <a:avLst/>
-          </a:prstGeom>
-          <a:noFill/>
-          <a:ln w="9525">
-            <a:noFill/>
-          </a:ln>
-        </p:spPr>
-      </p:pic>
-      <p:pic>
-        <p:nvPicPr>
-          <p:cNvPr id="8" name="图片 7"/>
-          <p:cNvPicPr/>
-          <p:nvPr/>
-        </p:nvPicPr>
-        <p:blipFill>
-          <a:blip r:embed="rId7"/>
-          <a:stretch>
-            <a:fillRect/>
-          </a:stretch>
-        </p:blipFill>
-        <p:spPr>
-          <a:xfrm>
-            <a:off x="3886415" y="3590801"/>
-            <a:ext cx="3180153" cy="860014"/>
-          </a:xfrm>
-          <a:prstGeom prst="rect">
-            <a:avLst/>
-          </a:prstGeom>
-          <a:noFill/>
-          <a:ln w="9525">
-            <a:noFill/>
-          </a:ln>
-        </p:spPr>
-      </p:pic>
-      <p:pic>
-        <p:nvPicPr>
-          <p:cNvPr id="10" name="图片 9"/>
-          <p:cNvPicPr/>
-          <p:nvPr/>
-        </p:nvPicPr>
-        <p:blipFill>
-          <a:blip r:embed="rId8"/>
-          <a:stretch>
-            <a:fillRect/>
-          </a:stretch>
-        </p:blipFill>
-        <p:spPr>
-          <a:xfrm>
-            <a:off x="3655061" y="5199735"/>
-            <a:ext cx="4277085" cy="989419"/>
-          </a:xfrm>
-          <a:prstGeom prst="rect">
-            <a:avLst/>
-          </a:prstGeom>
-          <a:noFill/>
-          <a:ln w="9525">
-            <a:noFill/>
-          </a:ln>
-        </p:spPr>
-      </p:pic>
-      <p:sp>
-        <p:nvSpPr>
-          <p:cNvPr id="4" name="文本框 3"/>
-          <p:cNvSpPr txBox="1"/>
-          <p:nvPr/>
-        </p:nvSpPr>
-        <p:spPr>
-          <a:xfrm>
-            <a:off x="8372817" y="1813434"/>
-            <a:ext cx="2980983" cy="646331"/>
-          </a:xfrm>
-          <a:prstGeom prst="rect">
-            <a:avLst/>
-          </a:prstGeom>
-          <a:solidFill>
-            <a:schemeClr val="accent1"/>
-          </a:solidFill>
-          <a:ln>
-            <a:solidFill>
-              <a:schemeClr val="accent1"/>
-            </a:solidFill>
-          </a:ln>
-        </p:spPr>
-        <p:txBody>
-          <a:bodyPr wrap="square" rtlCol="0">
-            <a:spAutoFit/>
-          </a:bodyPr>
-          <a:lstStyle/>
-          <a:p>
-            <a:r>
-              <a:rPr lang="zh-CN" altLang="en-US" dirty="0" smtClean="0"/>
-              <a:t>即：图像均方差，反映图片整体的灰度分布和强弱差。</a:t>
-            </a:r>
-            <a:endParaRPr lang="zh-CN" altLang="en-US" dirty="0"/>
-          </a:p>
-        </p:txBody>
-      </p:sp>
-      <p:sp>
-        <p:nvSpPr>
-          <p:cNvPr id="5" name="文本框 4"/>
-          <p:cNvSpPr txBox="1"/>
-          <p:nvPr/>
-        </p:nvSpPr>
-        <p:spPr>
-          <a:xfrm>
-            <a:off x="8372817" y="3527485"/>
-            <a:ext cx="2980981" cy="923330"/>
-          </a:xfrm>
-          <a:prstGeom prst="rect">
-            <a:avLst/>
-          </a:prstGeom>
-          <a:solidFill>
-            <a:schemeClr val="accent1"/>
-          </a:solidFill>
-          <a:ln>
-            <a:solidFill>
-              <a:schemeClr val="accent1"/>
-            </a:solidFill>
-          </a:ln>
-        </p:spPr>
-        <p:txBody>
-          <a:bodyPr wrap="square" rtlCol="0">
-            <a:spAutoFit/>
-          </a:bodyPr>
-          <a:lstStyle/>
-          <a:p>
-            <a:r>
-              <a:rPr lang="zh-CN" altLang="en-US" dirty="0" smtClean="0"/>
-              <a:t>反映图像中像素灰度信息和其邻近区域内的灰度分布特征。</a:t>
-            </a:r>
-            <a:endParaRPr lang="zh-CN" altLang="en-US" dirty="0"/>
-          </a:p>
-        </p:txBody>
-      </p:sp>
-      <p:sp>
-        <p:nvSpPr>
-          <p:cNvPr id="11" name="文本框 10"/>
-          <p:cNvSpPr txBox="1"/>
-          <p:nvPr/>
-        </p:nvSpPr>
-        <p:spPr>
-          <a:xfrm>
-            <a:off x="8372817" y="5199735"/>
-            <a:ext cx="2980981" cy="646331"/>
-          </a:xfrm>
-          <a:prstGeom prst="rect">
-            <a:avLst/>
-          </a:prstGeom>
-          <a:solidFill>
-            <a:schemeClr val="accent1"/>
-          </a:solidFill>
-          <a:ln>
-            <a:solidFill>
-              <a:schemeClr val="accent1"/>
-            </a:solidFill>
-          </a:ln>
-        </p:spPr>
-        <p:txBody>
-          <a:bodyPr wrap="square" rtlCol="0">
-            <a:spAutoFit/>
-          </a:bodyPr>
-          <a:lstStyle/>
-          <a:p>
-            <a:r>
-              <a:rPr lang="zh-CN" altLang="en-US" dirty="0" smtClean="0"/>
-              <a:t>代表图像对比度、细节的反差情况以及纹理变化情况。</a:t>
-            </a:r>
-            <a:endParaRPr lang="zh-CN" altLang="en-US" dirty="0"/>
-          </a:p>
-        </p:txBody>
-      </p:sp>
-    </p:spTree>
-    <p:custDataLst>
-      <p:tags r:id="rId1"/>
-    </p:custDataLst>
-    <p:extLst>
-      <p:ext uri="{BB962C8B-B14F-4D97-AF65-F5344CB8AC3E}">
-        <p14:creationId xmlns:p14="http://schemas.microsoft.com/office/powerpoint/2010/main" val="413451959"/>
-      </p:ext>
-    </p:extLst>
-  </p:cSld>
-  <p:clrMapOvr>
-    <a:masterClrMapping/>
-  </p:clrMapOvr>
-  <mc:AlternateContent xmlns:mc="http://schemas.openxmlformats.org/markup-compatibility/2006" xmlns:p14="http://schemas.microsoft.com/office/powerpoint/2010/main">
-    <mc:Choice Requires="p14">
-      <p:transition spd="slow" p14:dur="2000" advTm="1668"/>
-    </mc:Choice>
-    <mc:Fallback xmlns="">
-      <p:transition spd="slow" advTm="1668"/>
-    </mc:Fallback>
-  </mc:AlternateContent>
-  <p:timing>
-    <p:tnLst>
-      <p:par>
-        <p:cTn id="1" dur="indefinite" restart="never" nodeType="tmRoot"/>
-      </p:par>
-    </p:tnLst>
-  </p:timing>
-</p:sld>
-</file>
-
-<file path=ppt/slides/slide28.xml><?xml version="1.0" encoding="utf-8"?>
-<p:sld xmlns:a="http://schemas.openxmlformats.org/drawingml/2006/main" xmlns:r="http://schemas.openxmlformats.org/officeDocument/2006/relationships" xmlns:p="http://schemas.openxmlformats.org/presentationml/2006/main">
-  <p:cSld>
-    <p:spTree>
-      <p:nvGrpSpPr>
-        <p:cNvPr id="1" name=""/>
-        <p:cNvGrpSpPr/>
-        <p:nvPr/>
-      </p:nvGrpSpPr>
-      <p:grpSpPr>
-        <a:xfrm>
-          <a:off x="0" y="0"/>
-          <a:ext cx="0" cy="0"/>
-          <a:chOff x="0" y="0"/>
-          <a:chExt cx="0" cy="0"/>
-        </a:xfrm>
-      </p:grpSpPr>
-      <p:sp>
-        <p:nvSpPr>
-          <p:cNvPr id="3" name="矩形 2"/>
-          <p:cNvSpPr/>
-          <p:nvPr>
-            <p:custDataLst>
-              <p:tags r:id="rId2"/>
-            </p:custDataLst>
-          </p:nvPr>
-        </p:nvSpPr>
-        <p:spPr>
-          <a:xfrm>
-            <a:off x="578734" y="176016"/>
-            <a:ext cx="10775066" cy="1528642"/>
-          </a:xfrm>
-          <a:prstGeom prst="rect">
-            <a:avLst/>
-          </a:prstGeom>
-        </p:spPr>
-        <p:txBody>
-          <a:bodyPr vert="horz" wrap="square" lIns="91440" tIns="45720" rIns="91440" bIns="45720" rtlCol="0" anchor="ctr">
-            <a:normAutofit/>
-          </a:bodyPr>
-          <a:lstStyle/>
-          <a:p>
-            <a:pPr lvl="0">
-              <a:lnSpc>
-                <a:spcPct val="90000"/>
-              </a:lnSpc>
-              <a:spcBef>
-                <a:spcPts val="1000"/>
-              </a:spcBef>
-            </a:pPr>
-            <a:r>
               <a:rPr lang="en-US" altLang="zh-CN" sz="4400" dirty="0">
                 <a:latin typeface="Times New Roman" panose="02020603050405020304" pitchFamily="18" charset="0"/>
                 <a:cs typeface="Times New Roman" panose="02020603050405020304" pitchFamily="18" charset="0"/>
@@ -18205,7 +11507,7 @@
 </p:sld>
 </file>
 
-<file path=ppt/slides/slide29.xml><?xml version="1.0" encoding="utf-8"?>
+<file path=ppt/slides/slide23.xml><?xml version="1.0" encoding="utf-8"?>
 <p:sld xmlns:a="http://schemas.openxmlformats.org/drawingml/2006/main" xmlns:r="http://schemas.openxmlformats.org/officeDocument/2006/relationships" xmlns:p="http://schemas.openxmlformats.org/presentationml/2006/main">
   <p:cSld>
     <p:spTree>
@@ -22734,168 +16036,6 @@
   <p:tag name="KSO_WM_UNIT_COMPATIBLE" val="0"/>
   <p:tag name="KSO_WM_UNIT_PRESET_TEXT_INDEX" val="0"/>
   <p:tag name="KSO_WM_UNIT_PRESET_TEXT_LEN" val="9"/>
-</p:tagLst>
-</file>
-
-<file path=ppt/tags/tag100.xml><?xml version="1.0" encoding="utf-8"?>
-<p:tagLst xmlns:a="http://schemas.openxmlformats.org/drawingml/2006/main" xmlns:r="http://schemas.openxmlformats.org/officeDocument/2006/relationships" xmlns:p="http://schemas.openxmlformats.org/presentationml/2006/main">
-  <p:tag name="DEFAULT" val="default"/>
-  <p:tag name="KSO_WM_TAG_VERSION" val="1.0"/>
-  <p:tag name="KSO_WM_BEAUTIFY_FLAG" val="#wm#"/>
-  <p:tag name="KSO_WM_UNIT_TYPE" val="f"/>
-  <p:tag name="KSO_WM_UNIT_ID" val="diagram160999_1*f*1"/>
-  <p:tag name="KSO_WM_TEMPLATE_CATEGORY" val="diagram"/>
-  <p:tag name="KSO_WM_TEMPLATE_INDEX" val="160999"/>
-  <p:tag name="KSO_WM_UNIT_INDEX" val="1"/>
-  <p:tag name="KSO_WM_UNIT_CLEAR" val="1"/>
-  <p:tag name="KSO_WM_UNIT_LAYERLEVEL" val="1"/>
-  <p:tag name="KSO_WM_UNIT_VALUE" val="319"/>
-  <p:tag name="KSO_WM_UNIT_HIGHLIGHT" val="0"/>
-  <p:tag name="KSO_WM_UNIT_COMPATIBLE" val="0"/>
-  <p:tag name="KSO_WM_UNIT_PRESET_TEXT_INDEX" val="2"/>
-  <p:tag name="KSO_WM_UNIT_PRESET_TEXT_LEN" val="20"/>
-</p:tagLst>
-</file>
-
-<file path=ppt/tags/tag101.xml><?xml version="1.0" encoding="utf-8"?>
-<p:tagLst xmlns:a="http://schemas.openxmlformats.org/drawingml/2006/main" xmlns:r="http://schemas.openxmlformats.org/officeDocument/2006/relationships" xmlns:p="http://schemas.openxmlformats.org/presentationml/2006/main">
-  <p:tag name="KSO_WM_TEMPLATE_CATEGORY" val="diagram"/>
-  <p:tag name="KSO_WM_TEMPLATE_INDEX" val="160999"/>
-  <p:tag name="KSO_WM_TAG_VERSION" val="1.0"/>
-  <p:tag name="KSO_WM_SLIDE_ID" val="diagram160999_1"/>
-  <p:tag name="KSO_WM_SLIDE_INDEX" val="1"/>
-  <p:tag name="KSO_WM_SLIDE_ITEM_CNT" val="1"/>
-  <p:tag name="KSO_WM_SLIDE_LAYOUT" val="a_f"/>
-  <p:tag name="KSO_WM_SLIDE_LAYOUT_CNT" val="1_1"/>
-  <p:tag name="KSO_WM_SLIDE_TYPE" val="text"/>
-  <p:tag name="KSO_WM_BEAUTIFY_FLAG" val="#wm#"/>
-  <p:tag name="KSO_WM_SLIDE_POSITION" val="66*144"/>
-  <p:tag name="KSO_WM_SLIDE_SIZE" val="828*343"/>
-</p:tagLst>
-</file>
-
-<file path=ppt/tags/tag102.xml><?xml version="1.0" encoding="utf-8"?>
-<p:tagLst xmlns:a="http://schemas.openxmlformats.org/drawingml/2006/main" xmlns:r="http://schemas.openxmlformats.org/officeDocument/2006/relationships" xmlns:p="http://schemas.openxmlformats.org/presentationml/2006/main">
-  <p:tag name="DEFAULT" val="default"/>
-  <p:tag name="KSO_WM_TAG_VERSION" val="1.0"/>
-  <p:tag name="KSO_WM_BEAUTIFY_FLAG" val="#wm#"/>
-  <p:tag name="KSO_WM_UNIT_TYPE" val="a"/>
-  <p:tag name="KSO_WM_UNIT_ID" val="diagram160999_1*a*1"/>
-  <p:tag name="KSO_WM_TEMPLATE_CATEGORY" val="diagram"/>
-  <p:tag name="KSO_WM_TEMPLATE_INDEX" val="160999"/>
-  <p:tag name="KSO_WM_UNIT_INDEX" val="1"/>
-  <p:tag name="KSO_WM_UNIT_CLEAR" val="1"/>
-  <p:tag name="KSO_WM_UNIT_LAYERLEVEL" val="1"/>
-  <p:tag name="KSO_WM_UNIT_VALUE" val="40"/>
-  <p:tag name="KSO_WM_UNIT_ISCONTENTSTITLE" val="0"/>
-  <p:tag name="KSO_WM_UNIT_HIGHLIGHT" val="0"/>
-  <p:tag name="KSO_WM_UNIT_COMPATIBLE" val="0"/>
-  <p:tag name="KSO_WM_UNIT_PRESET_TEXT_INDEX" val="0"/>
-  <p:tag name="KSO_WM_UNIT_PRESET_TEXT_LEN" val="9"/>
-</p:tagLst>
-</file>
-
-<file path=ppt/tags/tag103.xml><?xml version="1.0" encoding="utf-8"?>
-<p:tagLst xmlns:a="http://schemas.openxmlformats.org/drawingml/2006/main" xmlns:r="http://schemas.openxmlformats.org/officeDocument/2006/relationships" xmlns:p="http://schemas.openxmlformats.org/presentationml/2006/main">
-  <p:tag name="DEFAULT" val="default"/>
-  <p:tag name="KSO_WM_TAG_VERSION" val="1.0"/>
-  <p:tag name="KSO_WM_BEAUTIFY_FLAG" val="#wm#"/>
-  <p:tag name="KSO_WM_UNIT_TYPE" val="i"/>
-  <p:tag name="KSO_WM_UNIT_ID" val="diagram160999_1*i*1"/>
-  <p:tag name="KSO_WM_TEMPLATE_CATEGORY" val="diagram"/>
-  <p:tag name="KSO_WM_TEMPLATE_INDEX" val="160999"/>
-  <p:tag name="KSO_WM_UNIT_INDEX" val="1"/>
-</p:tagLst>
-</file>
-
-<file path=ppt/tags/tag104.xml><?xml version="1.0" encoding="utf-8"?>
-<p:tagLst xmlns:a="http://schemas.openxmlformats.org/drawingml/2006/main" xmlns:r="http://schemas.openxmlformats.org/officeDocument/2006/relationships" xmlns:p="http://schemas.openxmlformats.org/presentationml/2006/main">
-  <p:tag name="DEFAULT" val="default"/>
-  <p:tag name="KSO_WM_TAG_VERSION" val="1.0"/>
-  <p:tag name="KSO_WM_BEAUTIFY_FLAG" val="#wm#"/>
-  <p:tag name="KSO_WM_UNIT_TYPE" val="f"/>
-  <p:tag name="KSO_WM_UNIT_ID" val="diagram160999_1*f*1"/>
-  <p:tag name="KSO_WM_TEMPLATE_CATEGORY" val="diagram"/>
-  <p:tag name="KSO_WM_TEMPLATE_INDEX" val="160999"/>
-  <p:tag name="KSO_WM_UNIT_INDEX" val="1"/>
-  <p:tag name="KSO_WM_UNIT_CLEAR" val="1"/>
-  <p:tag name="KSO_WM_UNIT_LAYERLEVEL" val="1"/>
-  <p:tag name="KSO_WM_UNIT_VALUE" val="319"/>
-  <p:tag name="KSO_WM_UNIT_HIGHLIGHT" val="0"/>
-  <p:tag name="KSO_WM_UNIT_COMPATIBLE" val="0"/>
-  <p:tag name="KSO_WM_UNIT_PRESET_TEXT_INDEX" val="2"/>
-  <p:tag name="KSO_WM_UNIT_PRESET_TEXT_LEN" val="20"/>
-</p:tagLst>
-</file>
-
-<file path=ppt/tags/tag105.xml><?xml version="1.0" encoding="utf-8"?>
-<p:tagLst xmlns:a="http://schemas.openxmlformats.org/drawingml/2006/main" xmlns:r="http://schemas.openxmlformats.org/officeDocument/2006/relationships" xmlns:p="http://schemas.openxmlformats.org/presentationml/2006/main">
-  <p:tag name="KSO_WM_TEMPLATE_CATEGORY" val="diagram"/>
-  <p:tag name="KSO_WM_TEMPLATE_INDEX" val="160999"/>
-  <p:tag name="KSO_WM_TAG_VERSION" val="1.0"/>
-  <p:tag name="KSO_WM_SLIDE_ID" val="diagram160999_1"/>
-  <p:tag name="KSO_WM_SLIDE_INDEX" val="1"/>
-  <p:tag name="KSO_WM_SLIDE_ITEM_CNT" val="1"/>
-  <p:tag name="KSO_WM_SLIDE_LAYOUT" val="a_f"/>
-  <p:tag name="KSO_WM_SLIDE_LAYOUT_CNT" val="1_1"/>
-  <p:tag name="KSO_WM_SLIDE_TYPE" val="text"/>
-  <p:tag name="KSO_WM_BEAUTIFY_FLAG" val="#wm#"/>
-  <p:tag name="KSO_WM_SLIDE_POSITION" val="66*144"/>
-  <p:tag name="KSO_WM_SLIDE_SIZE" val="828*343"/>
-</p:tagLst>
-</file>
-
-<file path=ppt/tags/tag106.xml><?xml version="1.0" encoding="utf-8"?>
-<p:tagLst xmlns:a="http://schemas.openxmlformats.org/drawingml/2006/main" xmlns:r="http://schemas.openxmlformats.org/officeDocument/2006/relationships" xmlns:p="http://schemas.openxmlformats.org/presentationml/2006/main">
-  <p:tag name="DEFAULT" val="default"/>
-  <p:tag name="KSO_WM_TAG_VERSION" val="1.0"/>
-  <p:tag name="KSO_WM_BEAUTIFY_FLAG" val="#wm#"/>
-  <p:tag name="KSO_WM_UNIT_TYPE" val="a"/>
-  <p:tag name="KSO_WM_UNIT_ID" val="diagram160999_1*a*1"/>
-  <p:tag name="KSO_WM_TEMPLATE_CATEGORY" val="diagram"/>
-  <p:tag name="KSO_WM_TEMPLATE_INDEX" val="160999"/>
-  <p:tag name="KSO_WM_UNIT_INDEX" val="1"/>
-  <p:tag name="KSO_WM_UNIT_CLEAR" val="1"/>
-  <p:tag name="KSO_WM_UNIT_LAYERLEVEL" val="1"/>
-  <p:tag name="KSO_WM_UNIT_VALUE" val="40"/>
-  <p:tag name="KSO_WM_UNIT_ISCONTENTSTITLE" val="0"/>
-  <p:tag name="KSO_WM_UNIT_HIGHLIGHT" val="0"/>
-  <p:tag name="KSO_WM_UNIT_COMPATIBLE" val="0"/>
-  <p:tag name="KSO_WM_UNIT_PRESET_TEXT_INDEX" val="0"/>
-  <p:tag name="KSO_WM_UNIT_PRESET_TEXT_LEN" val="9"/>
-</p:tagLst>
-</file>
-
-<file path=ppt/tags/tag107.xml><?xml version="1.0" encoding="utf-8"?>
-<p:tagLst xmlns:a="http://schemas.openxmlformats.org/drawingml/2006/main" xmlns:r="http://schemas.openxmlformats.org/officeDocument/2006/relationships" xmlns:p="http://schemas.openxmlformats.org/presentationml/2006/main">
-  <p:tag name="DEFAULT" val="default"/>
-  <p:tag name="KSO_WM_TAG_VERSION" val="1.0"/>
-  <p:tag name="KSO_WM_BEAUTIFY_FLAG" val="#wm#"/>
-  <p:tag name="KSO_WM_UNIT_TYPE" val="i"/>
-  <p:tag name="KSO_WM_UNIT_ID" val="diagram160999_1*i*1"/>
-  <p:tag name="KSO_WM_TEMPLATE_CATEGORY" val="diagram"/>
-  <p:tag name="KSO_WM_TEMPLATE_INDEX" val="160999"/>
-  <p:tag name="KSO_WM_UNIT_INDEX" val="1"/>
-</p:tagLst>
-</file>
-
-<file path=ppt/tags/tag108.xml><?xml version="1.0" encoding="utf-8"?>
-<p:tagLst xmlns:a="http://schemas.openxmlformats.org/drawingml/2006/main" xmlns:r="http://schemas.openxmlformats.org/officeDocument/2006/relationships" xmlns:p="http://schemas.openxmlformats.org/presentationml/2006/main">
-  <p:tag name="DEFAULT" val="default"/>
-  <p:tag name="KSO_WM_TAG_VERSION" val="1.0"/>
-  <p:tag name="KSO_WM_BEAUTIFY_FLAG" val="#wm#"/>
-  <p:tag name="KSO_WM_UNIT_TYPE" val="f"/>
-  <p:tag name="KSO_WM_UNIT_ID" val="diagram160999_1*f*1"/>
-  <p:tag name="KSO_WM_TEMPLATE_CATEGORY" val="diagram"/>
-  <p:tag name="KSO_WM_TEMPLATE_INDEX" val="160999"/>
-  <p:tag name="KSO_WM_UNIT_INDEX" val="1"/>
-  <p:tag name="KSO_WM_UNIT_CLEAR" val="1"/>
-  <p:tag name="KSO_WM_UNIT_LAYERLEVEL" val="1"/>
-  <p:tag name="KSO_WM_UNIT_VALUE" val="319"/>
-  <p:tag name="KSO_WM_UNIT_HIGHLIGHT" val="0"/>
-  <p:tag name="KSO_WM_UNIT_COMPATIBLE" val="0"/>
-  <p:tag name="KSO_WM_UNIT_PRESET_TEXT_INDEX" val="2"/>
-  <p:tag name="KSO_WM_UNIT_PRESET_TEXT_LEN" val="20"/>
 </p:tagLst>
 </file>
 
@@ -24335,94 +17475,6 @@
 </p:tagLst>
 </file>
 
-<file path=ppt/tags/tag85.xml><?xml version="1.0" encoding="utf-8"?>
-<p:tagLst xmlns:a="http://schemas.openxmlformats.org/drawingml/2006/main" xmlns:r="http://schemas.openxmlformats.org/officeDocument/2006/relationships" xmlns:p="http://schemas.openxmlformats.org/presentationml/2006/main">
-  <p:tag name="KSO_WM_TEMPLATE_CATEGORY" val="diagram"/>
-  <p:tag name="KSO_WM_TEMPLATE_INDEX" val="160999"/>
-  <p:tag name="KSO_WM_TAG_VERSION" val="1.0"/>
-  <p:tag name="KSO_WM_SLIDE_ID" val="diagram160999_1"/>
-  <p:tag name="KSO_WM_SLIDE_INDEX" val="1"/>
-  <p:tag name="KSO_WM_SLIDE_ITEM_CNT" val="1"/>
-  <p:tag name="KSO_WM_SLIDE_LAYOUT" val="a_f"/>
-  <p:tag name="KSO_WM_SLIDE_LAYOUT_CNT" val="1_1"/>
-  <p:tag name="KSO_WM_SLIDE_TYPE" val="text"/>
-  <p:tag name="KSO_WM_BEAUTIFY_FLAG" val="#wm#"/>
-  <p:tag name="KSO_WM_SLIDE_POSITION" val="66*144"/>
-  <p:tag name="KSO_WM_SLIDE_SIZE" val="828*343"/>
-</p:tagLst>
-</file>
-
-<file path=ppt/tags/tag86.xml><?xml version="1.0" encoding="utf-8"?>
-<p:tagLst xmlns:a="http://schemas.openxmlformats.org/drawingml/2006/main" xmlns:r="http://schemas.openxmlformats.org/officeDocument/2006/relationships" xmlns:p="http://schemas.openxmlformats.org/presentationml/2006/main">
-  <p:tag name="DEFAULT" val="default"/>
-  <p:tag name="KSO_WM_TAG_VERSION" val="1.0"/>
-  <p:tag name="KSO_WM_BEAUTIFY_FLAG" val="#wm#"/>
-  <p:tag name="KSO_WM_UNIT_TYPE" val="a"/>
-  <p:tag name="KSO_WM_UNIT_ID" val="diagram160999_1*a*1"/>
-  <p:tag name="KSO_WM_TEMPLATE_CATEGORY" val="diagram"/>
-  <p:tag name="KSO_WM_TEMPLATE_INDEX" val="160999"/>
-  <p:tag name="KSO_WM_UNIT_INDEX" val="1"/>
-  <p:tag name="KSO_WM_UNIT_CLEAR" val="1"/>
-  <p:tag name="KSO_WM_UNIT_LAYERLEVEL" val="1"/>
-  <p:tag name="KSO_WM_UNIT_VALUE" val="40"/>
-  <p:tag name="KSO_WM_UNIT_ISCONTENTSTITLE" val="0"/>
-  <p:tag name="KSO_WM_UNIT_HIGHLIGHT" val="0"/>
-  <p:tag name="KSO_WM_UNIT_COMPATIBLE" val="0"/>
-  <p:tag name="KSO_WM_UNIT_PRESET_TEXT_INDEX" val="0"/>
-  <p:tag name="KSO_WM_UNIT_PRESET_TEXT_LEN" val="9"/>
-</p:tagLst>
-</file>
-
-<file path=ppt/tags/tag87.xml><?xml version="1.0" encoding="utf-8"?>
-<p:tagLst xmlns:a="http://schemas.openxmlformats.org/drawingml/2006/main" xmlns:r="http://schemas.openxmlformats.org/officeDocument/2006/relationships" xmlns:p="http://schemas.openxmlformats.org/presentationml/2006/main">
-  <p:tag name="DEFAULT" val="default"/>
-  <p:tag name="KSO_WM_TAG_VERSION" val="1.0"/>
-  <p:tag name="KSO_WM_BEAUTIFY_FLAG" val="#wm#"/>
-  <p:tag name="KSO_WM_UNIT_TYPE" val="i"/>
-  <p:tag name="KSO_WM_UNIT_ID" val="diagram160999_1*i*1"/>
-  <p:tag name="KSO_WM_TEMPLATE_CATEGORY" val="diagram"/>
-  <p:tag name="KSO_WM_TEMPLATE_INDEX" val="160999"/>
-  <p:tag name="KSO_WM_UNIT_INDEX" val="1"/>
-</p:tagLst>
-</file>
-
-<file path=ppt/tags/tag88.xml><?xml version="1.0" encoding="utf-8"?>
-<p:tagLst xmlns:a="http://schemas.openxmlformats.org/drawingml/2006/main" xmlns:r="http://schemas.openxmlformats.org/officeDocument/2006/relationships" xmlns:p="http://schemas.openxmlformats.org/presentationml/2006/main">
-  <p:tag name="DEFAULT" val="default"/>
-  <p:tag name="KSO_WM_TAG_VERSION" val="1.0"/>
-  <p:tag name="KSO_WM_BEAUTIFY_FLAG" val="#wm#"/>
-  <p:tag name="KSO_WM_UNIT_TYPE" val="f"/>
-  <p:tag name="KSO_WM_UNIT_ID" val="diagram160999_1*f*1"/>
-  <p:tag name="KSO_WM_TEMPLATE_CATEGORY" val="diagram"/>
-  <p:tag name="KSO_WM_TEMPLATE_INDEX" val="160999"/>
-  <p:tag name="KSO_WM_UNIT_INDEX" val="1"/>
-  <p:tag name="KSO_WM_UNIT_CLEAR" val="1"/>
-  <p:tag name="KSO_WM_UNIT_LAYERLEVEL" val="1"/>
-  <p:tag name="KSO_WM_UNIT_VALUE" val="319"/>
-  <p:tag name="KSO_WM_UNIT_HIGHLIGHT" val="0"/>
-  <p:tag name="KSO_WM_UNIT_COMPATIBLE" val="0"/>
-  <p:tag name="KSO_WM_UNIT_PRESET_TEXT_INDEX" val="2"/>
-  <p:tag name="KSO_WM_UNIT_PRESET_TEXT_LEN" val="20"/>
-</p:tagLst>
-</file>
-
-<file path=ppt/tags/tag89.xml><?xml version="1.0" encoding="utf-8"?>
-<p:tagLst xmlns:a="http://schemas.openxmlformats.org/drawingml/2006/main" xmlns:r="http://schemas.openxmlformats.org/officeDocument/2006/relationships" xmlns:p="http://schemas.openxmlformats.org/presentationml/2006/main">
-  <p:tag name="KSO_WM_TEMPLATE_CATEGORY" val="diagram"/>
-  <p:tag name="KSO_WM_TEMPLATE_INDEX" val="160999"/>
-  <p:tag name="KSO_WM_TAG_VERSION" val="1.0"/>
-  <p:tag name="KSO_WM_SLIDE_ID" val="diagram160999_1"/>
-  <p:tag name="KSO_WM_SLIDE_INDEX" val="1"/>
-  <p:tag name="KSO_WM_SLIDE_ITEM_CNT" val="1"/>
-  <p:tag name="KSO_WM_SLIDE_LAYOUT" val="a_f"/>
-  <p:tag name="KSO_WM_SLIDE_LAYOUT_CNT" val="1_1"/>
-  <p:tag name="KSO_WM_SLIDE_TYPE" val="text"/>
-  <p:tag name="KSO_WM_BEAUTIFY_FLAG" val="#wm#"/>
-  <p:tag name="KSO_WM_SLIDE_POSITION" val="66*144"/>
-  <p:tag name="KSO_WM_SLIDE_SIZE" val="828*343"/>
-</p:tagLst>
-</file>
-
 <file path=ppt/tags/tag9.xml><?xml version="1.0" encoding="utf-8"?>
 <p:tagLst xmlns:a="http://schemas.openxmlformats.org/drawingml/2006/main" xmlns:r="http://schemas.openxmlformats.org/officeDocument/2006/relationships" xmlns:p="http://schemas.openxmlformats.org/presentationml/2006/main">
   <p:tag name="KSO_WM_TEMPLATE_CATEGORY" val="diagram"/>
@@ -24437,182 +17489,6 @@
   <p:tag name="KSO_WM_BEAUTIFY_FLAG" val="#wm#"/>
   <p:tag name="KSO_WM_SLIDE_POSITION" val="66*144"/>
   <p:tag name="KSO_WM_SLIDE_SIZE" val="828*343"/>
-</p:tagLst>
-</file>
-
-<file path=ppt/tags/tag90.xml><?xml version="1.0" encoding="utf-8"?>
-<p:tagLst xmlns:a="http://schemas.openxmlformats.org/drawingml/2006/main" xmlns:r="http://schemas.openxmlformats.org/officeDocument/2006/relationships" xmlns:p="http://schemas.openxmlformats.org/presentationml/2006/main">
-  <p:tag name="DEFAULT" val="default"/>
-  <p:tag name="KSO_WM_TAG_VERSION" val="1.0"/>
-  <p:tag name="KSO_WM_BEAUTIFY_FLAG" val="#wm#"/>
-  <p:tag name="KSO_WM_UNIT_TYPE" val="a"/>
-  <p:tag name="KSO_WM_UNIT_ID" val="diagram160999_1*a*1"/>
-  <p:tag name="KSO_WM_TEMPLATE_CATEGORY" val="diagram"/>
-  <p:tag name="KSO_WM_TEMPLATE_INDEX" val="160999"/>
-  <p:tag name="KSO_WM_UNIT_INDEX" val="1"/>
-  <p:tag name="KSO_WM_UNIT_CLEAR" val="1"/>
-  <p:tag name="KSO_WM_UNIT_LAYERLEVEL" val="1"/>
-  <p:tag name="KSO_WM_UNIT_VALUE" val="40"/>
-  <p:tag name="KSO_WM_UNIT_ISCONTENTSTITLE" val="0"/>
-  <p:tag name="KSO_WM_UNIT_HIGHLIGHT" val="0"/>
-  <p:tag name="KSO_WM_UNIT_COMPATIBLE" val="0"/>
-  <p:tag name="KSO_WM_UNIT_PRESET_TEXT_INDEX" val="0"/>
-  <p:tag name="KSO_WM_UNIT_PRESET_TEXT_LEN" val="9"/>
-</p:tagLst>
-</file>
-
-<file path=ppt/tags/tag91.xml><?xml version="1.0" encoding="utf-8"?>
-<p:tagLst xmlns:a="http://schemas.openxmlformats.org/drawingml/2006/main" xmlns:r="http://schemas.openxmlformats.org/officeDocument/2006/relationships" xmlns:p="http://schemas.openxmlformats.org/presentationml/2006/main">
-  <p:tag name="DEFAULT" val="default"/>
-  <p:tag name="KSO_WM_TAG_VERSION" val="1.0"/>
-  <p:tag name="KSO_WM_BEAUTIFY_FLAG" val="#wm#"/>
-  <p:tag name="KSO_WM_UNIT_TYPE" val="i"/>
-  <p:tag name="KSO_WM_UNIT_ID" val="diagram160999_1*i*1"/>
-  <p:tag name="KSO_WM_TEMPLATE_CATEGORY" val="diagram"/>
-  <p:tag name="KSO_WM_TEMPLATE_INDEX" val="160999"/>
-  <p:tag name="KSO_WM_UNIT_INDEX" val="1"/>
-</p:tagLst>
-</file>
-
-<file path=ppt/tags/tag92.xml><?xml version="1.0" encoding="utf-8"?>
-<p:tagLst xmlns:a="http://schemas.openxmlformats.org/drawingml/2006/main" xmlns:r="http://schemas.openxmlformats.org/officeDocument/2006/relationships" xmlns:p="http://schemas.openxmlformats.org/presentationml/2006/main">
-  <p:tag name="DEFAULT" val="default"/>
-  <p:tag name="KSO_WM_TAG_VERSION" val="1.0"/>
-  <p:tag name="KSO_WM_BEAUTIFY_FLAG" val="#wm#"/>
-  <p:tag name="KSO_WM_UNIT_TYPE" val="f"/>
-  <p:tag name="KSO_WM_UNIT_ID" val="diagram160999_1*f*1"/>
-  <p:tag name="KSO_WM_TEMPLATE_CATEGORY" val="diagram"/>
-  <p:tag name="KSO_WM_TEMPLATE_INDEX" val="160999"/>
-  <p:tag name="KSO_WM_UNIT_INDEX" val="1"/>
-  <p:tag name="KSO_WM_UNIT_CLEAR" val="1"/>
-  <p:tag name="KSO_WM_UNIT_LAYERLEVEL" val="1"/>
-  <p:tag name="KSO_WM_UNIT_VALUE" val="319"/>
-  <p:tag name="KSO_WM_UNIT_HIGHLIGHT" val="0"/>
-  <p:tag name="KSO_WM_UNIT_COMPATIBLE" val="0"/>
-  <p:tag name="KSO_WM_UNIT_PRESET_TEXT_INDEX" val="2"/>
-  <p:tag name="KSO_WM_UNIT_PRESET_TEXT_LEN" val="20"/>
-</p:tagLst>
-</file>
-
-<file path=ppt/tags/tag93.xml><?xml version="1.0" encoding="utf-8"?>
-<p:tagLst xmlns:a="http://schemas.openxmlformats.org/drawingml/2006/main" xmlns:r="http://schemas.openxmlformats.org/officeDocument/2006/relationships" xmlns:p="http://schemas.openxmlformats.org/presentationml/2006/main">
-  <p:tag name="KSO_WM_TEMPLATE_CATEGORY" val="diagram"/>
-  <p:tag name="KSO_WM_TEMPLATE_INDEX" val="160999"/>
-  <p:tag name="KSO_WM_TAG_VERSION" val="1.0"/>
-  <p:tag name="KSO_WM_SLIDE_ID" val="diagram160999_1"/>
-  <p:tag name="KSO_WM_SLIDE_INDEX" val="1"/>
-  <p:tag name="KSO_WM_SLIDE_ITEM_CNT" val="1"/>
-  <p:tag name="KSO_WM_SLIDE_LAYOUT" val="a_f"/>
-  <p:tag name="KSO_WM_SLIDE_LAYOUT_CNT" val="1_1"/>
-  <p:tag name="KSO_WM_SLIDE_TYPE" val="text"/>
-  <p:tag name="KSO_WM_BEAUTIFY_FLAG" val="#wm#"/>
-  <p:tag name="KSO_WM_SLIDE_POSITION" val="66*144"/>
-  <p:tag name="KSO_WM_SLIDE_SIZE" val="828*343"/>
-</p:tagLst>
-</file>
-
-<file path=ppt/tags/tag94.xml><?xml version="1.0" encoding="utf-8"?>
-<p:tagLst xmlns:a="http://schemas.openxmlformats.org/drawingml/2006/main" xmlns:r="http://schemas.openxmlformats.org/officeDocument/2006/relationships" xmlns:p="http://schemas.openxmlformats.org/presentationml/2006/main">
-  <p:tag name="DEFAULT" val="default"/>
-  <p:tag name="KSO_WM_TAG_VERSION" val="1.0"/>
-  <p:tag name="KSO_WM_BEAUTIFY_FLAG" val="#wm#"/>
-  <p:tag name="KSO_WM_UNIT_TYPE" val="a"/>
-  <p:tag name="KSO_WM_UNIT_ID" val="diagram160999_1*a*1"/>
-  <p:tag name="KSO_WM_TEMPLATE_CATEGORY" val="diagram"/>
-  <p:tag name="KSO_WM_TEMPLATE_INDEX" val="160999"/>
-  <p:tag name="KSO_WM_UNIT_INDEX" val="1"/>
-  <p:tag name="KSO_WM_UNIT_CLEAR" val="1"/>
-  <p:tag name="KSO_WM_UNIT_LAYERLEVEL" val="1"/>
-  <p:tag name="KSO_WM_UNIT_VALUE" val="40"/>
-  <p:tag name="KSO_WM_UNIT_ISCONTENTSTITLE" val="0"/>
-  <p:tag name="KSO_WM_UNIT_HIGHLIGHT" val="0"/>
-  <p:tag name="KSO_WM_UNIT_COMPATIBLE" val="0"/>
-  <p:tag name="KSO_WM_UNIT_PRESET_TEXT_INDEX" val="0"/>
-  <p:tag name="KSO_WM_UNIT_PRESET_TEXT_LEN" val="9"/>
-</p:tagLst>
-</file>
-
-<file path=ppt/tags/tag95.xml><?xml version="1.0" encoding="utf-8"?>
-<p:tagLst xmlns:a="http://schemas.openxmlformats.org/drawingml/2006/main" xmlns:r="http://schemas.openxmlformats.org/officeDocument/2006/relationships" xmlns:p="http://schemas.openxmlformats.org/presentationml/2006/main">
-  <p:tag name="DEFAULT" val="default"/>
-  <p:tag name="KSO_WM_TAG_VERSION" val="1.0"/>
-  <p:tag name="KSO_WM_BEAUTIFY_FLAG" val="#wm#"/>
-  <p:tag name="KSO_WM_UNIT_TYPE" val="i"/>
-  <p:tag name="KSO_WM_UNIT_ID" val="diagram160999_1*i*1"/>
-  <p:tag name="KSO_WM_TEMPLATE_CATEGORY" val="diagram"/>
-  <p:tag name="KSO_WM_TEMPLATE_INDEX" val="160999"/>
-  <p:tag name="KSO_WM_UNIT_INDEX" val="1"/>
-</p:tagLst>
-</file>
-
-<file path=ppt/tags/tag96.xml><?xml version="1.0" encoding="utf-8"?>
-<p:tagLst xmlns:a="http://schemas.openxmlformats.org/drawingml/2006/main" xmlns:r="http://schemas.openxmlformats.org/officeDocument/2006/relationships" xmlns:p="http://schemas.openxmlformats.org/presentationml/2006/main">
-  <p:tag name="DEFAULT" val="default"/>
-  <p:tag name="KSO_WM_TAG_VERSION" val="1.0"/>
-  <p:tag name="KSO_WM_BEAUTIFY_FLAG" val="#wm#"/>
-  <p:tag name="KSO_WM_UNIT_TYPE" val="f"/>
-  <p:tag name="KSO_WM_UNIT_ID" val="diagram160999_1*f*1"/>
-  <p:tag name="KSO_WM_TEMPLATE_CATEGORY" val="diagram"/>
-  <p:tag name="KSO_WM_TEMPLATE_INDEX" val="160999"/>
-  <p:tag name="KSO_WM_UNIT_INDEX" val="1"/>
-  <p:tag name="KSO_WM_UNIT_CLEAR" val="1"/>
-  <p:tag name="KSO_WM_UNIT_LAYERLEVEL" val="1"/>
-  <p:tag name="KSO_WM_UNIT_VALUE" val="319"/>
-  <p:tag name="KSO_WM_UNIT_HIGHLIGHT" val="0"/>
-  <p:tag name="KSO_WM_UNIT_COMPATIBLE" val="0"/>
-  <p:tag name="KSO_WM_UNIT_PRESET_TEXT_INDEX" val="2"/>
-  <p:tag name="KSO_WM_UNIT_PRESET_TEXT_LEN" val="20"/>
-</p:tagLst>
-</file>
-
-<file path=ppt/tags/tag97.xml><?xml version="1.0" encoding="utf-8"?>
-<p:tagLst xmlns:a="http://schemas.openxmlformats.org/drawingml/2006/main" xmlns:r="http://schemas.openxmlformats.org/officeDocument/2006/relationships" xmlns:p="http://schemas.openxmlformats.org/presentationml/2006/main">
-  <p:tag name="KSO_WM_TEMPLATE_CATEGORY" val="diagram"/>
-  <p:tag name="KSO_WM_TEMPLATE_INDEX" val="160999"/>
-  <p:tag name="KSO_WM_TAG_VERSION" val="1.0"/>
-  <p:tag name="KSO_WM_SLIDE_ID" val="diagram160999_1"/>
-  <p:tag name="KSO_WM_SLIDE_INDEX" val="1"/>
-  <p:tag name="KSO_WM_SLIDE_ITEM_CNT" val="1"/>
-  <p:tag name="KSO_WM_SLIDE_LAYOUT" val="a_f"/>
-  <p:tag name="KSO_WM_SLIDE_LAYOUT_CNT" val="1_1"/>
-  <p:tag name="KSO_WM_SLIDE_TYPE" val="text"/>
-  <p:tag name="KSO_WM_BEAUTIFY_FLAG" val="#wm#"/>
-  <p:tag name="KSO_WM_SLIDE_POSITION" val="66*144"/>
-  <p:tag name="KSO_WM_SLIDE_SIZE" val="828*343"/>
-</p:tagLst>
-</file>
-
-<file path=ppt/tags/tag98.xml><?xml version="1.0" encoding="utf-8"?>
-<p:tagLst xmlns:a="http://schemas.openxmlformats.org/drawingml/2006/main" xmlns:r="http://schemas.openxmlformats.org/officeDocument/2006/relationships" xmlns:p="http://schemas.openxmlformats.org/presentationml/2006/main">
-  <p:tag name="DEFAULT" val="default"/>
-  <p:tag name="KSO_WM_TAG_VERSION" val="1.0"/>
-  <p:tag name="KSO_WM_BEAUTIFY_FLAG" val="#wm#"/>
-  <p:tag name="KSO_WM_UNIT_TYPE" val="a"/>
-  <p:tag name="KSO_WM_UNIT_ID" val="diagram160999_1*a*1"/>
-  <p:tag name="KSO_WM_TEMPLATE_CATEGORY" val="diagram"/>
-  <p:tag name="KSO_WM_TEMPLATE_INDEX" val="160999"/>
-  <p:tag name="KSO_WM_UNIT_INDEX" val="1"/>
-  <p:tag name="KSO_WM_UNIT_CLEAR" val="1"/>
-  <p:tag name="KSO_WM_UNIT_LAYERLEVEL" val="1"/>
-  <p:tag name="KSO_WM_UNIT_VALUE" val="40"/>
-  <p:tag name="KSO_WM_UNIT_ISCONTENTSTITLE" val="0"/>
-  <p:tag name="KSO_WM_UNIT_HIGHLIGHT" val="0"/>
-  <p:tag name="KSO_WM_UNIT_COMPATIBLE" val="0"/>
-  <p:tag name="KSO_WM_UNIT_PRESET_TEXT_INDEX" val="0"/>
-  <p:tag name="KSO_WM_UNIT_PRESET_TEXT_LEN" val="9"/>
-</p:tagLst>
-</file>
-
-<file path=ppt/tags/tag99.xml><?xml version="1.0" encoding="utf-8"?>
-<p:tagLst xmlns:a="http://schemas.openxmlformats.org/drawingml/2006/main" xmlns:r="http://schemas.openxmlformats.org/officeDocument/2006/relationships" xmlns:p="http://schemas.openxmlformats.org/presentationml/2006/main">
-  <p:tag name="DEFAULT" val="default"/>
-  <p:tag name="KSO_WM_TAG_VERSION" val="1.0"/>
-  <p:tag name="KSO_WM_BEAUTIFY_FLAG" val="#wm#"/>
-  <p:tag name="KSO_WM_UNIT_TYPE" val="i"/>
-  <p:tag name="KSO_WM_UNIT_ID" val="diagram160999_1*i*1"/>
-  <p:tag name="KSO_WM_TEMPLATE_CATEGORY" val="diagram"/>
-  <p:tag name="KSO_WM_TEMPLATE_INDEX" val="160999"/>
-  <p:tag name="KSO_WM_UNIT_INDEX" val="1"/>
 </p:tagLst>
 </file>
 
